--- a/linsley_postdoc/presentations/weekly_meetings/10_12_23.pptx
+++ b/linsley_postdoc/presentations/weekly_meetings/10_12_23.pptx
@@ -741,6 +741,99 @@
 </file>
 
 <file path=ppt/notesSlides/notesSlide12.xml><?xml version="1.0" encoding="utf-8"?>
+<p:notes xmlns:a="http://schemas.openxmlformats.org/drawingml/2006/main" xmlns:r="http://schemas.openxmlformats.org/officeDocument/2006/relationships" xmlns:p="http://schemas.openxmlformats.org/presentationml/2006/main">
+  <p:cSld>
+    <p:spTree>
+      <p:nvGrpSpPr>
+        <p:cNvPr id="1" name=""/>
+        <p:cNvGrpSpPr/>
+        <p:nvPr/>
+      </p:nvGrpSpPr>
+      <p:grpSpPr>
+        <a:xfrm>
+          <a:off x="0" y="0"/>
+          <a:ext cx="0" cy="0"/>
+          <a:chOff x="0" y="0"/>
+          <a:chExt cx="0" cy="0"/>
+        </a:xfrm>
+      </p:grpSpPr>
+      <p:sp>
+        <p:nvSpPr>
+          <p:cNvPr id="2" name="Slide Image Placeholder 1"/>
+          <p:cNvSpPr>
+            <a:spLocks noGrp="1" noRot="1" noChangeAspect="1"/>
+          </p:cNvSpPr>
+          <p:nvPr>
+            <p:ph type="sldImg"/>
+          </p:nvPr>
+        </p:nvSpPr>
+        <p:spPr/>
+      </p:sp>
+      <p:sp>
+        <p:nvSpPr>
+          <p:cNvPr id="3" name="Notes Placeholder 2"/>
+          <p:cNvSpPr>
+            <a:spLocks noGrp="1"/>
+          </p:cNvSpPr>
+          <p:nvPr>
+            <p:ph type="body" idx="1"/>
+          </p:nvPr>
+        </p:nvSpPr>
+        <p:spPr/>
+        <p:txBody>
+          <a:bodyPr/>
+          <a:lstStyle/>
+          <a:p>
+            <a:r>
+              <a:rPr lang="en-US" sz="1800" dirty="0">
+                <a:effectLst/>
+                <a:latin typeface="Calibri" panose="020F0502020204030204" pitchFamily="34" charset="0"/>
+                <a:ea typeface="Calibri" panose="020F0502020204030204" pitchFamily="34" charset="0"/>
+                <a:cs typeface="Times New Roman" panose="02020603050405020304" pitchFamily="18" charset="0"/>
+              </a:rPr>
+              <a:t>Eisenberg hydrophobicity scale</a:t>
+            </a:r>
+            <a:endParaRPr lang="en-US" dirty="0"/>
+          </a:p>
+        </p:txBody>
+      </p:sp>
+      <p:sp>
+        <p:nvSpPr>
+          <p:cNvPr id="4" name="Slide Number Placeholder 3"/>
+          <p:cNvSpPr>
+            <a:spLocks noGrp="1"/>
+          </p:cNvSpPr>
+          <p:nvPr>
+            <p:ph type="sldNum" sz="quarter" idx="5"/>
+          </p:nvPr>
+        </p:nvSpPr>
+        <p:spPr/>
+        <p:txBody>
+          <a:bodyPr/>
+          <a:lstStyle/>
+          <a:p>
+            <a:fld id="{061BAA8C-FDC6-D345-B4E0-3B02449209FB}" type="slidenum">
+              <a:rPr lang="en-US" smtClean="0"/>
+              <a:t>13</a:t>
+            </a:fld>
+            <a:endParaRPr lang="en-US"/>
+          </a:p>
+        </p:txBody>
+      </p:sp>
+    </p:spTree>
+    <p:extLst>
+      <p:ext uri="{BB962C8B-B14F-4D97-AF65-F5344CB8AC3E}">
+        <p14:creationId xmlns:p14="http://schemas.microsoft.com/office/powerpoint/2010/main" val="3503823019"/>
+      </p:ext>
+    </p:extLst>
+  </p:cSld>
+  <p:clrMapOvr>
+    <a:masterClrMapping/>
+  </p:clrMapOvr>
+</p:notes>
+</file>
+
+<file path=ppt/notesSlides/notesSlide13.xml><?xml version="1.0" encoding="utf-8"?>
 <p:notes xmlns:a="http://schemas.openxmlformats.org/drawingml/2006/main" xmlns:r="http://schemas.openxmlformats.org/officeDocument/2006/relationships" xmlns:p="http://schemas.openxmlformats.org/presentationml/2006/main">
   <p:cSld>
     <p:spTree>
@@ -5460,7 +5553,7 @@
               <a:rPr lang="en-US" dirty="0">
                 <a:latin typeface="Calibri (Body)"/>
               </a:rPr>
-              <a:t> for probability of generation score</a:t>
+              <a:t> for probability of generation score (higher meaning more germline-like)</a:t>
             </a:r>
             <a:endParaRPr lang="en-US" dirty="0">
               <a:solidFill>
@@ -5774,6 +5867,25 @@
               </a:rPr>
               <a:t>Length</a:t>
             </a:r>
+          </a:p>
+          <a:p>
+            <a:pPr lvl="2"/>
+            <a:r>
+              <a:rPr lang="en-US" dirty="0">
+                <a:solidFill>
+                  <a:srgbClr val="000000"/>
+                </a:solidFill>
+                <a:latin typeface="Calibri (Body)"/>
+              </a:rPr>
+              <a:t>Hydrophobicity? Perhaps relates to cross-reactivity</a:t>
+            </a:r>
+            <a:endParaRPr lang="en-US" b="0" dirty="0">
+              <a:solidFill>
+                <a:srgbClr val="000000"/>
+              </a:solidFill>
+              <a:effectLst/>
+              <a:latin typeface="Calibri (Body)"/>
+            </a:endParaRPr>
           </a:p>
         </p:txBody>
       </p:sp>

--- a/linsley_postdoc/presentations/weekly_meetings/10_12_23.pptx
+++ b/linsley_postdoc/presentations/weekly_meetings/10_12_23.pptx
@@ -5,7 +5,7 @@
     <p:sldMasterId id="2147483648" r:id="rId1"/>
   </p:sldMasterIdLst>
   <p:notesMasterIdLst>
-    <p:notesMasterId r:id="rId16"/>
+    <p:notesMasterId r:id="rId17"/>
   </p:notesMasterIdLst>
   <p:sldIdLst>
     <p:sldId id="256" r:id="rId2"/>
@@ -19,9 +19,10 @@
     <p:sldId id="390" r:id="rId10"/>
     <p:sldId id="391" r:id="rId11"/>
     <p:sldId id="392" r:id="rId12"/>
-    <p:sldId id="381" r:id="rId13"/>
-    <p:sldId id="383" r:id="rId14"/>
-    <p:sldId id="393" r:id="rId15"/>
+    <p:sldId id="394" r:id="rId13"/>
+    <p:sldId id="381" r:id="rId14"/>
+    <p:sldId id="383" r:id="rId15"/>
+    <p:sldId id="393" r:id="rId16"/>
   </p:sldIdLst>
   <p:sldSz cx="12192000" cy="6858000"/>
   <p:notesSz cx="6858000" cy="9144000"/>
@@ -221,7 +222,7 @@
           <a:p>
             <a:fld id="{E933A773-0DCE-3544-BB67-D5FA58DF903C}" type="datetimeFigureOut">
               <a:rPr lang="en-US" smtClean="0"/>
-              <a:t>10/11/23</a:t>
+              <a:t>10/12/23</a:t>
             </a:fld>
             <a:endParaRPr lang="en-US"/>
           </a:p>
@@ -730,7 +731,7 @@
     </p:spTree>
     <p:extLst>
       <p:ext uri="{BB962C8B-B14F-4D97-AF65-F5344CB8AC3E}">
-        <p14:creationId xmlns:p14="http://schemas.microsoft.com/office/powerpoint/2010/main" val="1922637491"/>
+        <p14:creationId xmlns:p14="http://schemas.microsoft.com/office/powerpoint/2010/main" val="4029364016"/>
       </p:ext>
     </p:extLst>
   </p:cSld>
@@ -784,15 +785,6 @@
           <a:bodyPr/>
           <a:lstStyle/>
           <a:p>
-            <a:r>
-              <a:rPr lang="en-US" sz="1800" dirty="0">
-                <a:effectLst/>
-                <a:latin typeface="Calibri" panose="020F0502020204030204" pitchFamily="34" charset="0"/>
-                <a:ea typeface="Calibri" panose="020F0502020204030204" pitchFamily="34" charset="0"/>
-                <a:cs typeface="Times New Roman" panose="02020603050405020304" pitchFamily="18" charset="0"/>
-              </a:rPr>
-              <a:t>Eisenberg hydrophobicity scale</a:t>
-            </a:r>
             <a:endParaRPr lang="en-US" dirty="0"/>
           </a:p>
         </p:txBody>
@@ -823,7 +815,7 @@
     </p:spTree>
     <p:extLst>
       <p:ext uri="{BB962C8B-B14F-4D97-AF65-F5344CB8AC3E}">
-        <p14:creationId xmlns:p14="http://schemas.microsoft.com/office/powerpoint/2010/main" val="3503823019"/>
+        <p14:creationId xmlns:p14="http://schemas.microsoft.com/office/powerpoint/2010/main" val="1922637491"/>
       </p:ext>
     </p:extLst>
   </p:cSld>
@@ -877,6 +869,15 @@
           <a:bodyPr/>
           <a:lstStyle/>
           <a:p>
+            <a:r>
+              <a:rPr lang="en-US" sz="1800" dirty="0">
+                <a:effectLst/>
+                <a:latin typeface="Calibri" panose="020F0502020204030204" pitchFamily="34" charset="0"/>
+                <a:ea typeface="Calibri" panose="020F0502020204030204" pitchFamily="34" charset="0"/>
+                <a:cs typeface="Times New Roman" panose="02020603050405020304" pitchFamily="18" charset="0"/>
+              </a:rPr>
+              <a:t>Eisenberg hydrophobicity scale</a:t>
+            </a:r>
             <a:endParaRPr lang="en-US" dirty="0"/>
           </a:p>
         </p:txBody>
@@ -899,6 +900,90 @@
             <a:fld id="{061BAA8C-FDC6-D345-B4E0-3B02449209FB}" type="slidenum">
               <a:rPr lang="en-US" smtClean="0"/>
               <a:t>14</a:t>
+            </a:fld>
+            <a:endParaRPr lang="en-US"/>
+          </a:p>
+        </p:txBody>
+      </p:sp>
+    </p:spTree>
+    <p:extLst>
+      <p:ext uri="{BB962C8B-B14F-4D97-AF65-F5344CB8AC3E}">
+        <p14:creationId xmlns:p14="http://schemas.microsoft.com/office/powerpoint/2010/main" val="3503823019"/>
+      </p:ext>
+    </p:extLst>
+  </p:cSld>
+  <p:clrMapOvr>
+    <a:masterClrMapping/>
+  </p:clrMapOvr>
+</p:notes>
+</file>
+
+<file path=ppt/notesSlides/notesSlide14.xml><?xml version="1.0" encoding="utf-8"?>
+<p:notes xmlns:a="http://schemas.openxmlformats.org/drawingml/2006/main" xmlns:r="http://schemas.openxmlformats.org/officeDocument/2006/relationships" xmlns:p="http://schemas.openxmlformats.org/presentationml/2006/main">
+  <p:cSld>
+    <p:spTree>
+      <p:nvGrpSpPr>
+        <p:cNvPr id="1" name=""/>
+        <p:cNvGrpSpPr/>
+        <p:nvPr/>
+      </p:nvGrpSpPr>
+      <p:grpSpPr>
+        <a:xfrm>
+          <a:off x="0" y="0"/>
+          <a:ext cx="0" cy="0"/>
+          <a:chOff x="0" y="0"/>
+          <a:chExt cx="0" cy="0"/>
+        </a:xfrm>
+      </p:grpSpPr>
+      <p:sp>
+        <p:nvSpPr>
+          <p:cNvPr id="2" name="Slide Image Placeholder 1"/>
+          <p:cNvSpPr>
+            <a:spLocks noGrp="1" noRot="1" noChangeAspect="1"/>
+          </p:cNvSpPr>
+          <p:nvPr>
+            <p:ph type="sldImg"/>
+          </p:nvPr>
+        </p:nvSpPr>
+        <p:spPr/>
+      </p:sp>
+      <p:sp>
+        <p:nvSpPr>
+          <p:cNvPr id="3" name="Notes Placeholder 2"/>
+          <p:cNvSpPr>
+            <a:spLocks noGrp="1"/>
+          </p:cNvSpPr>
+          <p:nvPr>
+            <p:ph type="body" idx="1"/>
+          </p:nvPr>
+        </p:nvSpPr>
+        <p:spPr/>
+        <p:txBody>
+          <a:bodyPr/>
+          <a:lstStyle/>
+          <a:p>
+            <a:endParaRPr lang="en-US" dirty="0"/>
+          </a:p>
+        </p:txBody>
+      </p:sp>
+      <p:sp>
+        <p:nvSpPr>
+          <p:cNvPr id="4" name="Slide Number Placeholder 3"/>
+          <p:cNvSpPr>
+            <a:spLocks noGrp="1"/>
+          </p:cNvSpPr>
+          <p:nvPr>
+            <p:ph type="sldNum" sz="quarter" idx="5"/>
+          </p:nvPr>
+        </p:nvSpPr>
+        <p:spPr/>
+        <p:txBody>
+          <a:bodyPr/>
+          <a:lstStyle/>
+          <a:p>
+            <a:fld id="{061BAA8C-FDC6-D345-B4E0-3B02449209FB}" type="slidenum">
+              <a:rPr lang="en-US" smtClean="0"/>
+              <a:t>15</a:t>
             </a:fld>
             <a:endParaRPr lang="en-US"/>
           </a:p>
@@ -1736,7 +1821,7 @@
           <a:p>
             <a:fld id="{80FC6068-BAFB-FC44-B9D8-F4B3BB105DE6}" type="datetimeFigureOut">
               <a:rPr lang="en-US" smtClean="0"/>
-              <a:t>10/11/23</a:t>
+              <a:t>10/12/23</a:t>
             </a:fld>
             <a:endParaRPr lang="en-US"/>
           </a:p>
@@ -1934,7 +2019,7 @@
           <a:p>
             <a:fld id="{80FC6068-BAFB-FC44-B9D8-F4B3BB105DE6}" type="datetimeFigureOut">
               <a:rPr lang="en-US" smtClean="0"/>
-              <a:t>10/11/23</a:t>
+              <a:t>10/12/23</a:t>
             </a:fld>
             <a:endParaRPr lang="en-US"/>
           </a:p>
@@ -2142,7 +2227,7 @@
           <a:p>
             <a:fld id="{80FC6068-BAFB-FC44-B9D8-F4B3BB105DE6}" type="datetimeFigureOut">
               <a:rPr lang="en-US" smtClean="0"/>
-              <a:t>10/11/23</a:t>
+              <a:t>10/12/23</a:t>
             </a:fld>
             <a:endParaRPr lang="en-US"/>
           </a:p>
@@ -2346,7 +2431,7 @@
           <a:p>
             <a:fld id="{80FC6068-BAFB-FC44-B9D8-F4B3BB105DE6}" type="datetimeFigureOut">
               <a:rPr lang="en-US" smtClean="0"/>
-              <a:t>10/11/23</a:t>
+              <a:t>10/12/23</a:t>
             </a:fld>
             <a:endParaRPr lang="en-US"/>
           </a:p>
@@ -2637,7 +2722,7 @@
           <a:p>
             <a:fld id="{80FC6068-BAFB-FC44-B9D8-F4B3BB105DE6}" type="datetimeFigureOut">
               <a:rPr lang="en-US" smtClean="0"/>
-              <a:t>10/11/23</a:t>
+              <a:t>10/12/23</a:t>
             </a:fld>
             <a:endParaRPr lang="en-US"/>
           </a:p>
@@ -2902,7 +2987,7 @@
           <a:p>
             <a:fld id="{80FC6068-BAFB-FC44-B9D8-F4B3BB105DE6}" type="datetimeFigureOut">
               <a:rPr lang="en-US" smtClean="0"/>
-              <a:t>10/11/23</a:t>
+              <a:t>10/12/23</a:t>
             </a:fld>
             <a:endParaRPr lang="en-US"/>
           </a:p>
@@ -3314,7 +3399,7 @@
           <a:p>
             <a:fld id="{80FC6068-BAFB-FC44-B9D8-F4B3BB105DE6}" type="datetimeFigureOut">
               <a:rPr lang="en-US" smtClean="0"/>
-              <a:t>10/11/23</a:t>
+              <a:t>10/12/23</a:t>
             </a:fld>
             <a:endParaRPr lang="en-US"/>
           </a:p>
@@ -3455,7 +3540,7 @@
           <a:p>
             <a:fld id="{80FC6068-BAFB-FC44-B9D8-F4B3BB105DE6}" type="datetimeFigureOut">
               <a:rPr lang="en-US" smtClean="0"/>
-              <a:t>10/11/23</a:t>
+              <a:t>10/12/23</a:t>
             </a:fld>
             <a:endParaRPr lang="en-US"/>
           </a:p>
@@ -3568,7 +3653,7 @@
           <a:p>
             <a:fld id="{80FC6068-BAFB-FC44-B9D8-F4B3BB105DE6}" type="datetimeFigureOut">
               <a:rPr lang="en-US" smtClean="0"/>
-              <a:t>10/11/23</a:t>
+              <a:t>10/12/23</a:t>
             </a:fld>
             <a:endParaRPr lang="en-US"/>
           </a:p>
@@ -3879,7 +3964,7 @@
           <a:p>
             <a:fld id="{80FC6068-BAFB-FC44-B9D8-F4B3BB105DE6}" type="datetimeFigureOut">
               <a:rPr lang="en-US" smtClean="0"/>
-              <a:t>10/11/23</a:t>
+              <a:t>10/12/23</a:t>
             </a:fld>
             <a:endParaRPr lang="en-US"/>
           </a:p>
@@ -4167,7 +4252,7 @@
           <a:p>
             <a:fld id="{80FC6068-BAFB-FC44-B9D8-F4B3BB105DE6}" type="datetimeFigureOut">
               <a:rPr lang="en-US" smtClean="0"/>
-              <a:t>10/11/23</a:t>
+              <a:t>10/12/23</a:t>
             </a:fld>
             <a:endParaRPr lang="en-US"/>
           </a:p>
@@ -4408,7 +4493,7 @@
           <a:p>
             <a:fld id="{80FC6068-BAFB-FC44-B9D8-F4B3BB105DE6}" type="datetimeFigureOut">
               <a:rPr lang="en-US" smtClean="0"/>
-              <a:t>10/11/23</a:t>
+              <a:t>10/12/23</a:t>
             </a:fld>
             <a:endParaRPr lang="en-US"/>
           </a:p>
@@ -4958,7 +5043,7 @@
             </a:r>
             <a:r>
               <a:rPr lang="en-US" dirty="0"/>
-              <a:t> profiling of CDR3 shows no obvious differences by severe </a:t>
+              <a:t> profiling of CDR3 shows no differences by severe </a:t>
             </a:r>
             <a:r>
               <a:rPr lang="en-US" dirty="0" err="1"/>
@@ -5110,7 +5195,7 @@
             </a:r>
             <a:r>
               <a:rPr lang="en-US" dirty="0"/>
-              <a:t> profiling of n1/2 shows no obvious differences by severe </a:t>
+              <a:t> profiling of n1/2 shows no differences by severe </a:t>
             </a:r>
             <a:r>
               <a:rPr lang="en-US" dirty="0" err="1"/>
@@ -5207,6 +5292,190 @@
 </file>
 
 <file path=ppt/slides/slide12.xml><?xml version="1.0" encoding="utf-8"?>
+<p:sld xmlns:a="http://schemas.openxmlformats.org/drawingml/2006/main" xmlns:r="http://schemas.openxmlformats.org/officeDocument/2006/relationships" xmlns:p="http://schemas.openxmlformats.org/presentationml/2006/main">
+  <p:cSld>
+    <p:spTree>
+      <p:nvGrpSpPr>
+        <p:cNvPr id="1" name=""/>
+        <p:cNvGrpSpPr/>
+        <p:nvPr/>
+      </p:nvGrpSpPr>
+      <p:grpSpPr>
+        <a:xfrm>
+          <a:off x="0" y="0"/>
+          <a:ext cx="0" cy="0"/>
+          <a:chOff x="0" y="0"/>
+          <a:chExt cx="0" cy="0"/>
+        </a:xfrm>
+      </p:grpSpPr>
+      <p:sp>
+        <p:nvSpPr>
+          <p:cNvPr id="2" name="Title 1">
+            <a:extLst>
+              <a:ext uri="{FF2B5EF4-FFF2-40B4-BE49-F238E27FC236}">
+                <a16:creationId xmlns:a16="http://schemas.microsoft.com/office/drawing/2014/main" id="{70A4C97D-8F21-3D3B-6A90-EA7145324964}"/>
+              </a:ext>
+            </a:extLst>
+          </p:cNvPr>
+          <p:cNvSpPr>
+            <a:spLocks noGrp="1"/>
+          </p:cNvSpPr>
+          <p:nvPr>
+            <p:ph type="title"/>
+          </p:nvPr>
+        </p:nvSpPr>
+        <p:spPr/>
+        <p:txBody>
+          <a:bodyPr>
+            <a:normAutofit fontScale="90000"/>
+          </a:bodyPr>
+          <a:lstStyle/>
+          <a:p>
+            <a:r>
+              <a:rPr lang="en-US" dirty="0"/>
+              <a:t>Bulk TCR</a:t>
+            </a:r>
+            <a:r>
+              <a:rPr lang="el-GR" i="0" u="none" strike="noStrike" dirty="0">
+                <a:effectLst/>
+              </a:rPr>
+              <a:t>β</a:t>
+            </a:r>
+            <a:r>
+              <a:rPr lang="en-US" i="0" u="none" strike="noStrike" dirty="0">
+                <a:effectLst/>
+              </a:rPr>
+              <a:t> chain</a:t>
+            </a:r>
+            <a:r>
+              <a:rPr lang="en-US" dirty="0"/>
+              <a:t> profiling of amino acid hydrophobicity shows no differences by ICI status or severe </a:t>
+            </a:r>
+            <a:r>
+              <a:rPr lang="en-US" dirty="0" err="1"/>
+              <a:t>irAE</a:t>
+            </a:r>
+            <a:r>
+              <a:rPr lang="en-US" dirty="0"/>
+              <a:t> development</a:t>
+            </a:r>
+          </a:p>
+        </p:txBody>
+      </p:sp>
+      <p:sp>
+        <p:nvSpPr>
+          <p:cNvPr id="3" name="Content Placeholder 2">
+            <a:extLst>
+              <a:ext uri="{FF2B5EF4-FFF2-40B4-BE49-F238E27FC236}">
+                <a16:creationId xmlns:a16="http://schemas.microsoft.com/office/drawing/2014/main" id="{B9501834-7B32-1ACA-4358-B630FB8EEC36}"/>
+              </a:ext>
+            </a:extLst>
+          </p:cNvPr>
+          <p:cNvSpPr>
+            <a:spLocks noGrp="1"/>
+          </p:cNvSpPr>
+          <p:nvPr>
+            <p:ph idx="1"/>
+          </p:nvPr>
+        </p:nvSpPr>
+        <p:spPr/>
+        <p:txBody>
+          <a:bodyPr>
+            <a:normAutofit/>
+          </a:bodyPr>
+          <a:lstStyle/>
+          <a:p>
+            <a:endParaRPr lang="en-US" i="1" dirty="0">
+              <a:effectLst/>
+              <a:latin typeface="Calibri (Body)"/>
+            </a:endParaRPr>
+          </a:p>
+          <a:p>
+            <a:pPr lvl="2"/>
+            <a:endParaRPr lang="en-US" b="0" dirty="0">
+              <a:solidFill>
+                <a:srgbClr val="000000"/>
+              </a:solidFill>
+              <a:effectLst/>
+              <a:latin typeface="Calibri (Body)"/>
+            </a:endParaRPr>
+          </a:p>
+        </p:txBody>
+      </p:sp>
+      <p:pic>
+        <p:nvPicPr>
+          <p:cNvPr id="4" name="Picture 3">
+            <a:extLst>
+              <a:ext uri="{FF2B5EF4-FFF2-40B4-BE49-F238E27FC236}">
+                <a16:creationId xmlns:a16="http://schemas.microsoft.com/office/drawing/2014/main" id="{B7C2C24F-F283-F5CA-1DF6-46E24BCF9519}"/>
+              </a:ext>
+            </a:extLst>
+          </p:cNvPr>
+          <p:cNvPicPr>
+            <a:picLocks noChangeAspect="1"/>
+          </p:cNvPicPr>
+          <p:nvPr/>
+        </p:nvPicPr>
+        <p:blipFill>
+          <a:blip r:embed="rId3"/>
+          <a:stretch>
+            <a:fillRect/>
+          </a:stretch>
+        </p:blipFill>
+        <p:spPr>
+          <a:xfrm>
+            <a:off x="0" y="2226164"/>
+            <a:ext cx="6067108" cy="3550258"/>
+          </a:xfrm>
+          <a:prstGeom prst="rect">
+            <a:avLst/>
+          </a:prstGeom>
+        </p:spPr>
+      </p:pic>
+      <p:pic>
+        <p:nvPicPr>
+          <p:cNvPr id="6" name="Picture 5">
+            <a:extLst>
+              <a:ext uri="{FF2B5EF4-FFF2-40B4-BE49-F238E27FC236}">
+                <a16:creationId xmlns:a16="http://schemas.microsoft.com/office/drawing/2014/main" id="{AA359E29-0C1B-9962-3A9A-414953A743F9}"/>
+              </a:ext>
+            </a:extLst>
+          </p:cNvPr>
+          <p:cNvPicPr>
+            <a:picLocks noChangeAspect="1"/>
+          </p:cNvPicPr>
+          <p:nvPr/>
+        </p:nvPicPr>
+        <p:blipFill>
+          <a:blip r:embed="rId4"/>
+          <a:stretch>
+            <a:fillRect/>
+          </a:stretch>
+        </p:blipFill>
+        <p:spPr>
+          <a:xfrm>
+            <a:off x="6124894" y="2237988"/>
+            <a:ext cx="6067108" cy="3526611"/>
+          </a:xfrm>
+          <a:prstGeom prst="rect">
+            <a:avLst/>
+          </a:prstGeom>
+        </p:spPr>
+      </p:pic>
+    </p:spTree>
+    <p:extLst>
+      <p:ext uri="{BB962C8B-B14F-4D97-AF65-F5344CB8AC3E}">
+        <p14:creationId xmlns:p14="http://schemas.microsoft.com/office/powerpoint/2010/main" val="1288752440"/>
+      </p:ext>
+    </p:extLst>
+  </p:cSld>
+  <p:clrMapOvr>
+    <a:masterClrMapping/>
+  </p:clrMapOvr>
+</p:sld>
+</file>
+
+<file path=ppt/slides/slide13.xml><?xml version="1.0" encoding="utf-8"?>
 <p:sld xmlns:a="http://schemas.openxmlformats.org/drawingml/2006/main" xmlns:r="http://schemas.openxmlformats.org/officeDocument/2006/relationships" xmlns:p="http://schemas.openxmlformats.org/presentationml/2006/main">
   <p:cSld>
     <p:spTree>
@@ -5577,7 +5846,7 @@
 </p:sld>
 </file>
 
-<file path=ppt/slides/slide13.xml><?xml version="1.0" encoding="utf-8"?>
+<file path=ppt/slides/slide14.xml><?xml version="1.0" encoding="utf-8"?>
 <p:sld xmlns:a="http://schemas.openxmlformats.org/drawingml/2006/main" xmlns:r="http://schemas.openxmlformats.org/officeDocument/2006/relationships" xmlns:p="http://schemas.openxmlformats.org/presentationml/2006/main">
   <p:cSld>
     <p:spTree>
@@ -5871,13 +6140,40 @@
           <a:p>
             <a:pPr lvl="2"/>
             <a:r>
+              <a:rPr lang="en-US">
+                <a:solidFill>
+                  <a:srgbClr val="000000"/>
+                </a:solidFill>
+                <a:latin typeface="Calibri (Body)"/>
+              </a:rPr>
+              <a:t>Hydrophobicity, </a:t>
+            </a:r>
+            <a:r>
               <a:rPr lang="en-US" dirty="0">
                 <a:solidFill>
                   <a:srgbClr val="000000"/>
                 </a:solidFill>
                 <a:latin typeface="Calibri (Body)"/>
               </a:rPr>
-              <a:t>Hydrophobicity? Perhaps relates to cross-reactivity</a:t>
+              <a:t>p</a:t>
+            </a:r>
+            <a:r>
+              <a:rPr lang="en-US">
+                <a:solidFill>
+                  <a:srgbClr val="000000"/>
+                </a:solidFill>
+                <a:latin typeface="Calibri (Body)"/>
+              </a:rPr>
+              <a:t>erhaps </a:t>
+            </a:r>
+            <a:r>
+              <a:rPr lang="en-US" dirty="0">
+                <a:solidFill>
+                  <a:srgbClr val="000000"/>
+                </a:solidFill>
+                <a:latin typeface="Calibri (Body)"/>
+              </a:rPr>
+              <a:t>relates to cross-reactivity</a:t>
             </a:r>
             <a:endParaRPr lang="en-US" b="0" dirty="0">
               <a:solidFill>
@@ -5902,7 +6198,7 @@
 </p:sld>
 </file>
 
-<file path=ppt/slides/slide14.xml><?xml version="1.0" encoding="utf-8"?>
+<file path=ppt/slides/slide15.xml><?xml version="1.0" encoding="utf-8"?>
 <p:sld xmlns:a="http://schemas.openxmlformats.org/drawingml/2006/main" xmlns:r="http://schemas.openxmlformats.org/officeDocument/2006/relationships" xmlns:p="http://schemas.openxmlformats.org/presentationml/2006/main">
   <p:cSld>
     <p:spTree>
@@ -7962,7 +8258,7 @@
             </a:r>
             <a:r>
               <a:rPr lang="en-US" dirty="0"/>
-              <a:t> profiling shows no obvious differences before and on ICI treatment</a:t>
+              <a:t> profiling shows no differences before and on ICI treatment</a:t>
             </a:r>
           </a:p>
         </p:txBody>
@@ -8106,7 +8402,7 @@
             </a:r>
             <a:r>
               <a:rPr lang="en-US" dirty="0"/>
-              <a:t> profiling of CDR3 shows no obvious differences before and on ICI treatment</a:t>
+              <a:t> profiling of CDR3 shows no differences before and on ICI treatment</a:t>
             </a:r>
           </a:p>
         </p:txBody>
@@ -8250,7 +8546,7 @@
             </a:r>
             <a:r>
               <a:rPr lang="en-US" dirty="0"/>
-              <a:t> profiling of n1/2 insertions shows no obvious differences before and on ICI treatment</a:t>
+              <a:t> profiling of n1/2 insertions shows no differences before and on ICI treatment</a:t>
             </a:r>
           </a:p>
         </p:txBody>
@@ -8394,7 +8690,7 @@
             </a:r>
             <a:r>
               <a:rPr lang="en-US" dirty="0"/>
-              <a:t> profiling shows no obvious differences by severe </a:t>
+              <a:t> profiling shows no differences by severe </a:t>
             </a:r>
             <a:r>
               <a:rPr lang="en-US" dirty="0" err="1"/>

--- a/linsley_postdoc/presentations/weekly_meetings/10_12_23.pptx
+++ b/linsley_postdoc/presentations/weekly_meetings/10_12_23.pptx
@@ -5,7 +5,7 @@
     <p:sldMasterId id="2147483648" r:id="rId1"/>
   </p:sldMasterIdLst>
   <p:notesMasterIdLst>
-    <p:notesMasterId r:id="rId17"/>
+    <p:notesMasterId r:id="rId18"/>
   </p:notesMasterIdLst>
   <p:sldIdLst>
     <p:sldId id="256" r:id="rId2"/>
@@ -14,15 +14,16 @@
     <p:sldId id="378" r:id="rId5"/>
     <p:sldId id="380" r:id="rId6"/>
     <p:sldId id="386" r:id="rId7"/>
-    <p:sldId id="387" r:id="rId8"/>
-    <p:sldId id="388" r:id="rId9"/>
-    <p:sldId id="390" r:id="rId10"/>
-    <p:sldId id="391" r:id="rId11"/>
-    <p:sldId id="392" r:id="rId12"/>
-    <p:sldId id="394" r:id="rId13"/>
-    <p:sldId id="381" r:id="rId14"/>
-    <p:sldId id="383" r:id="rId15"/>
-    <p:sldId id="393" r:id="rId16"/>
+    <p:sldId id="390" r:id="rId8"/>
+    <p:sldId id="394" r:id="rId9"/>
+    <p:sldId id="381" r:id="rId10"/>
+    <p:sldId id="395" r:id="rId11"/>
+    <p:sldId id="383" r:id="rId12"/>
+    <p:sldId id="393" r:id="rId13"/>
+    <p:sldId id="387" r:id="rId14"/>
+    <p:sldId id="388" r:id="rId15"/>
+    <p:sldId id="391" r:id="rId16"/>
+    <p:sldId id="392" r:id="rId17"/>
   </p:sldIdLst>
   <p:sldSz cx="12192000" cy="6858000"/>
   <p:notesSz cx="6858000" cy="9144000"/>
@@ -222,7 +223,7 @@
           <a:p>
             <a:fld id="{E933A773-0DCE-3544-BB67-D5FA58DF903C}" type="datetimeFigureOut">
               <a:rPr lang="en-US" smtClean="0"/>
-              <a:t>10/12/23</a:t>
+              <a:t>10/13/23</a:t>
             </a:fld>
             <a:endParaRPr lang="en-US"/>
           </a:p>
@@ -617,6 +618,15 @@
           <a:bodyPr/>
           <a:lstStyle/>
           <a:p>
+            <a:r>
+              <a:rPr lang="en-US" sz="1800" dirty="0">
+                <a:effectLst/>
+                <a:latin typeface="Calibri" panose="020F0502020204030204" pitchFamily="34" charset="0"/>
+                <a:ea typeface="Calibri" panose="020F0502020204030204" pitchFamily="34" charset="0"/>
+                <a:cs typeface="Times New Roman" panose="02020603050405020304" pitchFamily="18" charset="0"/>
+              </a:rPr>
+              <a:t>Eisenberg hydrophobicity scale</a:t>
+            </a:r>
             <a:endParaRPr lang="en-US" dirty="0"/>
           </a:p>
         </p:txBody>
@@ -647,7 +657,7 @@
     </p:spTree>
     <p:extLst>
       <p:ext uri="{BB962C8B-B14F-4D97-AF65-F5344CB8AC3E}">
-        <p14:creationId xmlns:p14="http://schemas.microsoft.com/office/powerpoint/2010/main" val="2437321446"/>
+        <p14:creationId xmlns:p14="http://schemas.microsoft.com/office/powerpoint/2010/main" val="3503823019"/>
       </p:ext>
     </p:extLst>
   </p:cSld>
@@ -731,7 +741,7 @@
     </p:spTree>
     <p:extLst>
       <p:ext uri="{BB962C8B-B14F-4D97-AF65-F5344CB8AC3E}">
-        <p14:creationId xmlns:p14="http://schemas.microsoft.com/office/powerpoint/2010/main" val="4029364016"/>
+        <p14:creationId xmlns:p14="http://schemas.microsoft.com/office/powerpoint/2010/main" val="174924284"/>
       </p:ext>
     </p:extLst>
   </p:cSld>
@@ -815,7 +825,7 @@
     </p:spTree>
     <p:extLst>
       <p:ext uri="{BB962C8B-B14F-4D97-AF65-F5344CB8AC3E}">
-        <p14:creationId xmlns:p14="http://schemas.microsoft.com/office/powerpoint/2010/main" val="1922637491"/>
+        <p14:creationId xmlns:p14="http://schemas.microsoft.com/office/powerpoint/2010/main" val="181449857"/>
       </p:ext>
     </p:extLst>
   </p:cSld>
@@ -869,15 +879,6 @@
           <a:bodyPr/>
           <a:lstStyle/>
           <a:p>
-            <a:r>
-              <a:rPr lang="en-US" sz="1800" dirty="0">
-                <a:effectLst/>
-                <a:latin typeface="Calibri" panose="020F0502020204030204" pitchFamily="34" charset="0"/>
-                <a:ea typeface="Calibri" panose="020F0502020204030204" pitchFamily="34" charset="0"/>
-                <a:cs typeface="Times New Roman" panose="02020603050405020304" pitchFamily="18" charset="0"/>
-              </a:rPr>
-              <a:t>Eisenberg hydrophobicity scale</a:t>
-            </a:r>
             <a:endParaRPr lang="en-US" dirty="0"/>
           </a:p>
         </p:txBody>
@@ -908,7 +909,7 @@
     </p:spTree>
     <p:extLst>
       <p:ext uri="{BB962C8B-B14F-4D97-AF65-F5344CB8AC3E}">
-        <p14:creationId xmlns:p14="http://schemas.microsoft.com/office/powerpoint/2010/main" val="3503823019"/>
+        <p14:creationId xmlns:p14="http://schemas.microsoft.com/office/powerpoint/2010/main" val="3418233616"/>
       </p:ext>
     </p:extLst>
   </p:cSld>
@@ -992,7 +993,91 @@
     </p:spTree>
     <p:extLst>
       <p:ext uri="{BB962C8B-B14F-4D97-AF65-F5344CB8AC3E}">
-        <p14:creationId xmlns:p14="http://schemas.microsoft.com/office/powerpoint/2010/main" val="174924284"/>
+        <p14:creationId xmlns:p14="http://schemas.microsoft.com/office/powerpoint/2010/main" val="4075842247"/>
+      </p:ext>
+    </p:extLst>
+  </p:cSld>
+  <p:clrMapOvr>
+    <a:masterClrMapping/>
+  </p:clrMapOvr>
+</p:notes>
+</file>
+
+<file path=ppt/notesSlides/notesSlide15.xml><?xml version="1.0" encoding="utf-8"?>
+<p:notes xmlns:a="http://schemas.openxmlformats.org/drawingml/2006/main" xmlns:r="http://schemas.openxmlformats.org/officeDocument/2006/relationships" xmlns:p="http://schemas.openxmlformats.org/presentationml/2006/main">
+  <p:cSld>
+    <p:spTree>
+      <p:nvGrpSpPr>
+        <p:cNvPr id="1" name=""/>
+        <p:cNvGrpSpPr/>
+        <p:nvPr/>
+      </p:nvGrpSpPr>
+      <p:grpSpPr>
+        <a:xfrm>
+          <a:off x="0" y="0"/>
+          <a:ext cx="0" cy="0"/>
+          <a:chOff x="0" y="0"/>
+          <a:chExt cx="0" cy="0"/>
+        </a:xfrm>
+      </p:grpSpPr>
+      <p:sp>
+        <p:nvSpPr>
+          <p:cNvPr id="2" name="Slide Image Placeholder 1"/>
+          <p:cNvSpPr>
+            <a:spLocks noGrp="1" noRot="1" noChangeAspect="1"/>
+          </p:cNvSpPr>
+          <p:nvPr>
+            <p:ph type="sldImg"/>
+          </p:nvPr>
+        </p:nvSpPr>
+        <p:spPr/>
+      </p:sp>
+      <p:sp>
+        <p:nvSpPr>
+          <p:cNvPr id="3" name="Notes Placeholder 2"/>
+          <p:cNvSpPr>
+            <a:spLocks noGrp="1"/>
+          </p:cNvSpPr>
+          <p:nvPr>
+            <p:ph type="body" idx="1"/>
+          </p:nvPr>
+        </p:nvSpPr>
+        <p:spPr/>
+        <p:txBody>
+          <a:bodyPr/>
+          <a:lstStyle/>
+          <a:p>
+            <a:endParaRPr lang="en-US" dirty="0"/>
+          </a:p>
+        </p:txBody>
+      </p:sp>
+      <p:sp>
+        <p:nvSpPr>
+          <p:cNvPr id="4" name="Slide Number Placeholder 3"/>
+          <p:cNvSpPr>
+            <a:spLocks noGrp="1"/>
+          </p:cNvSpPr>
+          <p:nvPr>
+            <p:ph type="sldNum" sz="quarter" idx="5"/>
+          </p:nvPr>
+        </p:nvSpPr>
+        <p:spPr/>
+        <p:txBody>
+          <a:bodyPr/>
+          <a:lstStyle/>
+          <a:p>
+            <a:fld id="{061BAA8C-FDC6-D345-B4E0-3B02449209FB}" type="slidenum">
+              <a:rPr lang="en-US" smtClean="0"/>
+              <a:t>16</a:t>
+            </a:fld>
+            <a:endParaRPr lang="en-US"/>
+          </a:p>
+        </p:txBody>
+      </p:sp>
+    </p:spTree>
+    <p:extLst>
+      <p:ext uri="{BB962C8B-B14F-4D97-AF65-F5344CB8AC3E}">
+        <p14:creationId xmlns:p14="http://schemas.microsoft.com/office/powerpoint/2010/main" val="904544265"/>
       </p:ext>
     </p:extLst>
   </p:cSld>
@@ -1412,7 +1497,7 @@
     </p:spTree>
     <p:extLst>
       <p:ext uri="{BB962C8B-B14F-4D97-AF65-F5344CB8AC3E}">
-        <p14:creationId xmlns:p14="http://schemas.microsoft.com/office/powerpoint/2010/main" val="3696806281"/>
+        <p14:creationId xmlns:p14="http://schemas.microsoft.com/office/powerpoint/2010/main" val="4292307461"/>
       </p:ext>
     </p:extLst>
   </p:cSld>
@@ -1496,7 +1581,7 @@
     </p:spTree>
     <p:extLst>
       <p:ext uri="{BB962C8B-B14F-4D97-AF65-F5344CB8AC3E}">
-        <p14:creationId xmlns:p14="http://schemas.microsoft.com/office/powerpoint/2010/main" val="1846934572"/>
+        <p14:creationId xmlns:p14="http://schemas.microsoft.com/office/powerpoint/2010/main" val="4029364016"/>
       </p:ext>
     </p:extLst>
   </p:cSld>
@@ -1580,7 +1665,7 @@
     </p:spTree>
     <p:extLst>
       <p:ext uri="{BB962C8B-B14F-4D97-AF65-F5344CB8AC3E}">
-        <p14:creationId xmlns:p14="http://schemas.microsoft.com/office/powerpoint/2010/main" val="4292307461"/>
+        <p14:creationId xmlns:p14="http://schemas.microsoft.com/office/powerpoint/2010/main" val="1922637491"/>
       </p:ext>
     </p:extLst>
   </p:cSld>
@@ -1664,7 +1749,7 @@
     </p:spTree>
     <p:extLst>
       <p:ext uri="{BB962C8B-B14F-4D97-AF65-F5344CB8AC3E}">
-        <p14:creationId xmlns:p14="http://schemas.microsoft.com/office/powerpoint/2010/main" val="3325145856"/>
+        <p14:creationId xmlns:p14="http://schemas.microsoft.com/office/powerpoint/2010/main" val="393803512"/>
       </p:ext>
     </p:extLst>
   </p:cSld>
@@ -1821,7 +1906,7 @@
           <a:p>
             <a:fld id="{80FC6068-BAFB-FC44-B9D8-F4B3BB105DE6}" type="datetimeFigureOut">
               <a:rPr lang="en-US" smtClean="0"/>
-              <a:t>10/12/23</a:t>
+              <a:t>10/13/23</a:t>
             </a:fld>
             <a:endParaRPr lang="en-US"/>
           </a:p>
@@ -2019,7 +2104,7 @@
           <a:p>
             <a:fld id="{80FC6068-BAFB-FC44-B9D8-F4B3BB105DE6}" type="datetimeFigureOut">
               <a:rPr lang="en-US" smtClean="0"/>
-              <a:t>10/12/23</a:t>
+              <a:t>10/13/23</a:t>
             </a:fld>
             <a:endParaRPr lang="en-US"/>
           </a:p>
@@ -2227,7 +2312,7 @@
           <a:p>
             <a:fld id="{80FC6068-BAFB-FC44-B9D8-F4B3BB105DE6}" type="datetimeFigureOut">
               <a:rPr lang="en-US" smtClean="0"/>
-              <a:t>10/12/23</a:t>
+              <a:t>10/13/23</a:t>
             </a:fld>
             <a:endParaRPr lang="en-US"/>
           </a:p>
@@ -2431,7 +2516,7 @@
           <a:p>
             <a:fld id="{80FC6068-BAFB-FC44-B9D8-F4B3BB105DE6}" type="datetimeFigureOut">
               <a:rPr lang="en-US" smtClean="0"/>
-              <a:t>10/12/23</a:t>
+              <a:t>10/13/23</a:t>
             </a:fld>
             <a:endParaRPr lang="en-US"/>
           </a:p>
@@ -2722,7 +2807,7 @@
           <a:p>
             <a:fld id="{80FC6068-BAFB-FC44-B9D8-F4B3BB105DE6}" type="datetimeFigureOut">
               <a:rPr lang="en-US" smtClean="0"/>
-              <a:t>10/12/23</a:t>
+              <a:t>10/13/23</a:t>
             </a:fld>
             <a:endParaRPr lang="en-US"/>
           </a:p>
@@ -2987,7 +3072,7 @@
           <a:p>
             <a:fld id="{80FC6068-BAFB-FC44-B9D8-F4B3BB105DE6}" type="datetimeFigureOut">
               <a:rPr lang="en-US" smtClean="0"/>
-              <a:t>10/12/23</a:t>
+              <a:t>10/13/23</a:t>
             </a:fld>
             <a:endParaRPr lang="en-US"/>
           </a:p>
@@ -3399,7 +3484,7 @@
           <a:p>
             <a:fld id="{80FC6068-BAFB-FC44-B9D8-F4B3BB105DE6}" type="datetimeFigureOut">
               <a:rPr lang="en-US" smtClean="0"/>
-              <a:t>10/12/23</a:t>
+              <a:t>10/13/23</a:t>
             </a:fld>
             <a:endParaRPr lang="en-US"/>
           </a:p>
@@ -3540,7 +3625,7 @@
           <a:p>
             <a:fld id="{80FC6068-BAFB-FC44-B9D8-F4B3BB105DE6}" type="datetimeFigureOut">
               <a:rPr lang="en-US" smtClean="0"/>
-              <a:t>10/12/23</a:t>
+              <a:t>10/13/23</a:t>
             </a:fld>
             <a:endParaRPr lang="en-US"/>
           </a:p>
@@ -3653,7 +3738,7 @@
           <a:p>
             <a:fld id="{80FC6068-BAFB-FC44-B9D8-F4B3BB105DE6}" type="datetimeFigureOut">
               <a:rPr lang="en-US" smtClean="0"/>
-              <a:t>10/12/23</a:t>
+              <a:t>10/13/23</a:t>
             </a:fld>
             <a:endParaRPr lang="en-US"/>
           </a:p>
@@ -3964,7 +4049,7 @@
           <a:p>
             <a:fld id="{80FC6068-BAFB-FC44-B9D8-F4B3BB105DE6}" type="datetimeFigureOut">
               <a:rPr lang="en-US" smtClean="0"/>
-              <a:t>10/12/23</a:t>
+              <a:t>10/13/23</a:t>
             </a:fld>
             <a:endParaRPr lang="en-US"/>
           </a:p>
@@ -4252,7 +4337,7 @@
           <a:p>
             <a:fld id="{80FC6068-BAFB-FC44-B9D8-F4B3BB105DE6}" type="datetimeFigureOut">
               <a:rPr lang="en-US" smtClean="0"/>
-              <a:t>10/12/23</a:t>
+              <a:t>10/13/23</a:t>
             </a:fld>
             <a:endParaRPr lang="en-US"/>
           </a:p>
@@ -4493,7 +4578,7 @@
           <a:p>
             <a:fld id="{80FC6068-BAFB-FC44-B9D8-F4B3BB105DE6}" type="datetimeFigureOut">
               <a:rPr lang="en-US" smtClean="0"/>
-              <a:t>10/12/23</a:t>
+              <a:t>10/13/23</a:t>
             </a:fld>
             <a:endParaRPr lang="en-US"/>
           </a:p>
@@ -5026,496 +5111,12 @@
           <a:lstStyle/>
           <a:p>
             <a:r>
+              <a:rPr lang="en-US" i="1" dirty="0" err="1"/>
+              <a:t>Stitchr</a:t>
+            </a:r>
+            <a:r>
               <a:rPr lang="en-US" dirty="0"/>
-              <a:t>Bulk TCR</a:t>
-            </a:r>
-            <a:r>
-              <a:rPr lang="el-GR" i="0" u="none" strike="noStrike" dirty="0">
-                <a:effectLst/>
-              </a:rPr>
-              <a:t>β</a:t>
-            </a:r>
-            <a:r>
-              <a:rPr lang="en-US" i="0" u="none" strike="noStrike" dirty="0">
-                <a:effectLst/>
-              </a:rPr>
-              <a:t> chain</a:t>
-            </a:r>
-            <a:r>
-              <a:rPr lang="en-US" dirty="0"/>
-              <a:t> profiling of CDR3 shows no differences by severe </a:t>
-            </a:r>
-            <a:r>
-              <a:rPr lang="en-US" dirty="0" err="1"/>
-              <a:t>irAE</a:t>
-            </a:r>
-            <a:r>
-              <a:rPr lang="en-US" dirty="0"/>
-              <a:t> development</a:t>
-            </a:r>
-          </a:p>
-        </p:txBody>
-      </p:sp>
-      <p:sp>
-        <p:nvSpPr>
-          <p:cNvPr id="3" name="Content Placeholder 2">
-            <a:extLst>
-              <a:ext uri="{FF2B5EF4-FFF2-40B4-BE49-F238E27FC236}">
-                <a16:creationId xmlns:a16="http://schemas.microsoft.com/office/drawing/2014/main" id="{B9501834-7B32-1ACA-4358-B630FB8EEC36}"/>
-              </a:ext>
-            </a:extLst>
-          </p:cNvPr>
-          <p:cNvSpPr>
-            <a:spLocks noGrp="1"/>
-          </p:cNvSpPr>
-          <p:nvPr>
-            <p:ph idx="1"/>
-          </p:nvPr>
-        </p:nvSpPr>
-        <p:spPr/>
-        <p:txBody>
-          <a:bodyPr>
-            <a:normAutofit/>
-          </a:bodyPr>
-          <a:lstStyle/>
-          <a:p>
-            <a:endParaRPr lang="en-US" i="1" dirty="0">
-              <a:effectLst/>
-              <a:latin typeface="Calibri (Body)"/>
-            </a:endParaRPr>
-          </a:p>
-          <a:p>
-            <a:pPr lvl="2"/>
-            <a:endParaRPr lang="en-US" b="0" dirty="0">
-              <a:solidFill>
-                <a:srgbClr val="000000"/>
-              </a:solidFill>
-              <a:effectLst/>
-              <a:latin typeface="Calibri (Body)"/>
-            </a:endParaRPr>
-          </a:p>
-        </p:txBody>
-      </p:sp>
-      <p:pic>
-        <p:nvPicPr>
-          <p:cNvPr id="5" name="Picture 4">
-            <a:extLst>
-              <a:ext uri="{FF2B5EF4-FFF2-40B4-BE49-F238E27FC236}">
-                <a16:creationId xmlns:a16="http://schemas.microsoft.com/office/drawing/2014/main" id="{3CFA45AD-B39F-09D8-31AE-18571D84BB9C}"/>
-              </a:ext>
-            </a:extLst>
-          </p:cNvPr>
-          <p:cNvPicPr>
-            <a:picLocks noChangeAspect="1"/>
-          </p:cNvPicPr>
-          <p:nvPr/>
-        </p:nvPicPr>
-        <p:blipFill>
-          <a:blip r:embed="rId3"/>
-          <a:stretch>
-            <a:fillRect/>
-          </a:stretch>
-        </p:blipFill>
-        <p:spPr>
-          <a:xfrm>
-            <a:off x="2209800" y="1478297"/>
-            <a:ext cx="7772400" cy="4592781"/>
-          </a:xfrm>
-          <a:prstGeom prst="rect">
-            <a:avLst/>
-          </a:prstGeom>
-        </p:spPr>
-      </p:pic>
-    </p:spTree>
-    <p:extLst>
-      <p:ext uri="{BB962C8B-B14F-4D97-AF65-F5344CB8AC3E}">
-        <p14:creationId xmlns:p14="http://schemas.microsoft.com/office/powerpoint/2010/main" val="4128861"/>
-      </p:ext>
-    </p:extLst>
-  </p:cSld>
-  <p:clrMapOvr>
-    <a:masterClrMapping/>
-  </p:clrMapOvr>
-</p:sld>
-</file>
-
-<file path=ppt/slides/slide11.xml><?xml version="1.0" encoding="utf-8"?>
-<p:sld xmlns:a="http://schemas.openxmlformats.org/drawingml/2006/main" xmlns:r="http://schemas.openxmlformats.org/officeDocument/2006/relationships" xmlns:p="http://schemas.openxmlformats.org/presentationml/2006/main">
-  <p:cSld>
-    <p:spTree>
-      <p:nvGrpSpPr>
-        <p:cNvPr id="1" name=""/>
-        <p:cNvGrpSpPr/>
-        <p:nvPr/>
-      </p:nvGrpSpPr>
-      <p:grpSpPr>
-        <a:xfrm>
-          <a:off x="0" y="0"/>
-          <a:ext cx="0" cy="0"/>
-          <a:chOff x="0" y="0"/>
-          <a:chExt cx="0" cy="0"/>
-        </a:xfrm>
-      </p:grpSpPr>
-      <p:sp>
-        <p:nvSpPr>
-          <p:cNvPr id="2" name="Title 1">
-            <a:extLst>
-              <a:ext uri="{FF2B5EF4-FFF2-40B4-BE49-F238E27FC236}">
-                <a16:creationId xmlns:a16="http://schemas.microsoft.com/office/drawing/2014/main" id="{70A4C97D-8F21-3D3B-6A90-EA7145324964}"/>
-              </a:ext>
-            </a:extLst>
-          </p:cNvPr>
-          <p:cNvSpPr>
-            <a:spLocks noGrp="1"/>
-          </p:cNvSpPr>
-          <p:nvPr>
-            <p:ph type="title"/>
-          </p:nvPr>
-        </p:nvSpPr>
-        <p:spPr/>
-        <p:txBody>
-          <a:bodyPr/>
-          <a:lstStyle/>
-          <a:p>
-            <a:r>
-              <a:rPr lang="en-US" dirty="0"/>
-              <a:t>Bulk TCR</a:t>
-            </a:r>
-            <a:r>
-              <a:rPr lang="el-GR" i="0" u="none" strike="noStrike" dirty="0">
-                <a:effectLst/>
-              </a:rPr>
-              <a:t>β</a:t>
-            </a:r>
-            <a:r>
-              <a:rPr lang="en-US" i="0" u="none" strike="noStrike" dirty="0">
-                <a:effectLst/>
-              </a:rPr>
-              <a:t> chain</a:t>
-            </a:r>
-            <a:r>
-              <a:rPr lang="en-US" dirty="0"/>
-              <a:t> profiling of n1/2 shows no differences by severe </a:t>
-            </a:r>
-            <a:r>
-              <a:rPr lang="en-US" dirty="0" err="1"/>
-              <a:t>irAE</a:t>
-            </a:r>
-            <a:r>
-              <a:rPr lang="en-US" dirty="0"/>
-              <a:t> development</a:t>
-            </a:r>
-          </a:p>
-        </p:txBody>
-      </p:sp>
-      <p:sp>
-        <p:nvSpPr>
-          <p:cNvPr id="3" name="Content Placeholder 2">
-            <a:extLst>
-              <a:ext uri="{FF2B5EF4-FFF2-40B4-BE49-F238E27FC236}">
-                <a16:creationId xmlns:a16="http://schemas.microsoft.com/office/drawing/2014/main" id="{B9501834-7B32-1ACA-4358-B630FB8EEC36}"/>
-              </a:ext>
-            </a:extLst>
-          </p:cNvPr>
-          <p:cNvSpPr>
-            <a:spLocks noGrp="1"/>
-          </p:cNvSpPr>
-          <p:nvPr>
-            <p:ph idx="1"/>
-          </p:nvPr>
-        </p:nvSpPr>
-        <p:spPr/>
-        <p:txBody>
-          <a:bodyPr>
-            <a:normAutofit/>
-          </a:bodyPr>
-          <a:lstStyle/>
-          <a:p>
-            <a:endParaRPr lang="en-US" i="1" dirty="0">
-              <a:effectLst/>
-              <a:latin typeface="Calibri (Body)"/>
-            </a:endParaRPr>
-          </a:p>
-          <a:p>
-            <a:pPr lvl="2"/>
-            <a:endParaRPr lang="en-US" b="0" dirty="0">
-              <a:solidFill>
-                <a:srgbClr val="000000"/>
-              </a:solidFill>
-              <a:effectLst/>
-              <a:latin typeface="Calibri (Body)"/>
-            </a:endParaRPr>
-          </a:p>
-        </p:txBody>
-      </p:sp>
-      <p:pic>
-        <p:nvPicPr>
-          <p:cNvPr id="5" name="Picture 4">
-            <a:extLst>
-              <a:ext uri="{FF2B5EF4-FFF2-40B4-BE49-F238E27FC236}">
-                <a16:creationId xmlns:a16="http://schemas.microsoft.com/office/drawing/2014/main" id="{9DA74A20-61CC-2CAA-2C02-686BDC2DD7D5}"/>
-              </a:ext>
-            </a:extLst>
-          </p:cNvPr>
-          <p:cNvPicPr>
-            <a:picLocks noChangeAspect="1"/>
-          </p:cNvPicPr>
-          <p:nvPr/>
-        </p:nvPicPr>
-        <p:blipFill>
-          <a:blip r:embed="rId3"/>
-          <a:stretch>
-            <a:fillRect/>
-          </a:stretch>
-        </p:blipFill>
-        <p:spPr>
-          <a:xfrm>
-            <a:off x="2209800" y="1550796"/>
-            <a:ext cx="7772400" cy="4626167"/>
-          </a:xfrm>
-          <a:prstGeom prst="rect">
-            <a:avLst/>
-          </a:prstGeom>
-        </p:spPr>
-      </p:pic>
-    </p:spTree>
-    <p:extLst>
-      <p:ext uri="{BB962C8B-B14F-4D97-AF65-F5344CB8AC3E}">
-        <p14:creationId xmlns:p14="http://schemas.microsoft.com/office/powerpoint/2010/main" val="513729911"/>
-      </p:ext>
-    </p:extLst>
-  </p:cSld>
-  <p:clrMapOvr>
-    <a:masterClrMapping/>
-  </p:clrMapOvr>
-</p:sld>
-</file>
-
-<file path=ppt/slides/slide12.xml><?xml version="1.0" encoding="utf-8"?>
-<p:sld xmlns:a="http://schemas.openxmlformats.org/drawingml/2006/main" xmlns:r="http://schemas.openxmlformats.org/officeDocument/2006/relationships" xmlns:p="http://schemas.openxmlformats.org/presentationml/2006/main">
-  <p:cSld>
-    <p:spTree>
-      <p:nvGrpSpPr>
-        <p:cNvPr id="1" name=""/>
-        <p:cNvGrpSpPr/>
-        <p:nvPr/>
-      </p:nvGrpSpPr>
-      <p:grpSpPr>
-        <a:xfrm>
-          <a:off x="0" y="0"/>
-          <a:ext cx="0" cy="0"/>
-          <a:chOff x="0" y="0"/>
-          <a:chExt cx="0" cy="0"/>
-        </a:xfrm>
-      </p:grpSpPr>
-      <p:sp>
-        <p:nvSpPr>
-          <p:cNvPr id="2" name="Title 1">
-            <a:extLst>
-              <a:ext uri="{FF2B5EF4-FFF2-40B4-BE49-F238E27FC236}">
-                <a16:creationId xmlns:a16="http://schemas.microsoft.com/office/drawing/2014/main" id="{70A4C97D-8F21-3D3B-6A90-EA7145324964}"/>
-              </a:ext>
-            </a:extLst>
-          </p:cNvPr>
-          <p:cNvSpPr>
-            <a:spLocks noGrp="1"/>
-          </p:cNvSpPr>
-          <p:nvPr>
-            <p:ph type="title"/>
-          </p:nvPr>
-        </p:nvSpPr>
-        <p:spPr/>
-        <p:txBody>
-          <a:bodyPr>
-            <a:normAutofit fontScale="90000"/>
-          </a:bodyPr>
-          <a:lstStyle/>
-          <a:p>
-            <a:r>
-              <a:rPr lang="en-US" dirty="0"/>
-              <a:t>Bulk TCR</a:t>
-            </a:r>
-            <a:r>
-              <a:rPr lang="el-GR" i="0" u="none" strike="noStrike" dirty="0">
-                <a:effectLst/>
-              </a:rPr>
-              <a:t>β</a:t>
-            </a:r>
-            <a:r>
-              <a:rPr lang="en-US" i="0" u="none" strike="noStrike" dirty="0">
-                <a:effectLst/>
-              </a:rPr>
-              <a:t> chain</a:t>
-            </a:r>
-            <a:r>
-              <a:rPr lang="en-US" dirty="0"/>
-              <a:t> profiling of amino acid hydrophobicity shows no differences by ICI status or severe </a:t>
-            </a:r>
-            <a:r>
-              <a:rPr lang="en-US" dirty="0" err="1"/>
-              <a:t>irAE</a:t>
-            </a:r>
-            <a:r>
-              <a:rPr lang="en-US" dirty="0"/>
-              <a:t> development</a:t>
-            </a:r>
-          </a:p>
-        </p:txBody>
-      </p:sp>
-      <p:sp>
-        <p:nvSpPr>
-          <p:cNvPr id="3" name="Content Placeholder 2">
-            <a:extLst>
-              <a:ext uri="{FF2B5EF4-FFF2-40B4-BE49-F238E27FC236}">
-                <a16:creationId xmlns:a16="http://schemas.microsoft.com/office/drawing/2014/main" id="{B9501834-7B32-1ACA-4358-B630FB8EEC36}"/>
-              </a:ext>
-            </a:extLst>
-          </p:cNvPr>
-          <p:cNvSpPr>
-            <a:spLocks noGrp="1"/>
-          </p:cNvSpPr>
-          <p:nvPr>
-            <p:ph idx="1"/>
-          </p:nvPr>
-        </p:nvSpPr>
-        <p:spPr/>
-        <p:txBody>
-          <a:bodyPr>
-            <a:normAutofit/>
-          </a:bodyPr>
-          <a:lstStyle/>
-          <a:p>
-            <a:endParaRPr lang="en-US" i="1" dirty="0">
-              <a:effectLst/>
-              <a:latin typeface="Calibri (Body)"/>
-            </a:endParaRPr>
-          </a:p>
-          <a:p>
-            <a:pPr lvl="2"/>
-            <a:endParaRPr lang="en-US" b="0" dirty="0">
-              <a:solidFill>
-                <a:srgbClr val="000000"/>
-              </a:solidFill>
-              <a:effectLst/>
-              <a:latin typeface="Calibri (Body)"/>
-            </a:endParaRPr>
-          </a:p>
-        </p:txBody>
-      </p:sp>
-      <p:pic>
-        <p:nvPicPr>
-          <p:cNvPr id="4" name="Picture 3">
-            <a:extLst>
-              <a:ext uri="{FF2B5EF4-FFF2-40B4-BE49-F238E27FC236}">
-                <a16:creationId xmlns:a16="http://schemas.microsoft.com/office/drawing/2014/main" id="{B7C2C24F-F283-F5CA-1DF6-46E24BCF9519}"/>
-              </a:ext>
-            </a:extLst>
-          </p:cNvPr>
-          <p:cNvPicPr>
-            <a:picLocks noChangeAspect="1"/>
-          </p:cNvPicPr>
-          <p:nvPr/>
-        </p:nvPicPr>
-        <p:blipFill>
-          <a:blip r:embed="rId3"/>
-          <a:stretch>
-            <a:fillRect/>
-          </a:stretch>
-        </p:blipFill>
-        <p:spPr>
-          <a:xfrm>
-            <a:off x="0" y="2226164"/>
-            <a:ext cx="6067108" cy="3550258"/>
-          </a:xfrm>
-          <a:prstGeom prst="rect">
-            <a:avLst/>
-          </a:prstGeom>
-        </p:spPr>
-      </p:pic>
-      <p:pic>
-        <p:nvPicPr>
-          <p:cNvPr id="6" name="Picture 5">
-            <a:extLst>
-              <a:ext uri="{FF2B5EF4-FFF2-40B4-BE49-F238E27FC236}">
-                <a16:creationId xmlns:a16="http://schemas.microsoft.com/office/drawing/2014/main" id="{AA359E29-0C1B-9962-3A9A-414953A743F9}"/>
-              </a:ext>
-            </a:extLst>
-          </p:cNvPr>
-          <p:cNvPicPr>
-            <a:picLocks noChangeAspect="1"/>
-          </p:cNvPicPr>
-          <p:nvPr/>
-        </p:nvPicPr>
-        <p:blipFill>
-          <a:blip r:embed="rId4"/>
-          <a:stretch>
-            <a:fillRect/>
-          </a:stretch>
-        </p:blipFill>
-        <p:spPr>
-          <a:xfrm>
-            <a:off x="6124894" y="2237988"/>
-            <a:ext cx="6067108" cy="3526611"/>
-          </a:xfrm>
-          <a:prstGeom prst="rect">
-            <a:avLst/>
-          </a:prstGeom>
-        </p:spPr>
-      </p:pic>
-    </p:spTree>
-    <p:extLst>
-      <p:ext uri="{BB962C8B-B14F-4D97-AF65-F5344CB8AC3E}">
-        <p14:creationId xmlns:p14="http://schemas.microsoft.com/office/powerpoint/2010/main" val="1288752440"/>
-      </p:ext>
-    </p:extLst>
-  </p:cSld>
-  <p:clrMapOvr>
-    <a:masterClrMapping/>
-  </p:clrMapOvr>
-</p:sld>
-</file>
-
-<file path=ppt/slides/slide13.xml><?xml version="1.0" encoding="utf-8"?>
-<p:sld xmlns:a="http://schemas.openxmlformats.org/drawingml/2006/main" xmlns:r="http://schemas.openxmlformats.org/officeDocument/2006/relationships" xmlns:p="http://schemas.openxmlformats.org/presentationml/2006/main">
-  <p:cSld>
-    <p:spTree>
-      <p:nvGrpSpPr>
-        <p:cNvPr id="1" name=""/>
-        <p:cNvGrpSpPr/>
-        <p:nvPr/>
-      </p:nvGrpSpPr>
-      <p:grpSpPr>
-        <a:xfrm>
-          <a:off x="0" y="0"/>
-          <a:ext cx="0" cy="0"/>
-          <a:chOff x="0" y="0"/>
-          <a:chExt cx="0" cy="0"/>
-        </a:xfrm>
-      </p:grpSpPr>
-      <p:sp>
-        <p:nvSpPr>
-          <p:cNvPr id="2" name="Title 1">
-            <a:extLst>
-              <a:ext uri="{FF2B5EF4-FFF2-40B4-BE49-F238E27FC236}">
-                <a16:creationId xmlns:a16="http://schemas.microsoft.com/office/drawing/2014/main" id="{70A4C97D-8F21-3D3B-6A90-EA7145324964}"/>
-              </a:ext>
-            </a:extLst>
-          </p:cNvPr>
-          <p:cNvSpPr>
-            <a:spLocks noGrp="1"/>
-          </p:cNvSpPr>
-          <p:nvPr>
-            <p:ph type="title"/>
-          </p:nvPr>
-        </p:nvSpPr>
-        <p:spPr/>
-        <p:txBody>
-          <a:bodyPr/>
-          <a:lstStyle/>
-          <a:p>
-            <a:r>
-              <a:rPr lang="en-US" dirty="0"/>
-              <a:t>Next steps with this dataset before moving on to other datasets</a:t>
+              <a:t> pre-processing</a:t>
             </a:r>
           </a:p>
         </p:txBody>
@@ -5752,78 +5353,6 @@
             </a:lvl9pPr>
           </a:lstStyle>
           <a:p>
-            <a:r>
-              <a:rPr lang="en-US" dirty="0">
-                <a:latin typeface="Calibri (Body)"/>
-              </a:rPr>
-              <a:t>Use</a:t>
-            </a:r>
-            <a:r>
-              <a:rPr lang="en-US" i="1" dirty="0">
-                <a:latin typeface="Calibri (Body)"/>
-              </a:rPr>
-              <a:t> </a:t>
-            </a:r>
-            <a:r>
-              <a:rPr lang="en-US" i="1" dirty="0" err="1">
-                <a:latin typeface="Calibri (Body)"/>
-              </a:rPr>
-              <a:t>Stichr</a:t>
-            </a:r>
-            <a:r>
-              <a:rPr lang="en-US" i="1" dirty="0">
-                <a:latin typeface="Calibri (Body)"/>
-              </a:rPr>
-              <a:t> </a:t>
-            </a:r>
-            <a:r>
-              <a:rPr lang="en-US" dirty="0">
-                <a:latin typeface="Calibri (Body)"/>
-              </a:rPr>
-              <a:t>to produce complete TCR cDNAs from V/J/CDR3 AA sequences</a:t>
-            </a:r>
-          </a:p>
-          <a:p>
-            <a:pPr lvl="1"/>
-            <a:r>
-              <a:rPr lang="en-US" dirty="0">
-                <a:latin typeface="Calibri (Body)"/>
-              </a:rPr>
-              <a:t>Input into IMGT/</a:t>
-            </a:r>
-            <a:r>
-              <a:rPr lang="en-US" dirty="0" err="1">
-                <a:latin typeface="Calibri (Body)"/>
-              </a:rPr>
-              <a:t>HighV</a:t>
-            </a:r>
-            <a:r>
-              <a:rPr lang="en-US" dirty="0">
-                <a:latin typeface="Calibri (Body)"/>
-              </a:rPr>
-              <a:t>-QUEST</a:t>
-            </a:r>
-          </a:p>
-          <a:p>
-            <a:pPr lvl="1"/>
-            <a:r>
-              <a:rPr lang="en-US" dirty="0">
-                <a:latin typeface="Calibri (Body)"/>
-              </a:rPr>
-              <a:t>Input into </a:t>
-            </a:r>
-            <a:r>
-              <a:rPr lang="en-US" dirty="0" err="1">
-                <a:latin typeface="Calibri (Body)"/>
-              </a:rPr>
-              <a:t>IGoR</a:t>
-            </a:r>
-            <a:r>
-              <a:rPr lang="en-US" dirty="0">
-                <a:latin typeface="Calibri (Body)"/>
-              </a:rPr>
-              <a:t> for probability of generation score (higher meaning more germline-like)</a:t>
-            </a:r>
             <a:endParaRPr lang="en-US" dirty="0">
               <a:solidFill>
                 <a:srgbClr val="000000"/>
@@ -5833,10 +5362,1814 @@
           </a:p>
         </p:txBody>
       </p:sp>
+      <p:pic>
+        <p:nvPicPr>
+          <p:cNvPr id="7" name="Picture 6">
+            <a:extLst>
+              <a:ext uri="{FF2B5EF4-FFF2-40B4-BE49-F238E27FC236}">
+                <a16:creationId xmlns:a16="http://schemas.microsoft.com/office/drawing/2014/main" id="{15C561C4-85E2-09D7-6F87-FC76ADAE783E}"/>
+              </a:ext>
+            </a:extLst>
+          </p:cNvPr>
+          <p:cNvPicPr>
+            <a:picLocks noChangeAspect="1"/>
+          </p:cNvPicPr>
+          <p:nvPr/>
+        </p:nvPicPr>
+        <p:blipFill>
+          <a:blip r:embed="rId3"/>
+          <a:stretch>
+            <a:fillRect/>
+          </a:stretch>
+        </p:blipFill>
+        <p:spPr>
+          <a:xfrm>
+            <a:off x="119742" y="1509945"/>
+            <a:ext cx="6233557" cy="863523"/>
+          </a:xfrm>
+          <a:prstGeom prst="rect">
+            <a:avLst/>
+          </a:prstGeom>
+        </p:spPr>
+      </p:pic>
+      <p:pic>
+        <p:nvPicPr>
+          <p:cNvPr id="8" name="Picture 7">
+            <a:extLst>
+              <a:ext uri="{FF2B5EF4-FFF2-40B4-BE49-F238E27FC236}">
+                <a16:creationId xmlns:a16="http://schemas.microsoft.com/office/drawing/2014/main" id="{C714FBC9-CBAA-FA28-766A-1419E7779820}"/>
+              </a:ext>
+            </a:extLst>
+          </p:cNvPr>
+          <p:cNvPicPr>
+            <a:picLocks noChangeAspect="1"/>
+          </p:cNvPicPr>
+          <p:nvPr/>
+        </p:nvPicPr>
+        <p:blipFill>
+          <a:blip r:embed="rId4"/>
+          <a:stretch>
+            <a:fillRect/>
+          </a:stretch>
+        </p:blipFill>
+        <p:spPr>
+          <a:xfrm>
+            <a:off x="119742" y="2278284"/>
+            <a:ext cx="6233557" cy="1996931"/>
+          </a:xfrm>
+          <a:prstGeom prst="rect">
+            <a:avLst/>
+          </a:prstGeom>
+        </p:spPr>
+      </p:pic>
+      <p:pic>
+        <p:nvPicPr>
+          <p:cNvPr id="9" name="Picture 8">
+            <a:extLst>
+              <a:ext uri="{FF2B5EF4-FFF2-40B4-BE49-F238E27FC236}">
+                <a16:creationId xmlns:a16="http://schemas.microsoft.com/office/drawing/2014/main" id="{1CEFE294-AE20-7FA9-C1CF-4B0D4C69C7AB}"/>
+              </a:ext>
+            </a:extLst>
+          </p:cNvPr>
+          <p:cNvPicPr>
+            <a:picLocks noChangeAspect="1"/>
+          </p:cNvPicPr>
+          <p:nvPr/>
+        </p:nvPicPr>
+        <p:blipFill>
+          <a:blip r:embed="rId5"/>
+          <a:stretch>
+            <a:fillRect/>
+          </a:stretch>
+        </p:blipFill>
+        <p:spPr>
+          <a:xfrm>
+            <a:off x="2061696" y="4484533"/>
+            <a:ext cx="10059051" cy="2346866"/>
+          </a:xfrm>
+          <a:prstGeom prst="rect">
+            <a:avLst/>
+          </a:prstGeom>
+        </p:spPr>
+      </p:pic>
+      <p:sp>
+        <p:nvSpPr>
+          <p:cNvPr id="10" name="TextBox 9">
+            <a:extLst>
+              <a:ext uri="{FF2B5EF4-FFF2-40B4-BE49-F238E27FC236}">
+                <a16:creationId xmlns:a16="http://schemas.microsoft.com/office/drawing/2014/main" id="{DF40DAB3-3889-4DF4-FB70-831E0616A1A9}"/>
+              </a:ext>
+            </a:extLst>
+          </p:cNvPr>
+          <p:cNvSpPr txBox="1"/>
+          <p:nvPr/>
+        </p:nvSpPr>
+        <p:spPr>
+          <a:xfrm>
+            <a:off x="7469579" y="3871356"/>
+            <a:ext cx="2187587" cy="369332"/>
+          </a:xfrm>
+          <a:prstGeom prst="rect">
+            <a:avLst/>
+          </a:prstGeom>
+          <a:noFill/>
+        </p:spPr>
+        <p:txBody>
+          <a:bodyPr wrap="none" rtlCol="0">
+            <a:spAutoFit/>
+          </a:bodyPr>
+          <a:lstStyle/>
+          <a:p>
+            <a:r>
+              <a:rPr lang="en-US" i="1" dirty="0" err="1"/>
+              <a:t>Stitchr</a:t>
+            </a:r>
+            <a:r>
+              <a:rPr lang="en-US" dirty="0"/>
+              <a:t> input example</a:t>
+            </a:r>
+          </a:p>
+        </p:txBody>
+      </p:sp>
+      <p:sp>
+        <p:nvSpPr>
+          <p:cNvPr id="11" name="TextBox 10">
+            <a:extLst>
+              <a:ext uri="{FF2B5EF4-FFF2-40B4-BE49-F238E27FC236}">
+                <a16:creationId xmlns:a16="http://schemas.microsoft.com/office/drawing/2014/main" id="{1553C57C-971C-6A86-5926-AF006DCDE40F}"/>
+              </a:ext>
+            </a:extLst>
+          </p:cNvPr>
+          <p:cNvSpPr txBox="1"/>
+          <p:nvPr/>
+        </p:nvSpPr>
+        <p:spPr>
+          <a:xfrm>
+            <a:off x="6248400" y="2677281"/>
+            <a:ext cx="3210944" cy="369332"/>
+          </a:xfrm>
+          <a:prstGeom prst="rect">
+            <a:avLst/>
+          </a:prstGeom>
+          <a:noFill/>
+        </p:spPr>
+        <p:txBody>
+          <a:bodyPr wrap="none" rtlCol="0">
+            <a:spAutoFit/>
+          </a:bodyPr>
+          <a:lstStyle/>
+          <a:p>
+            <a:r>
+              <a:rPr lang="en-US" dirty="0"/>
+              <a:t>V(D)</a:t>
+            </a:r>
+            <a:r>
+              <a:rPr lang="en-US" dirty="0" err="1"/>
+              <a:t>Jseq</a:t>
+            </a:r>
+            <a:r>
+              <a:rPr lang="en-US" dirty="0"/>
+              <a:t> data from Newman lab</a:t>
+            </a:r>
+          </a:p>
+        </p:txBody>
+      </p:sp>
     </p:spTree>
     <p:extLst>
       <p:ext uri="{BB962C8B-B14F-4D97-AF65-F5344CB8AC3E}">
-        <p14:creationId xmlns:p14="http://schemas.microsoft.com/office/powerpoint/2010/main" val="525378116"/>
+        <p14:creationId xmlns:p14="http://schemas.microsoft.com/office/powerpoint/2010/main" val="694867072"/>
+      </p:ext>
+    </p:extLst>
+  </p:cSld>
+  <p:clrMapOvr>
+    <a:masterClrMapping/>
+  </p:clrMapOvr>
+</p:sld>
+</file>
+
+<file path=ppt/slides/slide11.xml><?xml version="1.0" encoding="utf-8"?>
+<p:sld xmlns:a="http://schemas.openxmlformats.org/drawingml/2006/main" xmlns:r="http://schemas.openxmlformats.org/officeDocument/2006/relationships" xmlns:p="http://schemas.openxmlformats.org/presentationml/2006/main">
+  <p:cSld>
+    <p:spTree>
+      <p:nvGrpSpPr>
+        <p:cNvPr id="1" name=""/>
+        <p:cNvGrpSpPr/>
+        <p:nvPr/>
+      </p:nvGrpSpPr>
+      <p:grpSpPr>
+        <a:xfrm>
+          <a:off x="0" y="0"/>
+          <a:ext cx="0" cy="0"/>
+          <a:chOff x="0" y="0"/>
+          <a:chExt cx="0" cy="0"/>
+        </a:xfrm>
+      </p:grpSpPr>
+      <p:sp>
+        <p:nvSpPr>
+          <p:cNvPr id="2" name="Title 1">
+            <a:extLst>
+              <a:ext uri="{FF2B5EF4-FFF2-40B4-BE49-F238E27FC236}">
+                <a16:creationId xmlns:a16="http://schemas.microsoft.com/office/drawing/2014/main" id="{70A4C97D-8F21-3D3B-6A90-EA7145324964}"/>
+              </a:ext>
+            </a:extLst>
+          </p:cNvPr>
+          <p:cNvSpPr>
+            <a:spLocks noGrp="1"/>
+          </p:cNvSpPr>
+          <p:nvPr>
+            <p:ph type="title"/>
+          </p:nvPr>
+        </p:nvSpPr>
+        <p:spPr/>
+        <p:txBody>
+          <a:bodyPr/>
+          <a:lstStyle/>
+          <a:p>
+            <a:r>
+              <a:rPr lang="en-US" dirty="0"/>
+              <a:t>Next steps with other datasets</a:t>
+            </a:r>
+          </a:p>
+        </p:txBody>
+      </p:sp>
+      <p:sp>
+        <p:nvSpPr>
+          <p:cNvPr id="3" name="Content Placeholder 2">
+            <a:extLst>
+              <a:ext uri="{FF2B5EF4-FFF2-40B4-BE49-F238E27FC236}">
+                <a16:creationId xmlns:a16="http://schemas.microsoft.com/office/drawing/2014/main" id="{B9501834-7B32-1ACA-4358-B630FB8EEC36}"/>
+              </a:ext>
+            </a:extLst>
+          </p:cNvPr>
+          <p:cNvSpPr>
+            <a:spLocks noGrp="1"/>
+          </p:cNvSpPr>
+          <p:nvPr>
+            <p:ph idx="1"/>
+          </p:nvPr>
+        </p:nvSpPr>
+        <p:spPr/>
+        <p:txBody>
+          <a:bodyPr>
+            <a:normAutofit fontScale="92500" lnSpcReduction="20000"/>
+          </a:bodyPr>
+          <a:lstStyle/>
+          <a:p>
+            <a:r>
+              <a:rPr lang="en-US" b="0" dirty="0">
+                <a:solidFill>
+                  <a:srgbClr val="000000"/>
+                </a:solidFill>
+                <a:effectLst/>
+                <a:latin typeface="Calibri (Body)"/>
+              </a:rPr>
+              <a:t>Other datasets</a:t>
+            </a:r>
+          </a:p>
+          <a:p>
+            <a:pPr lvl="1"/>
+            <a:r>
+              <a:rPr lang="en-US" i="1" dirty="0">
+                <a:solidFill>
+                  <a:srgbClr val="000000"/>
+                </a:solidFill>
+                <a:latin typeface="Calibri (Body)"/>
+              </a:rPr>
+              <a:t>Distinct mechanisms of mismatch repair deficiency delineate two modes of response to PD-1 immunotherapy in endometrial carcinoma</a:t>
+            </a:r>
+          </a:p>
+          <a:p>
+            <a:pPr lvl="1"/>
+            <a:r>
+              <a:rPr lang="en-US" b="0" i="1" dirty="0">
+                <a:solidFill>
+                  <a:srgbClr val="000000"/>
+                </a:solidFill>
+                <a:effectLst/>
+                <a:latin typeface="Calibri (Body)"/>
+              </a:rPr>
+              <a:t>Lineage tracing reveals clonotype progenitors and long-term persistence of tumor-specific T cells during immune checkpoint blockade</a:t>
+            </a:r>
+            <a:endParaRPr lang="en-US" b="0" dirty="0">
+              <a:solidFill>
+                <a:srgbClr val="000000"/>
+              </a:solidFill>
+              <a:effectLst/>
+              <a:latin typeface="Calibri (Body)"/>
+            </a:endParaRPr>
+          </a:p>
+          <a:p>
+            <a:r>
+              <a:rPr lang="en-US" dirty="0">
+                <a:solidFill>
+                  <a:srgbClr val="000000"/>
+                </a:solidFill>
+                <a:latin typeface="Calibri (Body)"/>
+              </a:rPr>
+              <a:t>Plan</a:t>
+            </a:r>
+            <a:endParaRPr lang="en-US" b="0" dirty="0">
+              <a:solidFill>
+                <a:srgbClr val="000000"/>
+              </a:solidFill>
+              <a:effectLst/>
+              <a:latin typeface="Calibri (Body)"/>
+            </a:endParaRPr>
+          </a:p>
+          <a:p>
+            <a:pPr lvl="1"/>
+            <a:r>
+              <a:rPr lang="en-US" b="0" dirty="0">
+                <a:solidFill>
+                  <a:srgbClr val="000000"/>
+                </a:solidFill>
+                <a:effectLst/>
+                <a:latin typeface="Calibri (Body)"/>
+              </a:rPr>
+              <a:t>Summarizing main findings, limitations, unexplored areas</a:t>
+            </a:r>
+          </a:p>
+          <a:p>
+            <a:pPr lvl="1"/>
+            <a:r>
+              <a:rPr lang="en-US" b="0" dirty="0">
+                <a:solidFill>
+                  <a:srgbClr val="000000"/>
+                </a:solidFill>
+                <a:effectLst/>
+                <a:latin typeface="Calibri (Body)"/>
+              </a:rPr>
+              <a:t>Brief data reproduction</a:t>
+            </a:r>
+          </a:p>
+          <a:p>
+            <a:pPr lvl="1"/>
+            <a:r>
+              <a:rPr lang="en-US" b="0" dirty="0">
+                <a:solidFill>
+                  <a:srgbClr val="000000"/>
+                </a:solidFill>
+                <a:effectLst/>
+                <a:latin typeface="Calibri (Body)"/>
+              </a:rPr>
+              <a:t>Analyze </a:t>
+            </a:r>
+            <a:r>
+              <a:rPr lang="en-US" b="0" dirty="0" err="1">
+                <a:solidFill>
+                  <a:srgbClr val="000000"/>
+                </a:solidFill>
+                <a:effectLst/>
+                <a:latin typeface="Calibri (Body)"/>
+              </a:rPr>
+              <a:t>scRNA</a:t>
+            </a:r>
+            <a:r>
+              <a:rPr lang="en-US" b="0" dirty="0">
+                <a:solidFill>
+                  <a:srgbClr val="000000"/>
+                </a:solidFill>
+                <a:effectLst/>
+                <a:latin typeface="Calibri (Body)"/>
+              </a:rPr>
+              <a:t>/</a:t>
+            </a:r>
+            <a:r>
+              <a:rPr lang="en-US" b="0" dirty="0" err="1">
+                <a:solidFill>
+                  <a:srgbClr val="000000"/>
+                </a:solidFill>
+                <a:effectLst/>
+                <a:latin typeface="Calibri (Body)"/>
+              </a:rPr>
+              <a:t>TCRseq</a:t>
+            </a:r>
+            <a:endParaRPr lang="en-US" b="0" dirty="0">
+              <a:solidFill>
+                <a:srgbClr val="000000"/>
+              </a:solidFill>
+              <a:effectLst/>
+              <a:latin typeface="Calibri (Body)"/>
+            </a:endParaRPr>
+          </a:p>
+          <a:p>
+            <a:pPr lvl="2"/>
+            <a:r>
+              <a:rPr lang="en-US" dirty="0">
+                <a:solidFill>
+                  <a:srgbClr val="000000"/>
+                </a:solidFill>
+                <a:latin typeface="Calibri (Body)"/>
+              </a:rPr>
+              <a:t>Germline-ness</a:t>
+            </a:r>
+          </a:p>
+          <a:p>
+            <a:pPr lvl="3"/>
+            <a:r>
+              <a:rPr lang="en-US" dirty="0">
+                <a:solidFill>
+                  <a:srgbClr val="000000"/>
+                </a:solidFill>
+                <a:latin typeface="Calibri (Body)"/>
+              </a:rPr>
+              <a:t>IMGT/</a:t>
+            </a:r>
+            <a:r>
+              <a:rPr lang="en-US" dirty="0" err="1">
+                <a:solidFill>
+                  <a:srgbClr val="000000"/>
+                </a:solidFill>
+                <a:latin typeface="Calibri (Body)"/>
+              </a:rPr>
+              <a:t>HighV</a:t>
+            </a:r>
+            <a:r>
+              <a:rPr lang="en-US" dirty="0">
+                <a:solidFill>
+                  <a:srgbClr val="000000"/>
+                </a:solidFill>
+                <a:latin typeface="Calibri (Body)"/>
+              </a:rPr>
+              <a:t>-Quest</a:t>
+            </a:r>
+          </a:p>
+          <a:p>
+            <a:pPr lvl="3"/>
+            <a:r>
+              <a:rPr lang="en-US" dirty="0" err="1">
+                <a:solidFill>
+                  <a:srgbClr val="000000"/>
+                </a:solidFill>
+                <a:latin typeface="Calibri (Body)"/>
+              </a:rPr>
+              <a:t>IGoR</a:t>
+            </a:r>
+            <a:endParaRPr lang="en-US" dirty="0">
+              <a:solidFill>
+                <a:srgbClr val="000000"/>
+              </a:solidFill>
+              <a:latin typeface="Calibri (Body)"/>
+            </a:endParaRPr>
+          </a:p>
+          <a:p>
+            <a:pPr lvl="2"/>
+            <a:r>
+              <a:rPr lang="en-US" b="0" dirty="0">
+                <a:solidFill>
+                  <a:srgbClr val="000000"/>
+                </a:solidFill>
+                <a:effectLst/>
+                <a:latin typeface="Calibri (Body)"/>
+              </a:rPr>
+              <a:t>Expansion</a:t>
+            </a:r>
+          </a:p>
+          <a:p>
+            <a:pPr lvl="2"/>
+            <a:r>
+              <a:rPr lang="en-US" b="0" dirty="0">
+                <a:solidFill>
+                  <a:srgbClr val="000000"/>
+                </a:solidFill>
+                <a:effectLst/>
+                <a:latin typeface="Calibri (Body)"/>
+              </a:rPr>
+              <a:t>Length</a:t>
+            </a:r>
+          </a:p>
+          <a:p>
+            <a:pPr lvl="2"/>
+            <a:r>
+              <a:rPr lang="en-US" dirty="0">
+                <a:solidFill>
+                  <a:srgbClr val="000000"/>
+                </a:solidFill>
+                <a:latin typeface="Calibri (Body)"/>
+              </a:rPr>
+              <a:t>Hydrophobicity, perhaps relates to cross-reactivity</a:t>
+            </a:r>
+            <a:endParaRPr lang="en-US" b="0" dirty="0">
+              <a:solidFill>
+                <a:srgbClr val="000000"/>
+              </a:solidFill>
+              <a:effectLst/>
+              <a:latin typeface="Calibri (Body)"/>
+            </a:endParaRPr>
+          </a:p>
+        </p:txBody>
+      </p:sp>
+    </p:spTree>
+    <p:extLst>
+      <p:ext uri="{BB962C8B-B14F-4D97-AF65-F5344CB8AC3E}">
+        <p14:creationId xmlns:p14="http://schemas.microsoft.com/office/powerpoint/2010/main" val="2765775732"/>
+      </p:ext>
+    </p:extLst>
+  </p:cSld>
+  <p:clrMapOvr>
+    <a:masterClrMapping/>
+  </p:clrMapOvr>
+</p:sld>
+</file>
+
+<file path=ppt/slides/slide12.xml><?xml version="1.0" encoding="utf-8"?>
+<p:sld xmlns:a="http://schemas.openxmlformats.org/drawingml/2006/main" xmlns:r="http://schemas.openxmlformats.org/officeDocument/2006/relationships" xmlns:p="http://schemas.openxmlformats.org/presentationml/2006/main">
+  <p:cSld>
+    <p:spTree>
+      <p:nvGrpSpPr>
+        <p:cNvPr id="1" name=""/>
+        <p:cNvGrpSpPr/>
+        <p:nvPr/>
+      </p:nvGrpSpPr>
+      <p:grpSpPr>
+        <a:xfrm>
+          <a:off x="0" y="0"/>
+          <a:ext cx="0" cy="0"/>
+          <a:chOff x="0" y="0"/>
+          <a:chExt cx="0" cy="0"/>
+        </a:xfrm>
+      </p:grpSpPr>
+      <p:sp>
+        <p:nvSpPr>
+          <p:cNvPr id="2" name="Title 1">
+            <a:extLst>
+              <a:ext uri="{FF2B5EF4-FFF2-40B4-BE49-F238E27FC236}">
+                <a16:creationId xmlns:a16="http://schemas.microsoft.com/office/drawing/2014/main" id="{70A4C97D-8F21-3D3B-6A90-EA7145324964}"/>
+              </a:ext>
+            </a:extLst>
+          </p:cNvPr>
+          <p:cNvSpPr>
+            <a:spLocks noGrp="1"/>
+          </p:cNvSpPr>
+          <p:nvPr>
+            <p:ph type="title"/>
+          </p:nvPr>
+        </p:nvSpPr>
+        <p:spPr>
+          <a:xfrm>
+            <a:off x="838200" y="419100"/>
+            <a:ext cx="10515600" cy="1325563"/>
+          </a:xfrm>
+        </p:spPr>
+        <p:txBody>
+          <a:bodyPr/>
+          <a:lstStyle/>
+          <a:p>
+            <a:r>
+              <a:rPr lang="en-US" dirty="0"/>
+              <a:t>References</a:t>
+            </a:r>
+          </a:p>
+        </p:txBody>
+      </p:sp>
+      <p:sp>
+        <p:nvSpPr>
+          <p:cNvPr id="3" name="Content Placeholder 2">
+            <a:extLst>
+              <a:ext uri="{FF2B5EF4-FFF2-40B4-BE49-F238E27FC236}">
+                <a16:creationId xmlns:a16="http://schemas.microsoft.com/office/drawing/2014/main" id="{B9501834-7B32-1ACA-4358-B630FB8EEC36}"/>
+              </a:ext>
+            </a:extLst>
+          </p:cNvPr>
+          <p:cNvSpPr>
+            <a:spLocks noGrp="1"/>
+          </p:cNvSpPr>
+          <p:nvPr>
+            <p:ph idx="1"/>
+          </p:nvPr>
+        </p:nvSpPr>
+        <p:spPr>
+          <a:xfrm>
+            <a:off x="0" y="1298575"/>
+            <a:ext cx="12192000" cy="5613400"/>
+          </a:xfrm>
+        </p:spPr>
+        <p:txBody>
+          <a:bodyPr>
+            <a:noAutofit/>
+          </a:bodyPr>
+          <a:lstStyle/>
+          <a:p>
+            <a:pPr marL="514350" indent="-514350">
+              <a:buFont typeface="+mj-lt"/>
+              <a:buAutoNum type="arabicPeriod"/>
+            </a:pPr>
+            <a:endParaRPr lang="en-US" sz="1350" b="0" i="0" u="none" strike="noStrike" dirty="0">
+              <a:effectLst/>
+            </a:endParaRPr>
+          </a:p>
+          <a:p>
+            <a:pPr marL="514350" indent="-514350">
+              <a:buFont typeface="+mj-lt"/>
+              <a:buAutoNum type="arabicPeriod"/>
+            </a:pPr>
+            <a:r>
+              <a:rPr lang="en-US" sz="1350" b="0" i="0" u="none" strike="noStrike" dirty="0">
+                <a:effectLst/>
+              </a:rPr>
+              <a:t>Le DT, Durham JN, Smith KN, Wang H, Bartlett BR, </a:t>
+            </a:r>
+            <a:r>
+              <a:rPr lang="en-US" sz="1350" b="0" i="0" u="none" strike="noStrike" dirty="0" err="1">
+                <a:effectLst/>
+              </a:rPr>
+              <a:t>Aulakh</a:t>
+            </a:r>
+            <a:r>
+              <a:rPr lang="en-US" sz="1350" b="0" i="0" u="none" strike="noStrike" dirty="0">
+                <a:effectLst/>
+              </a:rPr>
+              <a:t> LK, Lu S, </a:t>
+            </a:r>
+            <a:r>
+              <a:rPr lang="en-US" sz="1350" b="0" i="0" u="none" strike="noStrike" dirty="0" err="1">
+                <a:effectLst/>
+              </a:rPr>
+              <a:t>Kemberling</a:t>
+            </a:r>
+            <a:r>
+              <a:rPr lang="en-US" sz="1350" b="0" i="0" u="none" strike="noStrike" dirty="0">
+                <a:effectLst/>
+              </a:rPr>
+              <a:t> H, Wilt C, </a:t>
+            </a:r>
+            <a:r>
+              <a:rPr lang="en-US" sz="1350" b="0" i="0" u="none" strike="noStrike" dirty="0" err="1">
+                <a:effectLst/>
+              </a:rPr>
+              <a:t>Luber</a:t>
+            </a:r>
+            <a:r>
+              <a:rPr lang="en-US" sz="1350" b="0" i="0" u="none" strike="noStrike" dirty="0">
+                <a:effectLst/>
+              </a:rPr>
+              <a:t> BS, Wong F, Azad NS, </a:t>
+            </a:r>
+            <a:r>
+              <a:rPr lang="en-US" sz="1350" b="0" i="0" u="none" strike="noStrike" dirty="0" err="1">
+                <a:effectLst/>
+              </a:rPr>
+              <a:t>Rucki</a:t>
+            </a:r>
+            <a:r>
+              <a:rPr lang="en-US" sz="1350" b="0" i="0" u="none" strike="noStrike" dirty="0">
+                <a:effectLst/>
+              </a:rPr>
+              <a:t> AA, </a:t>
+            </a:r>
+            <a:r>
+              <a:rPr lang="en-US" sz="1350" b="0" i="0" u="none" strike="noStrike" dirty="0" err="1">
+                <a:effectLst/>
+              </a:rPr>
+              <a:t>Laheru</a:t>
+            </a:r>
+            <a:r>
+              <a:rPr lang="en-US" sz="1350" b="0" i="0" u="none" strike="noStrike" dirty="0">
+                <a:effectLst/>
+              </a:rPr>
+              <a:t> D, </a:t>
+            </a:r>
+            <a:r>
+              <a:rPr lang="en-US" sz="1350" b="0" i="0" u="none" strike="noStrike" dirty="0" err="1">
+                <a:effectLst/>
+              </a:rPr>
+              <a:t>Donehower</a:t>
+            </a:r>
+            <a:r>
+              <a:rPr lang="en-US" sz="1350" b="0" i="0" u="none" strike="noStrike" dirty="0">
+                <a:effectLst/>
+              </a:rPr>
+              <a:t> R, Zaheer A, Fisher GA, </a:t>
+            </a:r>
+            <a:r>
+              <a:rPr lang="en-US" sz="1350" b="0" i="0" u="none" strike="noStrike" dirty="0" err="1">
+                <a:effectLst/>
+              </a:rPr>
+              <a:t>Crocenzi</a:t>
+            </a:r>
+            <a:r>
+              <a:rPr lang="en-US" sz="1350" b="0" i="0" u="none" strike="noStrike" dirty="0">
+                <a:effectLst/>
+              </a:rPr>
+              <a:t> TS, Lee JJ, </a:t>
+            </a:r>
+            <a:r>
+              <a:rPr lang="en-US" sz="1350" b="0" i="0" u="none" strike="noStrike" dirty="0" err="1">
+                <a:effectLst/>
+              </a:rPr>
+              <a:t>Greten</a:t>
+            </a:r>
+            <a:r>
+              <a:rPr lang="en-US" sz="1350" b="0" i="0" u="none" strike="noStrike" dirty="0">
+                <a:effectLst/>
+              </a:rPr>
+              <a:t> TF, Duffy AG, </a:t>
+            </a:r>
+            <a:r>
+              <a:rPr lang="en-US" sz="1350" b="0" i="0" u="none" strike="noStrike" dirty="0" err="1">
+                <a:effectLst/>
+              </a:rPr>
+              <a:t>Ciombor</a:t>
+            </a:r>
+            <a:r>
+              <a:rPr lang="en-US" sz="1350" b="0" i="0" u="none" strike="noStrike" dirty="0">
+                <a:effectLst/>
+              </a:rPr>
+              <a:t> KK, Eyring AD, Lam BH, Joe A, Kang SP, </a:t>
+            </a:r>
+            <a:r>
+              <a:rPr lang="en-US" sz="1350" b="0" i="0" u="none" strike="noStrike" dirty="0" err="1">
+                <a:effectLst/>
+              </a:rPr>
+              <a:t>Holdhoff</a:t>
+            </a:r>
+            <a:r>
+              <a:rPr lang="en-US" sz="1350" b="0" i="0" u="none" strike="noStrike" dirty="0">
+                <a:effectLst/>
+              </a:rPr>
+              <a:t> M, Danilova L, Cope L, Meyer C, Zhou S, Goldberg RM, Armstrong DK, Bever KM, Fader AN, Taube J, </a:t>
+            </a:r>
+            <a:r>
+              <a:rPr lang="en-US" sz="1350" b="0" i="0" u="none" strike="noStrike" dirty="0" err="1">
+                <a:effectLst/>
+              </a:rPr>
+              <a:t>Housseau</a:t>
+            </a:r>
+            <a:r>
+              <a:rPr lang="en-US" sz="1350" b="0" i="0" u="none" strike="noStrike" dirty="0">
+                <a:effectLst/>
+              </a:rPr>
+              <a:t> F, </a:t>
+            </a:r>
+            <a:r>
+              <a:rPr lang="en-US" sz="1350" b="0" i="0" u="none" strike="noStrike" dirty="0" err="1">
+                <a:effectLst/>
+              </a:rPr>
+              <a:t>Spetzler</a:t>
+            </a:r>
+            <a:r>
+              <a:rPr lang="en-US" sz="1350" b="0" i="0" u="none" strike="noStrike" dirty="0">
+                <a:effectLst/>
+              </a:rPr>
+              <a:t> D, Xiao N, </a:t>
+            </a:r>
+            <a:r>
+              <a:rPr lang="en-US" sz="1350" b="0" i="0" u="none" strike="noStrike" dirty="0" err="1">
+                <a:effectLst/>
+              </a:rPr>
+              <a:t>Pardoll</a:t>
+            </a:r>
+            <a:r>
+              <a:rPr lang="en-US" sz="1350" b="0" i="0" u="none" strike="noStrike" dirty="0">
+                <a:effectLst/>
+              </a:rPr>
+              <a:t> DM, Papadopoulos N, </a:t>
+            </a:r>
+            <a:r>
+              <a:rPr lang="en-US" sz="1350" b="0" i="0" u="none" strike="noStrike" dirty="0" err="1">
+                <a:effectLst/>
+              </a:rPr>
+              <a:t>Kinzler</a:t>
+            </a:r>
+            <a:r>
+              <a:rPr lang="en-US" sz="1350" b="0" i="0" u="none" strike="noStrike" dirty="0">
+                <a:effectLst/>
+              </a:rPr>
+              <a:t> KW, Eshleman JR, Vogelstein B, Anders RA, Diaz LA Jr. Mismatch repair deficiency predicts response of solid tumors to PD-1 blockade. Science. 2017 Jul 28;357(6349):409-413. </a:t>
+            </a:r>
+            <a:r>
+              <a:rPr lang="en-US" sz="1350" b="0" i="0" u="none" strike="noStrike" dirty="0" err="1">
+                <a:effectLst/>
+              </a:rPr>
+              <a:t>doi</a:t>
+            </a:r>
+            <a:r>
+              <a:rPr lang="en-US" sz="1350" b="0" i="0" u="none" strike="noStrike" dirty="0">
+                <a:effectLst/>
+              </a:rPr>
+              <a:t>: 10.1126/science.aan6733. </a:t>
+            </a:r>
+            <a:r>
+              <a:rPr lang="en-US" sz="1350" b="0" i="0" u="none" strike="noStrike" dirty="0" err="1">
+                <a:effectLst/>
+              </a:rPr>
+              <a:t>Epub</a:t>
+            </a:r>
+            <a:r>
+              <a:rPr lang="en-US" sz="1350" b="0" i="0" u="none" strike="noStrike" dirty="0">
+                <a:effectLst/>
+              </a:rPr>
+              <a:t> 2017 Jun 8. PMID: 28596308; PMCID: PMC5576142.</a:t>
+            </a:r>
+            <a:endParaRPr lang="en-US" sz="1350" i="0" strike="noStrike" dirty="0">
+              <a:effectLst/>
+            </a:endParaRPr>
+          </a:p>
+          <a:p>
+            <a:pPr marL="514350" indent="-514350">
+              <a:buFont typeface="+mj-lt"/>
+              <a:buAutoNum type="arabicPeriod"/>
+            </a:pPr>
+            <a:r>
+              <a:rPr lang="en-US" sz="1350" b="0" i="0" u="none" strike="noStrike" dirty="0">
+                <a:effectLst/>
+              </a:rPr>
+              <a:t>Wei SC, Levine JH, </a:t>
+            </a:r>
+            <a:r>
+              <a:rPr lang="en-US" sz="1350" b="0" i="0" u="none" strike="noStrike" dirty="0" err="1">
+                <a:effectLst/>
+              </a:rPr>
+              <a:t>Cogdill</a:t>
+            </a:r>
+            <a:r>
+              <a:rPr lang="en-US" sz="1350" b="0" i="0" u="none" strike="noStrike" dirty="0">
+                <a:effectLst/>
+              </a:rPr>
+              <a:t> AP, Zhao Y, </a:t>
+            </a:r>
+            <a:r>
+              <a:rPr lang="en-US" sz="1350" b="0" i="0" u="none" strike="noStrike" dirty="0" err="1">
+                <a:effectLst/>
+              </a:rPr>
+              <a:t>Anang</a:t>
+            </a:r>
+            <a:r>
+              <a:rPr lang="en-US" sz="1350" b="0" i="0" u="none" strike="noStrike" dirty="0">
+                <a:effectLst/>
+              </a:rPr>
+              <a:t> NAS, Andrews MC, Sharma P, Wang J, </a:t>
+            </a:r>
+            <a:r>
+              <a:rPr lang="en-US" sz="1350" b="0" i="0" u="none" strike="noStrike" dirty="0" err="1">
+                <a:effectLst/>
+              </a:rPr>
+              <a:t>Wargo</a:t>
+            </a:r>
+            <a:r>
+              <a:rPr lang="en-US" sz="1350" b="0" i="0" u="none" strike="noStrike" dirty="0">
+                <a:effectLst/>
+              </a:rPr>
+              <a:t> JA, </a:t>
+            </a:r>
+            <a:r>
+              <a:rPr lang="en-US" sz="1350" b="0" i="0" u="none" strike="noStrike" dirty="0" err="1">
+                <a:effectLst/>
+              </a:rPr>
+              <a:t>Pe'er</a:t>
+            </a:r>
+            <a:r>
+              <a:rPr lang="en-US" sz="1350" b="0" i="0" u="none" strike="noStrike" dirty="0">
+                <a:effectLst/>
+              </a:rPr>
+              <a:t> D, Allison JP. Distinct Cellular Mechanisms Underlie Anti-CTLA-4 and Anti-PD-1 Checkpoint Blockade. Cell. 2017 Sep 7;170(6):1120-1133.e17. </a:t>
+            </a:r>
+            <a:r>
+              <a:rPr lang="en-US" sz="1350" b="0" i="0" u="none" strike="noStrike" dirty="0" err="1">
+                <a:effectLst/>
+              </a:rPr>
+              <a:t>doi</a:t>
+            </a:r>
+            <a:r>
+              <a:rPr lang="en-US" sz="1350" b="0" i="0" u="none" strike="noStrike" dirty="0">
+                <a:effectLst/>
+              </a:rPr>
+              <a:t>: 10.1016/j.cell.2017.07.024. </a:t>
+            </a:r>
+            <a:r>
+              <a:rPr lang="en-US" sz="1350" b="0" i="0" u="none" strike="noStrike" dirty="0" err="1">
+                <a:effectLst/>
+              </a:rPr>
+              <a:t>Epub</a:t>
+            </a:r>
+            <a:r>
+              <a:rPr lang="en-US" sz="1350" b="0" i="0" u="none" strike="noStrike" dirty="0">
+                <a:effectLst/>
+              </a:rPr>
+              <a:t> 2017 Aug 10. PMID: 28803728; PMCID: PMC5591072.</a:t>
+            </a:r>
+          </a:p>
+          <a:p>
+            <a:pPr marL="514350" indent="-514350">
+              <a:buFont typeface="+mj-lt"/>
+              <a:buAutoNum type="arabicPeriod"/>
+            </a:pPr>
+            <a:r>
+              <a:rPr lang="en-US" sz="1350" b="0" i="0" u="none" strike="noStrike" dirty="0" err="1">
+                <a:effectLst/>
+              </a:rPr>
+              <a:t>Subudhi</a:t>
+            </a:r>
+            <a:r>
+              <a:rPr lang="en-US" sz="1350" b="0" i="0" u="none" strike="noStrike" dirty="0">
+                <a:effectLst/>
+              </a:rPr>
+              <a:t> SK, Aparicio A, Gao J, </a:t>
+            </a:r>
+            <a:r>
+              <a:rPr lang="en-US" sz="1350" b="0" i="0" u="none" strike="noStrike" dirty="0" err="1">
+                <a:effectLst/>
+              </a:rPr>
+              <a:t>Zurita</a:t>
+            </a:r>
+            <a:r>
+              <a:rPr lang="en-US" sz="1350" b="0" i="0" u="none" strike="noStrike" dirty="0">
+                <a:effectLst/>
+              </a:rPr>
+              <a:t> AJ, Araujo JC, </a:t>
+            </a:r>
+            <a:r>
+              <a:rPr lang="en-US" sz="1350" b="0" i="0" u="none" strike="noStrike" dirty="0" err="1">
+                <a:effectLst/>
+              </a:rPr>
+              <a:t>Logothetis</a:t>
+            </a:r>
+            <a:r>
+              <a:rPr lang="en-US" sz="1350" b="0" i="0" u="none" strike="noStrike" dirty="0">
+                <a:effectLst/>
+              </a:rPr>
+              <a:t> CJ, Tahir SA, </a:t>
+            </a:r>
+            <a:r>
+              <a:rPr lang="en-US" sz="1350" b="0" i="0" u="none" strike="noStrike" dirty="0" err="1">
+                <a:effectLst/>
+              </a:rPr>
+              <a:t>Korivi</a:t>
+            </a:r>
+            <a:r>
+              <a:rPr lang="en-US" sz="1350" b="0" i="0" u="none" strike="noStrike" dirty="0">
+                <a:effectLst/>
+              </a:rPr>
+              <a:t> BR, Slack RS, </a:t>
+            </a:r>
+            <a:r>
+              <a:rPr lang="en-US" sz="1350" b="0" i="0" u="none" strike="noStrike" dirty="0" err="1">
+                <a:effectLst/>
+              </a:rPr>
+              <a:t>Vence</a:t>
+            </a:r>
+            <a:r>
+              <a:rPr lang="en-US" sz="1350" b="0" i="0" u="none" strike="noStrike" dirty="0">
+                <a:effectLst/>
+              </a:rPr>
+              <a:t> L, Emerson RO, </a:t>
+            </a:r>
+            <a:r>
+              <a:rPr lang="en-US" sz="1350" b="0" i="0" u="none" strike="noStrike" dirty="0" err="1">
+                <a:effectLst/>
+              </a:rPr>
+              <a:t>Yusko</a:t>
+            </a:r>
+            <a:r>
+              <a:rPr lang="en-US" sz="1350" b="0" i="0" u="none" strike="noStrike" dirty="0">
+                <a:effectLst/>
+              </a:rPr>
+              <a:t> E, </a:t>
+            </a:r>
+            <a:r>
+              <a:rPr lang="en-US" sz="1350" b="0" i="0" u="none" strike="noStrike" dirty="0" err="1">
+                <a:effectLst/>
+              </a:rPr>
+              <a:t>Vignali</a:t>
+            </a:r>
+            <a:r>
+              <a:rPr lang="en-US" sz="1350" b="0" i="0" u="none" strike="noStrike" dirty="0">
+                <a:effectLst/>
+              </a:rPr>
+              <a:t> M, Robins HS, Sun J, Allison JP, Sharma P. Clonal expansion of CD8 T cells in the systemic circulation precedes development of ipilimumab-induced toxicities. Proc Natl </a:t>
+            </a:r>
+            <a:r>
+              <a:rPr lang="en-US" sz="1350" b="0" i="0" u="none" strike="noStrike" dirty="0" err="1">
+                <a:effectLst/>
+              </a:rPr>
+              <a:t>Acad</a:t>
+            </a:r>
+            <a:r>
+              <a:rPr lang="en-US" sz="1350" b="0" i="0" u="none" strike="noStrike" dirty="0">
+                <a:effectLst/>
+              </a:rPr>
+              <a:t> Sci U S A. 2016 Oct 18;113(42):11919-11924. </a:t>
+            </a:r>
+            <a:r>
+              <a:rPr lang="en-US" sz="1350" b="0" i="0" u="none" strike="noStrike" dirty="0" err="1">
+                <a:effectLst/>
+              </a:rPr>
+              <a:t>doi</a:t>
+            </a:r>
+            <a:r>
+              <a:rPr lang="en-US" sz="1350" b="0" i="0" u="none" strike="noStrike" dirty="0">
+                <a:effectLst/>
+              </a:rPr>
+              <a:t>: 10.1073/pnas.1611421113. </a:t>
+            </a:r>
+            <a:r>
+              <a:rPr lang="en-US" sz="1350" b="0" i="0" u="none" strike="noStrike" dirty="0" err="1">
+                <a:effectLst/>
+              </a:rPr>
+              <a:t>Epub</a:t>
+            </a:r>
+            <a:r>
+              <a:rPr lang="en-US" sz="1350" b="0" i="0" u="none" strike="noStrike" dirty="0">
+                <a:effectLst/>
+              </a:rPr>
+              <a:t> 2016 Oct 3. PMID: 27698113; PMCID: PMC5081579.</a:t>
+            </a:r>
+          </a:p>
+          <a:p>
+            <a:pPr marL="514350" indent="-514350">
+              <a:buFont typeface="+mj-lt"/>
+              <a:buAutoNum type="arabicPeriod"/>
+            </a:pPr>
+            <a:r>
+              <a:rPr lang="en-US" sz="1350" b="0" i="0" u="none" strike="noStrike" dirty="0" err="1">
+                <a:effectLst/>
+              </a:rPr>
+              <a:t>Nuñez</a:t>
+            </a:r>
+            <a:r>
+              <a:rPr lang="en-US" sz="1350" b="0" i="0" u="none" strike="noStrike" dirty="0">
+                <a:effectLst/>
+              </a:rPr>
+              <a:t> NG, Berner F, </a:t>
+            </a:r>
+            <a:r>
+              <a:rPr lang="en-US" sz="1350" b="0" i="0" u="none" strike="noStrike" dirty="0" err="1">
+                <a:effectLst/>
+              </a:rPr>
+              <a:t>Friebel</a:t>
+            </a:r>
+            <a:r>
+              <a:rPr lang="en-US" sz="1350" b="0" i="0" u="none" strike="noStrike" dirty="0">
+                <a:effectLst/>
+              </a:rPr>
+              <a:t> E, Unger S, Wyss N, Gomez JM, </a:t>
+            </a:r>
+            <a:r>
+              <a:rPr lang="en-US" sz="1350" b="0" i="0" u="none" strike="noStrike" dirty="0" err="1">
+                <a:effectLst/>
+              </a:rPr>
+              <a:t>Purde</a:t>
+            </a:r>
+            <a:r>
+              <a:rPr lang="en-US" sz="1350" b="0" i="0" u="none" strike="noStrike" dirty="0">
+                <a:effectLst/>
+              </a:rPr>
+              <a:t> MT, </a:t>
+            </a:r>
+            <a:r>
+              <a:rPr lang="en-US" sz="1350" b="0" i="0" u="none" strike="noStrike" dirty="0" err="1">
+                <a:effectLst/>
+              </a:rPr>
+              <a:t>Niederer</a:t>
+            </a:r>
+            <a:r>
+              <a:rPr lang="en-US" sz="1350" b="0" i="0" u="none" strike="noStrike" dirty="0">
+                <a:effectLst/>
+              </a:rPr>
+              <a:t> R, </a:t>
+            </a:r>
+            <a:r>
+              <a:rPr lang="en-US" sz="1350" b="0" i="0" u="none" strike="noStrike" dirty="0" err="1">
+                <a:effectLst/>
+              </a:rPr>
+              <a:t>Porsch</a:t>
+            </a:r>
+            <a:r>
+              <a:rPr lang="en-US" sz="1350" b="0" i="0" u="none" strike="noStrike" dirty="0">
+                <a:effectLst/>
+              </a:rPr>
+              <a:t> M, </a:t>
+            </a:r>
+            <a:r>
+              <a:rPr lang="en-US" sz="1350" b="0" i="0" u="none" strike="noStrike" dirty="0" err="1">
+                <a:effectLst/>
+              </a:rPr>
+              <a:t>Lichtensteiger</a:t>
+            </a:r>
+            <a:r>
+              <a:rPr lang="en-US" sz="1350" b="0" i="0" u="none" strike="noStrike" dirty="0">
+                <a:effectLst/>
+              </a:rPr>
+              <a:t> C, Kramer R, Erdmann M, Schmitt C, </a:t>
+            </a:r>
+            <a:r>
+              <a:rPr lang="en-US" sz="1350" b="0" i="0" u="none" strike="noStrike" dirty="0" err="1">
+                <a:effectLst/>
+              </a:rPr>
+              <a:t>Heinzerling</a:t>
+            </a:r>
+            <a:r>
+              <a:rPr lang="en-US" sz="1350" b="0" i="0" u="none" strike="noStrike" dirty="0">
+                <a:effectLst/>
+              </a:rPr>
+              <a:t> L, Abdou MT, </a:t>
+            </a:r>
+            <a:r>
+              <a:rPr lang="en-US" sz="1350" b="0" i="0" u="none" strike="noStrike" dirty="0" err="1">
+                <a:effectLst/>
+              </a:rPr>
+              <a:t>Karbach</a:t>
+            </a:r>
+            <a:r>
+              <a:rPr lang="en-US" sz="1350" b="0" i="0" u="none" strike="noStrike" dirty="0">
+                <a:effectLst/>
+              </a:rPr>
+              <a:t> J, </a:t>
+            </a:r>
+            <a:r>
+              <a:rPr lang="en-US" sz="1350" b="0" i="0" u="none" strike="noStrike" dirty="0" err="1">
+                <a:effectLst/>
+              </a:rPr>
+              <a:t>Schadendorf</a:t>
+            </a:r>
+            <a:r>
+              <a:rPr lang="en-US" sz="1350" b="0" i="0" u="none" strike="noStrike" dirty="0">
+                <a:effectLst/>
+              </a:rPr>
+              <a:t> D, Zimmer L, </a:t>
+            </a:r>
+            <a:r>
+              <a:rPr lang="en-US" sz="1350" b="0" i="0" u="none" strike="noStrike" dirty="0" err="1">
+                <a:effectLst/>
+              </a:rPr>
+              <a:t>Ugurel</a:t>
+            </a:r>
+            <a:r>
+              <a:rPr lang="en-US" sz="1350" b="0" i="0" u="none" strike="noStrike" dirty="0">
+                <a:effectLst/>
+              </a:rPr>
+              <a:t> S, </a:t>
+            </a:r>
+            <a:r>
+              <a:rPr lang="en-US" sz="1350" b="0" i="0" u="none" strike="noStrike" dirty="0" err="1">
+                <a:effectLst/>
+              </a:rPr>
+              <a:t>Klümper</a:t>
+            </a:r>
+            <a:r>
+              <a:rPr lang="en-US" sz="1350" b="0" i="0" u="none" strike="noStrike" dirty="0">
+                <a:effectLst/>
+              </a:rPr>
+              <a:t> N, </a:t>
+            </a:r>
+            <a:r>
+              <a:rPr lang="en-US" sz="1350" b="0" i="0" u="none" strike="noStrike" dirty="0" err="1">
+                <a:effectLst/>
+              </a:rPr>
+              <a:t>Hölzel</a:t>
+            </a:r>
+            <a:r>
+              <a:rPr lang="en-US" sz="1350" b="0" i="0" u="none" strike="noStrike" dirty="0">
+                <a:effectLst/>
+              </a:rPr>
+              <a:t> M, Power L, </a:t>
+            </a:r>
+            <a:r>
+              <a:rPr lang="en-US" sz="1350" b="0" i="0" u="none" strike="noStrike" dirty="0" err="1">
+                <a:effectLst/>
+              </a:rPr>
+              <a:t>Kreutmair</a:t>
+            </a:r>
+            <a:r>
+              <a:rPr lang="en-US" sz="1350" b="0" i="0" u="none" strike="noStrike" dirty="0">
+                <a:effectLst/>
+              </a:rPr>
+              <a:t> S, Capone M, Madonna G, </a:t>
+            </a:r>
+            <a:r>
+              <a:rPr lang="en-US" sz="1350" b="0" i="0" u="none" strike="noStrike" dirty="0" err="1">
+                <a:effectLst/>
+              </a:rPr>
+              <a:t>Cevhertas</a:t>
+            </a:r>
+            <a:r>
+              <a:rPr lang="en-US" sz="1350" b="0" i="0" u="none" strike="noStrike" dirty="0">
+                <a:effectLst/>
+              </a:rPr>
+              <a:t> L, Heider A, Amaral T, Hasan Ali O, </a:t>
+            </a:r>
+            <a:r>
+              <a:rPr lang="en-US" sz="1350" b="0" i="0" u="none" strike="noStrike" dirty="0" err="1">
+                <a:effectLst/>
+              </a:rPr>
+              <a:t>Bomze</a:t>
+            </a:r>
+            <a:r>
+              <a:rPr lang="en-US" sz="1350" b="0" i="0" u="none" strike="noStrike" dirty="0">
+                <a:effectLst/>
+              </a:rPr>
+              <a:t> D, </a:t>
+            </a:r>
+            <a:r>
+              <a:rPr lang="en-US" sz="1350" b="0" i="0" u="none" strike="noStrike" dirty="0" err="1">
+                <a:effectLst/>
+              </a:rPr>
+              <a:t>Dimitriou</a:t>
+            </a:r>
+            <a:r>
+              <a:rPr lang="en-US" sz="1350" b="0" i="0" u="none" strike="noStrike" dirty="0">
+                <a:effectLst/>
+              </a:rPr>
+              <a:t> F, Diem S, </a:t>
+            </a:r>
+            <a:r>
+              <a:rPr lang="en-US" sz="1350" b="0" i="0" u="none" strike="noStrike" dirty="0" err="1">
+                <a:effectLst/>
+              </a:rPr>
+              <a:t>Ascierto</a:t>
+            </a:r>
+            <a:r>
+              <a:rPr lang="en-US" sz="1350" b="0" i="0" u="none" strike="noStrike" dirty="0">
+                <a:effectLst/>
+              </a:rPr>
+              <a:t> PA, </a:t>
+            </a:r>
+            <a:r>
+              <a:rPr lang="en-US" sz="1350" b="0" i="0" u="none" strike="noStrike" dirty="0" err="1">
+                <a:effectLst/>
+              </a:rPr>
+              <a:t>Dummer</a:t>
+            </a:r>
+            <a:r>
+              <a:rPr lang="en-US" sz="1350" b="0" i="0" u="none" strike="noStrike" dirty="0">
+                <a:effectLst/>
+              </a:rPr>
+              <a:t> R, </a:t>
+            </a:r>
+            <a:r>
+              <a:rPr lang="en-US" sz="1350" b="0" i="0" u="none" strike="noStrike" dirty="0" err="1">
+                <a:effectLst/>
+              </a:rPr>
+              <a:t>Jäger</a:t>
+            </a:r>
+            <a:r>
+              <a:rPr lang="en-US" sz="1350" b="0" i="0" u="none" strike="noStrike" dirty="0">
+                <a:effectLst/>
+              </a:rPr>
+              <a:t> E, Driessen C, Levesque MP, van de Veen W, </a:t>
+            </a:r>
+            <a:r>
+              <a:rPr lang="en-US" sz="1350" b="0" i="0" u="none" strike="noStrike" dirty="0" err="1">
+                <a:effectLst/>
+              </a:rPr>
+              <a:t>Joerger</a:t>
+            </a:r>
+            <a:r>
+              <a:rPr lang="en-US" sz="1350" b="0" i="0" u="none" strike="noStrike" dirty="0">
+                <a:effectLst/>
+              </a:rPr>
+              <a:t> M, </a:t>
+            </a:r>
+            <a:r>
+              <a:rPr lang="en-US" sz="1350" b="0" i="0" u="none" strike="noStrike" dirty="0" err="1">
+                <a:effectLst/>
+              </a:rPr>
+              <a:t>Früh</a:t>
+            </a:r>
+            <a:r>
+              <a:rPr lang="en-US" sz="1350" b="0" i="0" u="none" strike="noStrike" dirty="0">
+                <a:effectLst/>
+              </a:rPr>
+              <a:t> M, Becher B, </a:t>
+            </a:r>
+            <a:r>
+              <a:rPr lang="en-US" sz="1350" b="0" i="0" u="none" strike="noStrike" dirty="0" err="1">
+                <a:effectLst/>
+              </a:rPr>
+              <a:t>Flatz</a:t>
+            </a:r>
+            <a:r>
+              <a:rPr lang="en-US" sz="1350" b="0" i="0" u="none" strike="noStrike" dirty="0">
+                <a:effectLst/>
+              </a:rPr>
+              <a:t> L. Immune signatures predict development of autoimmune toxicity in patients with cancer treated with immune checkpoint inhibitors. Med. 2023 Feb 10;4(2):113-129.e7. </a:t>
+            </a:r>
+            <a:r>
+              <a:rPr lang="en-US" sz="1350" b="0" i="0" u="none" strike="noStrike" dirty="0" err="1">
+                <a:effectLst/>
+              </a:rPr>
+              <a:t>doi</a:t>
+            </a:r>
+            <a:r>
+              <a:rPr lang="en-US" sz="1350" b="0" i="0" u="none" strike="noStrike" dirty="0">
+                <a:effectLst/>
+              </a:rPr>
+              <a:t>: 10.1016/j.medj.2022.12.007. </a:t>
+            </a:r>
+            <a:r>
+              <a:rPr lang="en-US" sz="1350" b="0" i="0" u="none" strike="noStrike" dirty="0" err="1">
+                <a:effectLst/>
+              </a:rPr>
+              <a:t>Epub</a:t>
+            </a:r>
+            <a:r>
+              <a:rPr lang="en-US" sz="1350" b="0" i="0" u="none" strike="noStrike" dirty="0">
+                <a:effectLst/>
+              </a:rPr>
+              <a:t> 2023 Jan 23. PMID: 36693381.</a:t>
+            </a:r>
+          </a:p>
+          <a:p>
+            <a:pPr marL="514350" indent="-514350">
+              <a:buFont typeface="+mj-lt"/>
+              <a:buAutoNum type="arabicPeriod"/>
+            </a:pPr>
+            <a:r>
+              <a:rPr lang="en-US" sz="1350" b="0" i="0" u="none" strike="noStrike" dirty="0">
+                <a:effectLst/>
+              </a:rPr>
+              <a:t>Lozano AX, Chaudhuri AA, Nene A, </a:t>
+            </a:r>
+            <a:r>
+              <a:rPr lang="en-US" sz="1350" b="0" i="0" u="none" strike="noStrike" dirty="0" err="1">
+                <a:effectLst/>
+              </a:rPr>
+              <a:t>Bacchiocchi</a:t>
+            </a:r>
+            <a:r>
+              <a:rPr lang="en-US" sz="1350" b="0" i="0" u="none" strike="noStrike" dirty="0">
+                <a:effectLst/>
+              </a:rPr>
+              <a:t> A, </a:t>
+            </a:r>
+            <a:r>
+              <a:rPr lang="en-US" sz="1350" b="0" i="0" u="none" strike="noStrike" dirty="0" err="1">
+                <a:effectLst/>
+              </a:rPr>
+              <a:t>Earland</a:t>
+            </a:r>
+            <a:r>
+              <a:rPr lang="en-US" sz="1350" b="0" i="0" u="none" strike="noStrike" dirty="0">
+                <a:effectLst/>
+              </a:rPr>
+              <a:t> N, Vesely MD, Usmani A, Turner BE, Steen CB, Luca BA, Badri T, Gulati GS, Vahid MR, </a:t>
+            </a:r>
+            <a:r>
+              <a:rPr lang="en-US" sz="1350" b="0" i="0" u="none" strike="noStrike" dirty="0" err="1">
+                <a:effectLst/>
+              </a:rPr>
+              <a:t>Khameneh</a:t>
+            </a:r>
+            <a:r>
+              <a:rPr lang="en-US" sz="1350" b="0" i="0" u="none" strike="noStrike" dirty="0">
+                <a:effectLst/>
+              </a:rPr>
+              <a:t> F, Harris PK, Chen DY, </a:t>
+            </a:r>
+            <a:r>
+              <a:rPr lang="en-US" sz="1350" b="0" i="0" u="none" strike="noStrike" dirty="0" err="1">
+                <a:effectLst/>
+              </a:rPr>
+              <a:t>Dhodapkar</a:t>
+            </a:r>
+            <a:r>
+              <a:rPr lang="en-US" sz="1350" b="0" i="0" u="none" strike="noStrike" dirty="0">
+                <a:effectLst/>
+              </a:rPr>
+              <a:t> K, </a:t>
+            </a:r>
+            <a:r>
+              <a:rPr lang="en-US" sz="1350" b="0" i="0" u="none" strike="noStrike" dirty="0" err="1">
+                <a:effectLst/>
+              </a:rPr>
+              <a:t>Sznol</a:t>
+            </a:r>
+            <a:r>
+              <a:rPr lang="en-US" sz="1350" b="0" i="0" u="none" strike="noStrike" dirty="0">
+                <a:effectLst/>
+              </a:rPr>
+              <a:t> M, </a:t>
+            </a:r>
+            <a:r>
+              <a:rPr lang="en-US" sz="1350" b="0" i="0" u="none" strike="noStrike" dirty="0" err="1">
+                <a:effectLst/>
+              </a:rPr>
+              <a:t>Halaban</a:t>
+            </a:r>
+            <a:r>
+              <a:rPr lang="en-US" sz="1350" b="0" i="0" u="none" strike="noStrike" dirty="0">
+                <a:effectLst/>
+              </a:rPr>
+              <a:t> R, Newman AM. T cell characteristics associated with toxicity to immune checkpoint blockade in patients with melanoma. Nat Med. 2022 Feb;28(2):353-362. </a:t>
+            </a:r>
+            <a:r>
+              <a:rPr lang="en-US" sz="1350" b="0" i="0" u="none" strike="noStrike" dirty="0" err="1">
+                <a:effectLst/>
+              </a:rPr>
+              <a:t>doi</a:t>
+            </a:r>
+            <a:r>
+              <a:rPr lang="en-US" sz="1350" b="0" i="0" u="none" strike="noStrike" dirty="0">
+                <a:effectLst/>
+              </a:rPr>
+              <a:t>: 10.1038/s41591-021-01623-z. </a:t>
+            </a:r>
+            <a:r>
+              <a:rPr lang="en-US" sz="1350" b="0" i="0" u="none" strike="noStrike" dirty="0" err="1">
+                <a:effectLst/>
+              </a:rPr>
+              <a:t>Epub</a:t>
+            </a:r>
+            <a:r>
+              <a:rPr lang="en-US" sz="1350" b="0" i="0" u="none" strike="noStrike" dirty="0">
+                <a:effectLst/>
+              </a:rPr>
+              <a:t> 2022 Jan 13. PMID: 35027754; PMCID: PMC8866214.</a:t>
+            </a:r>
+          </a:p>
+          <a:p>
+            <a:pPr marL="514350" indent="-514350">
+              <a:buFont typeface="+mj-lt"/>
+              <a:buAutoNum type="arabicPeriod"/>
+            </a:pPr>
+            <a:r>
+              <a:rPr lang="en-US" sz="1350" b="0" i="0" u="none" strike="noStrike" dirty="0">
+                <a:effectLst/>
+              </a:rPr>
+              <a:t>Berner F, </a:t>
+            </a:r>
+            <a:r>
+              <a:rPr lang="en-US" sz="1350" b="0" i="0" u="none" strike="noStrike" dirty="0" err="1">
+                <a:effectLst/>
+              </a:rPr>
+              <a:t>Bomze</a:t>
+            </a:r>
+            <a:r>
+              <a:rPr lang="en-US" sz="1350" b="0" i="0" u="none" strike="noStrike" dirty="0">
+                <a:effectLst/>
+              </a:rPr>
+              <a:t> D, Diem S, Ali OH, </a:t>
+            </a:r>
+            <a:r>
+              <a:rPr lang="en-US" sz="1350" b="0" i="0" u="none" strike="noStrike" dirty="0" err="1">
+                <a:effectLst/>
+              </a:rPr>
+              <a:t>Fässler</a:t>
+            </a:r>
+            <a:r>
+              <a:rPr lang="en-US" sz="1350" b="0" i="0" u="none" strike="noStrike" dirty="0">
+                <a:effectLst/>
+              </a:rPr>
+              <a:t> M, Ring S, </a:t>
+            </a:r>
+            <a:r>
+              <a:rPr lang="en-US" sz="1350" b="0" i="0" u="none" strike="noStrike" dirty="0" err="1">
+                <a:effectLst/>
+              </a:rPr>
+              <a:t>Niederer</a:t>
+            </a:r>
+            <a:r>
+              <a:rPr lang="en-US" sz="1350" b="0" i="0" u="none" strike="noStrike" dirty="0">
+                <a:effectLst/>
+              </a:rPr>
+              <a:t> R, Ackermann CJ, </a:t>
+            </a:r>
+            <a:r>
+              <a:rPr lang="en-US" sz="1350" b="0" i="0" u="none" strike="noStrike" dirty="0" err="1">
+                <a:effectLst/>
+              </a:rPr>
+              <a:t>Baumgaertner</a:t>
+            </a:r>
+            <a:r>
+              <a:rPr lang="en-US" sz="1350" b="0" i="0" u="none" strike="noStrike" dirty="0">
+                <a:effectLst/>
+              </a:rPr>
+              <a:t> P, </a:t>
+            </a:r>
+            <a:r>
+              <a:rPr lang="en-US" sz="1350" b="0" i="0" u="none" strike="noStrike" dirty="0" err="1">
+                <a:effectLst/>
+              </a:rPr>
+              <a:t>Pikor</a:t>
+            </a:r>
+            <a:r>
+              <a:rPr lang="en-US" sz="1350" b="0" i="0" u="none" strike="noStrike" dirty="0">
+                <a:effectLst/>
+              </a:rPr>
+              <a:t> N, Cruz CG, van de Veen W, </a:t>
+            </a:r>
+            <a:r>
+              <a:rPr lang="en-US" sz="1350" b="0" i="0" u="none" strike="noStrike" dirty="0" err="1">
+                <a:effectLst/>
+              </a:rPr>
+              <a:t>Akdis</a:t>
+            </a:r>
+            <a:r>
+              <a:rPr lang="en-US" sz="1350" b="0" i="0" u="none" strike="noStrike" dirty="0">
+                <a:effectLst/>
+              </a:rPr>
+              <a:t> M, Nikolaev S, </a:t>
+            </a:r>
+            <a:r>
+              <a:rPr lang="en-US" sz="1350" b="0" i="0" u="none" strike="noStrike" dirty="0" err="1">
+                <a:effectLst/>
+              </a:rPr>
+              <a:t>Läubli</a:t>
+            </a:r>
+            <a:r>
+              <a:rPr lang="en-US" sz="1350" b="0" i="0" u="none" strike="noStrike" dirty="0">
+                <a:effectLst/>
+              </a:rPr>
+              <a:t> H, </a:t>
+            </a:r>
+            <a:r>
+              <a:rPr lang="en-US" sz="1350" b="0" i="0" u="none" strike="noStrike" dirty="0" err="1">
+                <a:effectLst/>
+              </a:rPr>
+              <a:t>Zippelius</a:t>
+            </a:r>
+            <a:r>
+              <a:rPr lang="en-US" sz="1350" b="0" i="0" u="none" strike="noStrike" dirty="0">
+                <a:effectLst/>
+              </a:rPr>
+              <a:t> A, Hartmann F, Cheng HW, </a:t>
+            </a:r>
+            <a:r>
+              <a:rPr lang="en-US" sz="1350" b="0" i="0" u="none" strike="noStrike" dirty="0" err="1">
+                <a:effectLst/>
+              </a:rPr>
+              <a:t>Hönger</a:t>
+            </a:r>
+            <a:r>
+              <a:rPr lang="en-US" sz="1350" b="0" i="0" u="none" strike="noStrike" dirty="0">
+                <a:effectLst/>
+              </a:rPr>
+              <a:t> G, </a:t>
+            </a:r>
+            <a:r>
+              <a:rPr lang="en-US" sz="1350" b="0" i="0" u="none" strike="noStrike" dirty="0" err="1">
+                <a:effectLst/>
+              </a:rPr>
+              <a:t>Recher</a:t>
+            </a:r>
+            <a:r>
+              <a:rPr lang="en-US" sz="1350" b="0" i="0" u="none" strike="noStrike" dirty="0">
+                <a:effectLst/>
+              </a:rPr>
+              <a:t> M, Goldman J, </a:t>
+            </a:r>
+            <a:r>
+              <a:rPr lang="en-US" sz="1350" b="0" i="0" u="none" strike="noStrike" dirty="0" err="1">
+                <a:effectLst/>
+              </a:rPr>
+              <a:t>Cozzio</a:t>
+            </a:r>
+            <a:r>
+              <a:rPr lang="en-US" sz="1350" b="0" i="0" u="none" strike="noStrike" dirty="0">
+                <a:effectLst/>
+              </a:rPr>
+              <a:t> A, </a:t>
+            </a:r>
+            <a:r>
+              <a:rPr lang="en-US" sz="1350" b="0" i="0" u="none" strike="noStrike" dirty="0" err="1">
+                <a:effectLst/>
+              </a:rPr>
+              <a:t>Früh</a:t>
+            </a:r>
+            <a:r>
+              <a:rPr lang="en-US" sz="1350" b="0" i="0" u="none" strike="noStrike" dirty="0">
+                <a:effectLst/>
+              </a:rPr>
+              <a:t> M, </a:t>
+            </a:r>
+            <a:r>
+              <a:rPr lang="en-US" sz="1350" b="0" i="0" u="none" strike="noStrike" dirty="0" err="1">
+                <a:effectLst/>
+              </a:rPr>
+              <a:t>Neefjes</a:t>
+            </a:r>
+            <a:r>
+              <a:rPr lang="en-US" sz="1350" b="0" i="0" u="none" strike="noStrike" dirty="0">
+                <a:effectLst/>
+              </a:rPr>
+              <a:t> J, Driessen C, </a:t>
+            </a:r>
+            <a:r>
+              <a:rPr lang="en-US" sz="1350" b="0" i="0" u="none" strike="noStrike" dirty="0" err="1">
+                <a:effectLst/>
+              </a:rPr>
+              <a:t>Ludewig</a:t>
+            </a:r>
+            <a:r>
+              <a:rPr lang="en-US" sz="1350" b="0" i="0" u="none" strike="noStrike" dirty="0">
+                <a:effectLst/>
+              </a:rPr>
+              <a:t> B, </a:t>
+            </a:r>
+            <a:r>
+              <a:rPr lang="en-US" sz="1350" b="0" i="0" u="none" strike="noStrike" dirty="0" err="1">
+                <a:effectLst/>
+              </a:rPr>
+              <a:t>Hegazy</a:t>
+            </a:r>
+            <a:r>
+              <a:rPr lang="en-US" sz="1350" b="0" i="0" u="none" strike="noStrike" dirty="0">
+                <a:effectLst/>
+              </a:rPr>
+              <a:t> AN, </a:t>
+            </a:r>
+            <a:r>
+              <a:rPr lang="en-US" sz="1350" b="0" i="0" u="none" strike="noStrike" dirty="0" err="1">
+                <a:effectLst/>
+              </a:rPr>
+              <a:t>Jochum</a:t>
+            </a:r>
+            <a:r>
+              <a:rPr lang="en-US" sz="1350" b="0" i="0" u="none" strike="noStrike" dirty="0">
+                <a:effectLst/>
+              </a:rPr>
+              <a:t> W, </a:t>
+            </a:r>
+            <a:r>
+              <a:rPr lang="en-US" sz="1350" b="0" i="0" u="none" strike="noStrike" dirty="0" err="1">
+                <a:effectLst/>
+              </a:rPr>
+              <a:t>Speiser</a:t>
+            </a:r>
+            <a:r>
+              <a:rPr lang="en-US" sz="1350" b="0" i="0" u="none" strike="noStrike" dirty="0">
+                <a:effectLst/>
+              </a:rPr>
+              <a:t> DE, </a:t>
+            </a:r>
+            <a:r>
+              <a:rPr lang="en-US" sz="1350" b="0" i="0" u="none" strike="noStrike" dirty="0" err="1">
+                <a:effectLst/>
+              </a:rPr>
+              <a:t>Flatz</a:t>
+            </a:r>
+            <a:r>
+              <a:rPr lang="en-US" sz="1350" b="0" i="0" u="none" strike="noStrike" dirty="0">
+                <a:effectLst/>
+              </a:rPr>
+              <a:t> L. Association of Checkpoint Inhibitor-Induced Toxic Effects With Shared Cancer and Tissue Antigens in Non-Small Cell Lung Cancer. JAMA Oncol. 2019 Jul 1;5(7):1043-1047. </a:t>
+            </a:r>
+            <a:r>
+              <a:rPr lang="en-US" sz="1350" b="0" i="0" u="none" strike="noStrike" dirty="0" err="1">
+                <a:effectLst/>
+              </a:rPr>
+              <a:t>doi</a:t>
+            </a:r>
+            <a:r>
+              <a:rPr lang="en-US" sz="1350" b="0" i="0" u="none" strike="noStrike" dirty="0">
+                <a:effectLst/>
+              </a:rPr>
+              <a:t>: 10.1001/jamaoncol.2019.0402. Erratum in: JAMA Oncol. 2019 Jul 1;5(7):1070. PMID: 31021392; PMCID: PMC6487908.</a:t>
+            </a:r>
+            <a:endParaRPr lang="en-US" sz="1350" i="0" strike="noStrike" dirty="0">
+              <a:effectLst/>
+            </a:endParaRPr>
+          </a:p>
+        </p:txBody>
+      </p:sp>
+    </p:spTree>
+    <p:extLst>
+      <p:ext uri="{BB962C8B-B14F-4D97-AF65-F5344CB8AC3E}">
+        <p14:creationId xmlns:p14="http://schemas.microsoft.com/office/powerpoint/2010/main" val="2573222570"/>
+      </p:ext>
+    </p:extLst>
+  </p:cSld>
+  <p:clrMapOvr>
+    <a:masterClrMapping/>
+  </p:clrMapOvr>
+</p:sld>
+</file>
+
+<file path=ppt/slides/slide13.xml><?xml version="1.0" encoding="utf-8"?>
+<p:sld xmlns:a="http://schemas.openxmlformats.org/drawingml/2006/main" xmlns:r="http://schemas.openxmlformats.org/officeDocument/2006/relationships" xmlns:p="http://schemas.openxmlformats.org/presentationml/2006/main">
+  <p:cSld>
+    <p:spTree>
+      <p:nvGrpSpPr>
+        <p:cNvPr id="1" name=""/>
+        <p:cNvGrpSpPr/>
+        <p:nvPr/>
+      </p:nvGrpSpPr>
+      <p:grpSpPr>
+        <a:xfrm>
+          <a:off x="0" y="0"/>
+          <a:ext cx="0" cy="0"/>
+          <a:chOff x="0" y="0"/>
+          <a:chExt cx="0" cy="0"/>
+        </a:xfrm>
+      </p:grpSpPr>
+      <p:sp>
+        <p:nvSpPr>
+          <p:cNvPr id="2" name="Title 1">
+            <a:extLst>
+              <a:ext uri="{FF2B5EF4-FFF2-40B4-BE49-F238E27FC236}">
+                <a16:creationId xmlns:a16="http://schemas.microsoft.com/office/drawing/2014/main" id="{70A4C97D-8F21-3D3B-6A90-EA7145324964}"/>
+              </a:ext>
+            </a:extLst>
+          </p:cNvPr>
+          <p:cNvSpPr>
+            <a:spLocks noGrp="1"/>
+          </p:cNvSpPr>
+          <p:nvPr>
+            <p:ph type="title"/>
+          </p:nvPr>
+        </p:nvSpPr>
+        <p:spPr/>
+        <p:txBody>
+          <a:bodyPr/>
+          <a:lstStyle/>
+          <a:p>
+            <a:r>
+              <a:rPr lang="en-US" dirty="0"/>
+              <a:t>Bulk TCR</a:t>
+            </a:r>
+            <a:r>
+              <a:rPr lang="el-GR" i="0" u="none" strike="noStrike" dirty="0">
+                <a:effectLst/>
+              </a:rPr>
+              <a:t>β</a:t>
+            </a:r>
+            <a:r>
+              <a:rPr lang="en-US" i="0" u="none" strike="noStrike" dirty="0">
+                <a:effectLst/>
+              </a:rPr>
+              <a:t> chain</a:t>
+            </a:r>
+            <a:r>
+              <a:rPr lang="en-US" dirty="0"/>
+              <a:t> profiling of CDR3 shows no differences before and on ICI treatment</a:t>
+            </a:r>
+          </a:p>
+        </p:txBody>
+      </p:sp>
+      <p:sp>
+        <p:nvSpPr>
+          <p:cNvPr id="3" name="Content Placeholder 2">
+            <a:extLst>
+              <a:ext uri="{FF2B5EF4-FFF2-40B4-BE49-F238E27FC236}">
+                <a16:creationId xmlns:a16="http://schemas.microsoft.com/office/drawing/2014/main" id="{B9501834-7B32-1ACA-4358-B630FB8EEC36}"/>
+              </a:ext>
+            </a:extLst>
+          </p:cNvPr>
+          <p:cNvSpPr>
+            <a:spLocks noGrp="1"/>
+          </p:cNvSpPr>
+          <p:nvPr>
+            <p:ph idx="1"/>
+          </p:nvPr>
+        </p:nvSpPr>
+        <p:spPr/>
+        <p:txBody>
+          <a:bodyPr>
+            <a:normAutofit/>
+          </a:bodyPr>
+          <a:lstStyle/>
+          <a:p>
+            <a:endParaRPr lang="en-US" i="1" dirty="0">
+              <a:effectLst/>
+              <a:latin typeface="Calibri (Body)"/>
+            </a:endParaRPr>
+          </a:p>
+          <a:p>
+            <a:pPr lvl="2"/>
+            <a:endParaRPr lang="en-US" b="0" dirty="0">
+              <a:solidFill>
+                <a:srgbClr val="000000"/>
+              </a:solidFill>
+              <a:effectLst/>
+              <a:latin typeface="Calibri (Body)"/>
+            </a:endParaRPr>
+          </a:p>
+        </p:txBody>
+      </p:sp>
+      <p:pic>
+        <p:nvPicPr>
+          <p:cNvPr id="5" name="Picture 4">
+            <a:extLst>
+              <a:ext uri="{FF2B5EF4-FFF2-40B4-BE49-F238E27FC236}">
+                <a16:creationId xmlns:a16="http://schemas.microsoft.com/office/drawing/2014/main" id="{D1BB46FA-B74F-4EF4-E515-1F0F1A7581D5}"/>
+              </a:ext>
+            </a:extLst>
+          </p:cNvPr>
+          <p:cNvPicPr>
+            <a:picLocks noChangeAspect="1"/>
+          </p:cNvPicPr>
+          <p:nvPr/>
+        </p:nvPicPr>
+        <p:blipFill>
+          <a:blip r:embed="rId3"/>
+          <a:stretch>
+            <a:fillRect/>
+          </a:stretch>
+        </p:blipFill>
+        <p:spPr>
+          <a:xfrm>
+            <a:off x="2209800" y="1587225"/>
+            <a:ext cx="7772400" cy="4828138"/>
+          </a:xfrm>
+          <a:prstGeom prst="rect">
+            <a:avLst/>
+          </a:prstGeom>
+        </p:spPr>
+      </p:pic>
+    </p:spTree>
+    <p:extLst>
+      <p:ext uri="{BB962C8B-B14F-4D97-AF65-F5344CB8AC3E}">
+        <p14:creationId xmlns:p14="http://schemas.microsoft.com/office/powerpoint/2010/main" val="1140605543"/>
       </p:ext>
     </p:extLst>
   </p:cSld>
@@ -5886,7 +7219,23 @@
           <a:p>
             <a:r>
               <a:rPr lang="en-US" dirty="0"/>
-              <a:t>Next steps with other datasets</a:t>
+              <a:t>Bulk TCR</a:t>
+            </a:r>
+            <a:r>
+              <a:rPr lang="el-GR" i="0" u="none" strike="noStrike" dirty="0">
+                <a:effectLst/>
+              </a:rPr>
+              <a:t>β</a:t>
+            </a:r>
+            <a:r>
+              <a:rPr lang="en-US" i="0" u="none" strike="noStrike" dirty="0">
+                <a:effectLst/>
+              </a:rPr>
+              <a:t> chain</a:t>
+            </a:r>
+            <a:r>
+              <a:rPr lang="en-US" dirty="0"/>
+              <a:t> profiling of n1/2 insertions shows no differences before and on ICI treatment</a:t>
             </a:r>
           </a:p>
         </p:txBody>
@@ -5910,45 +7259,17 @@
         <p:spPr/>
         <p:txBody>
           <a:bodyPr>
-            <a:normAutofit fontScale="92500" lnSpcReduction="20000"/>
+            <a:normAutofit/>
           </a:bodyPr>
           <a:lstStyle/>
           <a:p>
-            <a:r>
-              <a:rPr lang="en-US" b="0" dirty="0">
-                <a:solidFill>
-                  <a:srgbClr val="000000"/>
-                </a:solidFill>
-                <a:effectLst/>
-                <a:latin typeface="Calibri (Body)"/>
-              </a:rPr>
-              <a:t>Other datasets</a:t>
-            </a:r>
-          </a:p>
-          <a:p>
-            <a:pPr lvl="1"/>
-            <a:r>
-              <a:rPr lang="en-US" i="1" dirty="0">
-                <a:solidFill>
-                  <a:srgbClr val="000000"/>
-                </a:solidFill>
-                <a:latin typeface="Calibri (Body)"/>
-              </a:rPr>
-              <a:t>Distinct mechanisms of mismatch repair deficiency delineate two modes of response to PD-1 immunotherapy in endometrial carcinoma</a:t>
-            </a:r>
-          </a:p>
-          <a:p>
-            <a:pPr lvl="1"/>
-            <a:r>
-              <a:rPr lang="en-US" b="0" i="1" dirty="0">
-                <a:solidFill>
-                  <a:srgbClr val="000000"/>
-                </a:solidFill>
-                <a:effectLst/>
-                <a:latin typeface="Calibri (Body)"/>
-              </a:rPr>
-              <a:t>Lineage tracing reveals clonotype progenitors and long-term persistence of tumor-specific T cells during immune checkpoint blockade</a:t>
-            </a:r>
+            <a:endParaRPr lang="en-US" i="1" dirty="0">
+              <a:effectLst/>
+              <a:latin typeface="Calibri (Body)"/>
+            </a:endParaRPr>
+          </a:p>
+          <a:p>
+            <a:pPr lvl="2"/>
             <a:endParaRPr lang="en-US" b="0" dirty="0">
               <a:solidFill>
                 <a:srgbClr val="000000"/>
@@ -5957,238 +7278,42 @@
               <a:latin typeface="Calibri (Body)"/>
             </a:endParaRPr>
           </a:p>
-          <a:p>
-            <a:r>
-              <a:rPr lang="en-US" dirty="0">
-                <a:solidFill>
-                  <a:srgbClr val="000000"/>
-                </a:solidFill>
-                <a:latin typeface="Calibri (Body)"/>
-              </a:rPr>
-              <a:t>Plan</a:t>
-            </a:r>
-            <a:endParaRPr lang="en-US" b="0" dirty="0">
-              <a:solidFill>
-                <a:srgbClr val="000000"/>
-              </a:solidFill>
-              <a:effectLst/>
-              <a:latin typeface="Calibri (Body)"/>
-            </a:endParaRPr>
-          </a:p>
-          <a:p>
-            <a:pPr lvl="1"/>
-            <a:r>
-              <a:rPr lang="en-US" b="0" dirty="0">
-                <a:solidFill>
-                  <a:srgbClr val="000000"/>
-                </a:solidFill>
-                <a:effectLst/>
-                <a:latin typeface="Calibri (Body)"/>
-              </a:rPr>
-              <a:t>Summarizing main findings, limitations, unexplored areas</a:t>
-            </a:r>
-          </a:p>
-          <a:p>
-            <a:pPr lvl="1"/>
-            <a:r>
-              <a:rPr lang="en-US" b="0" dirty="0">
-                <a:solidFill>
-                  <a:srgbClr val="000000"/>
-                </a:solidFill>
-                <a:effectLst/>
-                <a:latin typeface="Calibri (Body)"/>
-              </a:rPr>
-              <a:t>Brief data reproduction</a:t>
-            </a:r>
-          </a:p>
-          <a:p>
-            <a:pPr lvl="1"/>
-            <a:r>
-              <a:rPr lang="en-US" b="0" dirty="0">
-                <a:solidFill>
-                  <a:srgbClr val="000000"/>
-                </a:solidFill>
-                <a:effectLst/>
-                <a:latin typeface="Calibri (Body)"/>
-              </a:rPr>
-              <a:t>Analyze </a:t>
-            </a:r>
-            <a:r>
-              <a:rPr lang="en-US" b="0" dirty="0" err="1">
-                <a:solidFill>
-                  <a:srgbClr val="000000"/>
-                </a:solidFill>
-                <a:effectLst/>
-                <a:latin typeface="Calibri (Body)"/>
-              </a:rPr>
-              <a:t>scRNA</a:t>
-            </a:r>
-            <a:r>
-              <a:rPr lang="en-US" b="0" dirty="0">
-                <a:solidFill>
-                  <a:srgbClr val="000000"/>
-                </a:solidFill>
-                <a:effectLst/>
-                <a:latin typeface="Calibri (Body)"/>
-              </a:rPr>
-              <a:t>/</a:t>
-            </a:r>
-            <a:r>
-              <a:rPr lang="en-US" b="0" dirty="0" err="1">
-                <a:solidFill>
-                  <a:srgbClr val="000000"/>
-                </a:solidFill>
-                <a:effectLst/>
-                <a:latin typeface="Calibri (Body)"/>
-              </a:rPr>
-              <a:t>TCRseq</a:t>
-            </a:r>
-            <a:endParaRPr lang="en-US" b="0" dirty="0">
-              <a:solidFill>
-                <a:srgbClr val="000000"/>
-              </a:solidFill>
-              <a:effectLst/>
-              <a:latin typeface="Calibri (Body)"/>
-            </a:endParaRPr>
-          </a:p>
-          <a:p>
-            <a:pPr lvl="2"/>
-            <a:r>
-              <a:rPr lang="en-US" dirty="0">
-                <a:solidFill>
-                  <a:srgbClr val="000000"/>
-                </a:solidFill>
-                <a:latin typeface="Calibri (Body)"/>
-              </a:rPr>
-              <a:t>Germline-ness</a:t>
-            </a:r>
-          </a:p>
-          <a:p>
-            <a:pPr lvl="3"/>
-            <a:r>
-              <a:rPr lang="en-US" dirty="0">
-                <a:solidFill>
-                  <a:srgbClr val="000000"/>
-                </a:solidFill>
-                <a:latin typeface="Calibri (Body)"/>
-              </a:rPr>
-              <a:t>IMGT/</a:t>
-            </a:r>
-            <a:r>
-              <a:rPr lang="en-US" dirty="0" err="1">
-                <a:solidFill>
-                  <a:srgbClr val="000000"/>
-                </a:solidFill>
-                <a:latin typeface="Calibri (Body)"/>
-              </a:rPr>
-              <a:t>HighV</a:t>
-            </a:r>
-            <a:r>
-              <a:rPr lang="en-US" dirty="0">
-                <a:solidFill>
-                  <a:srgbClr val="000000"/>
-                </a:solidFill>
-                <a:latin typeface="Calibri (Body)"/>
-              </a:rPr>
-              <a:t>-Quest</a:t>
-            </a:r>
-          </a:p>
-          <a:p>
-            <a:pPr lvl="3"/>
-            <a:r>
-              <a:rPr lang="en-US" dirty="0" err="1">
-                <a:solidFill>
-                  <a:srgbClr val="000000"/>
-                </a:solidFill>
-                <a:latin typeface="Calibri (Body)"/>
-              </a:rPr>
-              <a:t>IGoR</a:t>
-            </a:r>
-            <a:endParaRPr lang="en-US" dirty="0">
-              <a:solidFill>
-                <a:srgbClr val="000000"/>
-              </a:solidFill>
-              <a:latin typeface="Calibri (Body)"/>
-            </a:endParaRPr>
-          </a:p>
-          <a:p>
-            <a:pPr lvl="2"/>
-            <a:r>
-              <a:rPr lang="en-US" b="0" dirty="0">
-                <a:solidFill>
-                  <a:srgbClr val="000000"/>
-                </a:solidFill>
-                <a:effectLst/>
-                <a:latin typeface="Calibri (Body)"/>
-              </a:rPr>
-              <a:t>Expansion</a:t>
-            </a:r>
-          </a:p>
-          <a:p>
-            <a:pPr lvl="2"/>
-            <a:r>
-              <a:rPr lang="en-US" b="0" dirty="0">
-                <a:solidFill>
-                  <a:srgbClr val="000000"/>
-                </a:solidFill>
-                <a:effectLst/>
-                <a:latin typeface="Calibri (Body)"/>
-              </a:rPr>
-              <a:t>Length</a:t>
-            </a:r>
-          </a:p>
-          <a:p>
-            <a:pPr lvl="2"/>
-            <a:r>
-              <a:rPr lang="en-US">
-                <a:solidFill>
-                  <a:srgbClr val="000000"/>
-                </a:solidFill>
-                <a:latin typeface="Calibri (Body)"/>
-              </a:rPr>
-              <a:t>Hydrophobicity, </a:t>
-            </a:r>
-            <a:r>
-              <a:rPr lang="en-US" dirty="0">
-                <a:solidFill>
-                  <a:srgbClr val="000000"/>
-                </a:solidFill>
-                <a:latin typeface="Calibri (Body)"/>
-              </a:rPr>
-              <a:t>p</a:t>
-            </a:r>
-            <a:r>
-              <a:rPr lang="en-US">
-                <a:solidFill>
-                  <a:srgbClr val="000000"/>
-                </a:solidFill>
-                <a:latin typeface="Calibri (Body)"/>
-              </a:rPr>
-              <a:t>erhaps </a:t>
-            </a:r>
-            <a:r>
-              <a:rPr lang="en-US" dirty="0">
-                <a:solidFill>
-                  <a:srgbClr val="000000"/>
-                </a:solidFill>
-                <a:latin typeface="Calibri (Body)"/>
-              </a:rPr>
-              <a:t>relates to cross-reactivity</a:t>
-            </a:r>
-            <a:endParaRPr lang="en-US" b="0" dirty="0">
-              <a:solidFill>
-                <a:srgbClr val="000000"/>
-              </a:solidFill>
-              <a:effectLst/>
-              <a:latin typeface="Calibri (Body)"/>
-            </a:endParaRPr>
-          </a:p>
-        </p:txBody>
-      </p:sp>
+        </p:txBody>
+      </p:sp>
+      <p:pic>
+        <p:nvPicPr>
+          <p:cNvPr id="6" name="Picture 5">
+            <a:extLst>
+              <a:ext uri="{FF2B5EF4-FFF2-40B4-BE49-F238E27FC236}">
+                <a16:creationId xmlns:a16="http://schemas.microsoft.com/office/drawing/2014/main" id="{C1005B3F-1553-FB71-4C54-858B62BA0E35}"/>
+              </a:ext>
+            </a:extLst>
+          </p:cNvPr>
+          <p:cNvPicPr>
+            <a:picLocks noChangeAspect="1"/>
+          </p:cNvPicPr>
+          <p:nvPr/>
+        </p:nvPicPr>
+        <p:blipFill>
+          <a:blip r:embed="rId3"/>
+          <a:stretch>
+            <a:fillRect/>
+          </a:stretch>
+        </p:blipFill>
+        <p:spPr>
+          <a:xfrm>
+            <a:off x="2410522" y="1575986"/>
+            <a:ext cx="7772400" cy="4850616"/>
+          </a:xfrm>
+          <a:prstGeom prst="rect">
+            <a:avLst/>
+          </a:prstGeom>
+        </p:spPr>
+      </p:pic>
     </p:spTree>
     <p:extLst>
       <p:ext uri="{BB962C8B-B14F-4D97-AF65-F5344CB8AC3E}">
-        <p14:creationId xmlns:p14="http://schemas.microsoft.com/office/powerpoint/2010/main" val="2765775732"/>
+        <p14:creationId xmlns:p14="http://schemas.microsoft.com/office/powerpoint/2010/main" val="1349162451"/>
       </p:ext>
     </p:extLst>
   </p:cSld>
@@ -6231,1127 +7356,268 @@
             <p:ph type="title"/>
           </p:nvPr>
         </p:nvSpPr>
+        <p:spPr/>
+        <p:txBody>
+          <a:bodyPr/>
+          <a:lstStyle/>
+          <a:p>
+            <a:r>
+              <a:rPr lang="en-US" dirty="0"/>
+              <a:t>Bulk TCR</a:t>
+            </a:r>
+            <a:r>
+              <a:rPr lang="el-GR" i="0" u="none" strike="noStrike" dirty="0">
+                <a:effectLst/>
+              </a:rPr>
+              <a:t>β</a:t>
+            </a:r>
+            <a:r>
+              <a:rPr lang="en-US" i="0" u="none" strike="noStrike" dirty="0">
+                <a:effectLst/>
+              </a:rPr>
+              <a:t> chain</a:t>
+            </a:r>
+            <a:r>
+              <a:rPr lang="en-US" dirty="0"/>
+              <a:t> profiling of CDR3 shows no differences by severe </a:t>
+            </a:r>
+            <a:r>
+              <a:rPr lang="en-US" dirty="0" err="1"/>
+              <a:t>irAE</a:t>
+            </a:r>
+            <a:r>
+              <a:rPr lang="en-US" dirty="0"/>
+              <a:t> development</a:t>
+            </a:r>
+          </a:p>
+        </p:txBody>
+      </p:sp>
+      <p:sp>
+        <p:nvSpPr>
+          <p:cNvPr id="3" name="Content Placeholder 2">
+            <a:extLst>
+              <a:ext uri="{FF2B5EF4-FFF2-40B4-BE49-F238E27FC236}">
+                <a16:creationId xmlns:a16="http://schemas.microsoft.com/office/drawing/2014/main" id="{B9501834-7B32-1ACA-4358-B630FB8EEC36}"/>
+              </a:ext>
+            </a:extLst>
+          </p:cNvPr>
+          <p:cNvSpPr>
+            <a:spLocks noGrp="1"/>
+          </p:cNvSpPr>
+          <p:nvPr>
+            <p:ph idx="1"/>
+          </p:nvPr>
+        </p:nvSpPr>
+        <p:spPr/>
+        <p:txBody>
+          <a:bodyPr>
+            <a:normAutofit/>
+          </a:bodyPr>
+          <a:lstStyle/>
+          <a:p>
+            <a:endParaRPr lang="en-US" i="1" dirty="0">
+              <a:effectLst/>
+              <a:latin typeface="Calibri (Body)"/>
+            </a:endParaRPr>
+          </a:p>
+          <a:p>
+            <a:pPr lvl="2"/>
+            <a:endParaRPr lang="en-US" b="0" dirty="0">
+              <a:solidFill>
+                <a:srgbClr val="000000"/>
+              </a:solidFill>
+              <a:effectLst/>
+              <a:latin typeface="Calibri (Body)"/>
+            </a:endParaRPr>
+          </a:p>
+        </p:txBody>
+      </p:sp>
+      <p:pic>
+        <p:nvPicPr>
+          <p:cNvPr id="5" name="Picture 4">
+            <a:extLst>
+              <a:ext uri="{FF2B5EF4-FFF2-40B4-BE49-F238E27FC236}">
+                <a16:creationId xmlns:a16="http://schemas.microsoft.com/office/drawing/2014/main" id="{3CFA45AD-B39F-09D8-31AE-18571D84BB9C}"/>
+              </a:ext>
+            </a:extLst>
+          </p:cNvPr>
+          <p:cNvPicPr>
+            <a:picLocks noChangeAspect="1"/>
+          </p:cNvPicPr>
+          <p:nvPr/>
+        </p:nvPicPr>
+        <p:blipFill>
+          <a:blip r:embed="rId3"/>
+          <a:stretch>
+            <a:fillRect/>
+          </a:stretch>
+        </p:blipFill>
         <p:spPr>
           <a:xfrm>
-            <a:off x="838200" y="419100"/>
-            <a:ext cx="10515600" cy="1325563"/>
+            <a:off x="2209800" y="1478297"/>
+            <a:ext cx="7772400" cy="4592781"/>
           </a:xfrm>
+          <a:prstGeom prst="rect">
+            <a:avLst/>
+          </a:prstGeom>
         </p:spPr>
-        <p:txBody>
-          <a:bodyPr/>
-          <a:lstStyle/>
-          <a:p>
-            <a:r>
-              <a:rPr lang="en-US" dirty="0"/>
-              <a:t>References</a:t>
-            </a:r>
-          </a:p>
-        </p:txBody>
-      </p:sp>
-      <p:sp>
-        <p:nvSpPr>
-          <p:cNvPr id="3" name="Content Placeholder 2">
-            <a:extLst>
-              <a:ext uri="{FF2B5EF4-FFF2-40B4-BE49-F238E27FC236}">
-                <a16:creationId xmlns:a16="http://schemas.microsoft.com/office/drawing/2014/main" id="{B9501834-7B32-1ACA-4358-B630FB8EEC36}"/>
-              </a:ext>
-            </a:extLst>
-          </p:cNvPr>
-          <p:cNvSpPr>
-            <a:spLocks noGrp="1"/>
-          </p:cNvSpPr>
-          <p:nvPr>
-            <p:ph idx="1"/>
-          </p:nvPr>
-        </p:nvSpPr>
-        <p:spPr>
-          <a:xfrm>
-            <a:off x="0" y="1298575"/>
-            <a:ext cx="12192000" cy="5613400"/>
-          </a:xfrm>
-        </p:spPr>
-        <p:txBody>
-          <a:bodyPr>
-            <a:noAutofit/>
-          </a:bodyPr>
-          <a:lstStyle/>
-          <a:p>
-            <a:pPr marL="514350" indent="-514350">
-              <a:buFont typeface="+mj-lt"/>
-              <a:buAutoNum type="arabicPeriod"/>
-            </a:pPr>
-            <a:endParaRPr lang="en-US" sz="1350" b="0" i="0" u="none" strike="noStrike" dirty="0">
-              <a:effectLst/>
-            </a:endParaRPr>
-          </a:p>
-          <a:p>
-            <a:pPr marL="514350" indent="-514350">
-              <a:buFont typeface="+mj-lt"/>
-              <a:buAutoNum type="arabicPeriod"/>
-            </a:pPr>
-            <a:r>
-              <a:rPr lang="en-US" sz="1350" b="0" i="0" u="none" strike="noStrike" dirty="0">
-                <a:effectLst/>
-              </a:rPr>
-              <a:t>Le DT, Durham JN, Smith KN, Wang H, Bartlett BR, </a:t>
-            </a:r>
-            <a:r>
-              <a:rPr lang="en-US" sz="1350" b="0" i="0" u="none" strike="noStrike" dirty="0" err="1">
-                <a:effectLst/>
-              </a:rPr>
-              <a:t>Aulakh</a:t>
-            </a:r>
-            <a:r>
-              <a:rPr lang="en-US" sz="1350" b="0" i="0" u="none" strike="noStrike" dirty="0">
-                <a:effectLst/>
-              </a:rPr>
-              <a:t> LK, Lu S, </a:t>
-            </a:r>
-            <a:r>
-              <a:rPr lang="en-US" sz="1350" b="0" i="0" u="none" strike="noStrike" dirty="0" err="1">
-                <a:effectLst/>
-              </a:rPr>
-              <a:t>Kemberling</a:t>
-            </a:r>
-            <a:r>
-              <a:rPr lang="en-US" sz="1350" b="0" i="0" u="none" strike="noStrike" dirty="0">
-                <a:effectLst/>
-              </a:rPr>
-              <a:t> H, Wilt C, </a:t>
-            </a:r>
-            <a:r>
-              <a:rPr lang="en-US" sz="1350" b="0" i="0" u="none" strike="noStrike" dirty="0" err="1">
-                <a:effectLst/>
-              </a:rPr>
-              <a:t>Luber</a:t>
-            </a:r>
-            <a:r>
-              <a:rPr lang="en-US" sz="1350" b="0" i="0" u="none" strike="noStrike" dirty="0">
-                <a:effectLst/>
-              </a:rPr>
-              <a:t> BS, Wong F, Azad NS, </a:t>
-            </a:r>
-            <a:r>
-              <a:rPr lang="en-US" sz="1350" b="0" i="0" u="none" strike="noStrike" dirty="0" err="1">
-                <a:effectLst/>
-              </a:rPr>
-              <a:t>Rucki</a:t>
-            </a:r>
-            <a:r>
-              <a:rPr lang="en-US" sz="1350" b="0" i="0" u="none" strike="noStrike" dirty="0">
-                <a:effectLst/>
-              </a:rPr>
-              <a:t> AA, </a:t>
-            </a:r>
-            <a:r>
-              <a:rPr lang="en-US" sz="1350" b="0" i="0" u="none" strike="noStrike" dirty="0" err="1">
-                <a:effectLst/>
-              </a:rPr>
-              <a:t>Laheru</a:t>
-            </a:r>
-            <a:r>
-              <a:rPr lang="en-US" sz="1350" b="0" i="0" u="none" strike="noStrike" dirty="0">
-                <a:effectLst/>
-              </a:rPr>
-              <a:t> D, </a:t>
-            </a:r>
-            <a:r>
-              <a:rPr lang="en-US" sz="1350" b="0" i="0" u="none" strike="noStrike" dirty="0" err="1">
-                <a:effectLst/>
-              </a:rPr>
-              <a:t>Donehower</a:t>
-            </a:r>
-            <a:r>
-              <a:rPr lang="en-US" sz="1350" b="0" i="0" u="none" strike="noStrike" dirty="0">
-                <a:effectLst/>
-              </a:rPr>
-              <a:t> R, Zaheer A, Fisher GA, </a:t>
-            </a:r>
-            <a:r>
-              <a:rPr lang="en-US" sz="1350" b="0" i="0" u="none" strike="noStrike" dirty="0" err="1">
-                <a:effectLst/>
-              </a:rPr>
-              <a:t>Crocenzi</a:t>
-            </a:r>
-            <a:r>
-              <a:rPr lang="en-US" sz="1350" b="0" i="0" u="none" strike="noStrike" dirty="0">
-                <a:effectLst/>
-              </a:rPr>
-              <a:t> TS, Lee JJ, </a:t>
-            </a:r>
-            <a:r>
-              <a:rPr lang="en-US" sz="1350" b="0" i="0" u="none" strike="noStrike" dirty="0" err="1">
-                <a:effectLst/>
-              </a:rPr>
-              <a:t>Greten</a:t>
-            </a:r>
-            <a:r>
-              <a:rPr lang="en-US" sz="1350" b="0" i="0" u="none" strike="noStrike" dirty="0">
-                <a:effectLst/>
-              </a:rPr>
-              <a:t> TF, Duffy AG, </a:t>
-            </a:r>
-            <a:r>
-              <a:rPr lang="en-US" sz="1350" b="0" i="0" u="none" strike="noStrike" dirty="0" err="1">
-                <a:effectLst/>
-              </a:rPr>
-              <a:t>Ciombor</a:t>
-            </a:r>
-            <a:r>
-              <a:rPr lang="en-US" sz="1350" b="0" i="0" u="none" strike="noStrike" dirty="0">
-                <a:effectLst/>
-              </a:rPr>
-              <a:t> KK, Eyring AD, Lam BH, Joe A, Kang SP, </a:t>
-            </a:r>
-            <a:r>
-              <a:rPr lang="en-US" sz="1350" b="0" i="0" u="none" strike="noStrike" dirty="0" err="1">
-                <a:effectLst/>
-              </a:rPr>
-              <a:t>Holdhoff</a:t>
-            </a:r>
-            <a:r>
-              <a:rPr lang="en-US" sz="1350" b="0" i="0" u="none" strike="noStrike" dirty="0">
-                <a:effectLst/>
-              </a:rPr>
-              <a:t> M, Danilova L, Cope L, Meyer C, Zhou S, Goldberg RM, Armstrong DK, Bever KM, Fader AN, Taube J, </a:t>
-            </a:r>
-            <a:r>
-              <a:rPr lang="en-US" sz="1350" b="0" i="0" u="none" strike="noStrike" dirty="0" err="1">
-                <a:effectLst/>
-              </a:rPr>
-              <a:t>Housseau</a:t>
-            </a:r>
-            <a:r>
-              <a:rPr lang="en-US" sz="1350" b="0" i="0" u="none" strike="noStrike" dirty="0">
-                <a:effectLst/>
-              </a:rPr>
-              <a:t> F, </a:t>
-            </a:r>
-            <a:r>
-              <a:rPr lang="en-US" sz="1350" b="0" i="0" u="none" strike="noStrike" dirty="0" err="1">
-                <a:effectLst/>
-              </a:rPr>
-              <a:t>Spetzler</a:t>
-            </a:r>
-            <a:r>
-              <a:rPr lang="en-US" sz="1350" b="0" i="0" u="none" strike="noStrike" dirty="0">
-                <a:effectLst/>
-              </a:rPr>
-              <a:t> D, Xiao N, </a:t>
-            </a:r>
-            <a:r>
-              <a:rPr lang="en-US" sz="1350" b="0" i="0" u="none" strike="noStrike" dirty="0" err="1">
-                <a:effectLst/>
-              </a:rPr>
-              <a:t>Pardoll</a:t>
-            </a:r>
-            <a:r>
-              <a:rPr lang="en-US" sz="1350" b="0" i="0" u="none" strike="noStrike" dirty="0">
-                <a:effectLst/>
-              </a:rPr>
-              <a:t> DM, Papadopoulos N, </a:t>
-            </a:r>
-            <a:r>
-              <a:rPr lang="en-US" sz="1350" b="0" i="0" u="none" strike="noStrike" dirty="0" err="1">
-                <a:effectLst/>
-              </a:rPr>
-              <a:t>Kinzler</a:t>
-            </a:r>
-            <a:r>
-              <a:rPr lang="en-US" sz="1350" b="0" i="0" u="none" strike="noStrike" dirty="0">
-                <a:effectLst/>
-              </a:rPr>
-              <a:t> KW, Eshleman JR, Vogelstein B, Anders RA, Diaz LA Jr. Mismatch repair deficiency predicts response of solid tumors to PD-1 blockade. Science. 2017 Jul 28;357(6349):409-413. </a:t>
-            </a:r>
-            <a:r>
-              <a:rPr lang="en-US" sz="1350" b="0" i="0" u="none" strike="noStrike" dirty="0" err="1">
-                <a:effectLst/>
-              </a:rPr>
-              <a:t>doi</a:t>
-            </a:r>
-            <a:r>
-              <a:rPr lang="en-US" sz="1350" b="0" i="0" u="none" strike="noStrike" dirty="0">
-                <a:effectLst/>
-              </a:rPr>
-              <a:t>: 10.1126/science.aan6733. </a:t>
-            </a:r>
-            <a:r>
-              <a:rPr lang="en-US" sz="1350" b="0" i="0" u="none" strike="noStrike" dirty="0" err="1">
-                <a:effectLst/>
-              </a:rPr>
-              <a:t>Epub</a:t>
-            </a:r>
-            <a:r>
-              <a:rPr lang="en-US" sz="1350" b="0" i="0" u="none" strike="noStrike" dirty="0">
-                <a:effectLst/>
-              </a:rPr>
-              <a:t> 2017 Jun 8. PMID: 28596308; PMCID: PMC5576142.</a:t>
-            </a:r>
-            <a:endParaRPr lang="en-US" sz="1350" i="0" strike="noStrike" dirty="0">
-              <a:effectLst/>
-            </a:endParaRPr>
-          </a:p>
-          <a:p>
-            <a:pPr marL="514350" indent="-514350">
-              <a:buFont typeface="+mj-lt"/>
-              <a:buAutoNum type="arabicPeriod"/>
-            </a:pPr>
-            <a:r>
-              <a:rPr lang="en-US" sz="1350" b="0" i="0" u="none" strike="noStrike" dirty="0">
-                <a:effectLst/>
-              </a:rPr>
-              <a:t>Wei SC, Levine JH, </a:t>
-            </a:r>
-            <a:r>
-              <a:rPr lang="en-US" sz="1350" b="0" i="0" u="none" strike="noStrike" dirty="0" err="1">
-                <a:effectLst/>
-              </a:rPr>
-              <a:t>Cogdill</a:t>
-            </a:r>
-            <a:r>
-              <a:rPr lang="en-US" sz="1350" b="0" i="0" u="none" strike="noStrike" dirty="0">
-                <a:effectLst/>
-              </a:rPr>
-              <a:t> AP, Zhao Y, </a:t>
-            </a:r>
-            <a:r>
-              <a:rPr lang="en-US" sz="1350" b="0" i="0" u="none" strike="noStrike" dirty="0" err="1">
-                <a:effectLst/>
-              </a:rPr>
-              <a:t>Anang</a:t>
-            </a:r>
-            <a:r>
-              <a:rPr lang="en-US" sz="1350" b="0" i="0" u="none" strike="noStrike" dirty="0">
-                <a:effectLst/>
-              </a:rPr>
-              <a:t> NAS, Andrews MC, Sharma P, Wang J, </a:t>
-            </a:r>
-            <a:r>
-              <a:rPr lang="en-US" sz="1350" b="0" i="0" u="none" strike="noStrike" dirty="0" err="1">
-                <a:effectLst/>
-              </a:rPr>
-              <a:t>Wargo</a:t>
-            </a:r>
-            <a:r>
-              <a:rPr lang="en-US" sz="1350" b="0" i="0" u="none" strike="noStrike" dirty="0">
-                <a:effectLst/>
-              </a:rPr>
-              <a:t> JA, </a:t>
-            </a:r>
-            <a:r>
-              <a:rPr lang="en-US" sz="1350" b="0" i="0" u="none" strike="noStrike" dirty="0" err="1">
-                <a:effectLst/>
-              </a:rPr>
-              <a:t>Pe'er</a:t>
-            </a:r>
-            <a:r>
-              <a:rPr lang="en-US" sz="1350" b="0" i="0" u="none" strike="noStrike" dirty="0">
-                <a:effectLst/>
-              </a:rPr>
-              <a:t> D, Allison JP. Distinct Cellular Mechanisms Underlie Anti-CTLA-4 and Anti-PD-1 Checkpoint Blockade. Cell. 2017 Sep 7;170(6):1120-1133.e17. </a:t>
-            </a:r>
-            <a:r>
-              <a:rPr lang="en-US" sz="1350" b="0" i="0" u="none" strike="noStrike" dirty="0" err="1">
-                <a:effectLst/>
-              </a:rPr>
-              <a:t>doi</a:t>
-            </a:r>
-            <a:r>
-              <a:rPr lang="en-US" sz="1350" b="0" i="0" u="none" strike="noStrike" dirty="0">
-                <a:effectLst/>
-              </a:rPr>
-              <a:t>: 10.1016/j.cell.2017.07.024. </a:t>
-            </a:r>
-            <a:r>
-              <a:rPr lang="en-US" sz="1350" b="0" i="0" u="none" strike="noStrike" dirty="0" err="1">
-                <a:effectLst/>
-              </a:rPr>
-              <a:t>Epub</a:t>
-            </a:r>
-            <a:r>
-              <a:rPr lang="en-US" sz="1350" b="0" i="0" u="none" strike="noStrike" dirty="0">
-                <a:effectLst/>
-              </a:rPr>
-              <a:t> 2017 Aug 10. PMID: 28803728; PMCID: PMC5591072.</a:t>
-            </a:r>
-          </a:p>
-          <a:p>
-            <a:pPr marL="514350" indent="-514350">
-              <a:buFont typeface="+mj-lt"/>
-              <a:buAutoNum type="arabicPeriod"/>
-            </a:pPr>
-            <a:r>
-              <a:rPr lang="en-US" sz="1350" b="0" i="0" u="none" strike="noStrike" dirty="0" err="1">
-                <a:effectLst/>
-              </a:rPr>
-              <a:t>Subudhi</a:t>
-            </a:r>
-            <a:r>
-              <a:rPr lang="en-US" sz="1350" b="0" i="0" u="none" strike="noStrike" dirty="0">
-                <a:effectLst/>
-              </a:rPr>
-              <a:t> SK, Aparicio A, Gao J, </a:t>
-            </a:r>
-            <a:r>
-              <a:rPr lang="en-US" sz="1350" b="0" i="0" u="none" strike="noStrike" dirty="0" err="1">
-                <a:effectLst/>
-              </a:rPr>
-              <a:t>Zurita</a:t>
-            </a:r>
-            <a:r>
-              <a:rPr lang="en-US" sz="1350" b="0" i="0" u="none" strike="noStrike" dirty="0">
-                <a:effectLst/>
-              </a:rPr>
-              <a:t> AJ, Araujo JC, </a:t>
-            </a:r>
-            <a:r>
-              <a:rPr lang="en-US" sz="1350" b="0" i="0" u="none" strike="noStrike" dirty="0" err="1">
-                <a:effectLst/>
-              </a:rPr>
-              <a:t>Logothetis</a:t>
-            </a:r>
-            <a:r>
-              <a:rPr lang="en-US" sz="1350" b="0" i="0" u="none" strike="noStrike" dirty="0">
-                <a:effectLst/>
-              </a:rPr>
-              <a:t> CJ, Tahir SA, </a:t>
-            </a:r>
-            <a:r>
-              <a:rPr lang="en-US" sz="1350" b="0" i="0" u="none" strike="noStrike" dirty="0" err="1">
-                <a:effectLst/>
-              </a:rPr>
-              <a:t>Korivi</a:t>
-            </a:r>
-            <a:r>
-              <a:rPr lang="en-US" sz="1350" b="0" i="0" u="none" strike="noStrike" dirty="0">
-                <a:effectLst/>
-              </a:rPr>
-              <a:t> BR, Slack RS, </a:t>
-            </a:r>
-            <a:r>
-              <a:rPr lang="en-US" sz="1350" b="0" i="0" u="none" strike="noStrike" dirty="0" err="1">
-                <a:effectLst/>
-              </a:rPr>
-              <a:t>Vence</a:t>
-            </a:r>
-            <a:r>
-              <a:rPr lang="en-US" sz="1350" b="0" i="0" u="none" strike="noStrike" dirty="0">
-                <a:effectLst/>
-              </a:rPr>
-              <a:t> L, Emerson RO, </a:t>
-            </a:r>
-            <a:r>
-              <a:rPr lang="en-US" sz="1350" b="0" i="0" u="none" strike="noStrike" dirty="0" err="1">
-                <a:effectLst/>
-              </a:rPr>
-              <a:t>Yusko</a:t>
-            </a:r>
-            <a:r>
-              <a:rPr lang="en-US" sz="1350" b="0" i="0" u="none" strike="noStrike" dirty="0">
-                <a:effectLst/>
-              </a:rPr>
-              <a:t> E, </a:t>
-            </a:r>
-            <a:r>
-              <a:rPr lang="en-US" sz="1350" b="0" i="0" u="none" strike="noStrike" dirty="0" err="1">
-                <a:effectLst/>
-              </a:rPr>
-              <a:t>Vignali</a:t>
-            </a:r>
-            <a:r>
-              <a:rPr lang="en-US" sz="1350" b="0" i="0" u="none" strike="noStrike" dirty="0">
-                <a:effectLst/>
-              </a:rPr>
-              <a:t> M, Robins HS, Sun J, Allison JP, Sharma P. Clonal expansion of CD8 T cells in the systemic circulation precedes development of ipilimumab-induced toxicities. Proc Natl </a:t>
-            </a:r>
-            <a:r>
-              <a:rPr lang="en-US" sz="1350" b="0" i="0" u="none" strike="noStrike" dirty="0" err="1">
-                <a:effectLst/>
-              </a:rPr>
-              <a:t>Acad</a:t>
-            </a:r>
-            <a:r>
-              <a:rPr lang="en-US" sz="1350" b="0" i="0" u="none" strike="noStrike" dirty="0">
-                <a:effectLst/>
-              </a:rPr>
-              <a:t> Sci U S A. 2016 Oct 18;113(42):11919-11924. </a:t>
-            </a:r>
-            <a:r>
-              <a:rPr lang="en-US" sz="1350" b="0" i="0" u="none" strike="noStrike" dirty="0" err="1">
-                <a:effectLst/>
-              </a:rPr>
-              <a:t>doi</a:t>
-            </a:r>
-            <a:r>
-              <a:rPr lang="en-US" sz="1350" b="0" i="0" u="none" strike="noStrike" dirty="0">
-                <a:effectLst/>
-              </a:rPr>
-              <a:t>: 10.1073/pnas.1611421113. </a:t>
-            </a:r>
-            <a:r>
-              <a:rPr lang="en-US" sz="1350" b="0" i="0" u="none" strike="noStrike" dirty="0" err="1">
-                <a:effectLst/>
-              </a:rPr>
-              <a:t>Epub</a:t>
-            </a:r>
-            <a:r>
-              <a:rPr lang="en-US" sz="1350" b="0" i="0" u="none" strike="noStrike" dirty="0">
-                <a:effectLst/>
-              </a:rPr>
-              <a:t> 2016 Oct 3. PMID: 27698113; PMCID: PMC5081579.</a:t>
-            </a:r>
-          </a:p>
-          <a:p>
-            <a:pPr marL="514350" indent="-514350">
-              <a:buFont typeface="+mj-lt"/>
-              <a:buAutoNum type="arabicPeriod"/>
-            </a:pPr>
-            <a:r>
-              <a:rPr lang="en-US" sz="1350" b="0" i="0" u="none" strike="noStrike" dirty="0" err="1">
-                <a:effectLst/>
-              </a:rPr>
-              <a:t>Nuñez</a:t>
-            </a:r>
-            <a:r>
-              <a:rPr lang="en-US" sz="1350" b="0" i="0" u="none" strike="noStrike" dirty="0">
-                <a:effectLst/>
-              </a:rPr>
-              <a:t> NG, Berner F, </a:t>
-            </a:r>
-            <a:r>
-              <a:rPr lang="en-US" sz="1350" b="0" i="0" u="none" strike="noStrike" dirty="0" err="1">
-                <a:effectLst/>
-              </a:rPr>
-              <a:t>Friebel</a:t>
-            </a:r>
-            <a:r>
-              <a:rPr lang="en-US" sz="1350" b="0" i="0" u="none" strike="noStrike" dirty="0">
-                <a:effectLst/>
-              </a:rPr>
-              <a:t> E, Unger S, Wyss N, Gomez JM, </a:t>
-            </a:r>
-            <a:r>
-              <a:rPr lang="en-US" sz="1350" b="0" i="0" u="none" strike="noStrike" dirty="0" err="1">
-                <a:effectLst/>
-              </a:rPr>
-              <a:t>Purde</a:t>
-            </a:r>
-            <a:r>
-              <a:rPr lang="en-US" sz="1350" b="0" i="0" u="none" strike="noStrike" dirty="0">
-                <a:effectLst/>
-              </a:rPr>
-              <a:t> MT, </a:t>
-            </a:r>
-            <a:r>
-              <a:rPr lang="en-US" sz="1350" b="0" i="0" u="none" strike="noStrike" dirty="0" err="1">
-                <a:effectLst/>
-              </a:rPr>
-              <a:t>Niederer</a:t>
-            </a:r>
-            <a:r>
-              <a:rPr lang="en-US" sz="1350" b="0" i="0" u="none" strike="noStrike" dirty="0">
-                <a:effectLst/>
-              </a:rPr>
-              <a:t> R, </a:t>
-            </a:r>
-            <a:r>
-              <a:rPr lang="en-US" sz="1350" b="0" i="0" u="none" strike="noStrike" dirty="0" err="1">
-                <a:effectLst/>
-              </a:rPr>
-              <a:t>Porsch</a:t>
-            </a:r>
-            <a:r>
-              <a:rPr lang="en-US" sz="1350" b="0" i="0" u="none" strike="noStrike" dirty="0">
-                <a:effectLst/>
-              </a:rPr>
-              <a:t> M, </a:t>
-            </a:r>
-            <a:r>
-              <a:rPr lang="en-US" sz="1350" b="0" i="0" u="none" strike="noStrike" dirty="0" err="1">
-                <a:effectLst/>
-              </a:rPr>
-              <a:t>Lichtensteiger</a:t>
-            </a:r>
-            <a:r>
-              <a:rPr lang="en-US" sz="1350" b="0" i="0" u="none" strike="noStrike" dirty="0">
-                <a:effectLst/>
-              </a:rPr>
-              <a:t> C, Kramer R, Erdmann M, Schmitt C, </a:t>
-            </a:r>
-            <a:r>
-              <a:rPr lang="en-US" sz="1350" b="0" i="0" u="none" strike="noStrike" dirty="0" err="1">
-                <a:effectLst/>
-              </a:rPr>
-              <a:t>Heinzerling</a:t>
-            </a:r>
-            <a:r>
-              <a:rPr lang="en-US" sz="1350" b="0" i="0" u="none" strike="noStrike" dirty="0">
-                <a:effectLst/>
-              </a:rPr>
-              <a:t> L, Abdou MT, </a:t>
-            </a:r>
-            <a:r>
-              <a:rPr lang="en-US" sz="1350" b="0" i="0" u="none" strike="noStrike" dirty="0" err="1">
-                <a:effectLst/>
-              </a:rPr>
-              <a:t>Karbach</a:t>
-            </a:r>
-            <a:r>
-              <a:rPr lang="en-US" sz="1350" b="0" i="0" u="none" strike="noStrike" dirty="0">
-                <a:effectLst/>
-              </a:rPr>
-              <a:t> J, </a:t>
-            </a:r>
-            <a:r>
-              <a:rPr lang="en-US" sz="1350" b="0" i="0" u="none" strike="noStrike" dirty="0" err="1">
-                <a:effectLst/>
-              </a:rPr>
-              <a:t>Schadendorf</a:t>
-            </a:r>
-            <a:r>
-              <a:rPr lang="en-US" sz="1350" b="0" i="0" u="none" strike="noStrike" dirty="0">
-                <a:effectLst/>
-              </a:rPr>
-              <a:t> D, Zimmer L, </a:t>
-            </a:r>
-            <a:r>
-              <a:rPr lang="en-US" sz="1350" b="0" i="0" u="none" strike="noStrike" dirty="0" err="1">
-                <a:effectLst/>
-              </a:rPr>
-              <a:t>Ugurel</a:t>
-            </a:r>
-            <a:r>
-              <a:rPr lang="en-US" sz="1350" b="0" i="0" u="none" strike="noStrike" dirty="0">
-                <a:effectLst/>
-              </a:rPr>
-              <a:t> S, </a:t>
-            </a:r>
-            <a:r>
-              <a:rPr lang="en-US" sz="1350" b="0" i="0" u="none" strike="noStrike" dirty="0" err="1">
-                <a:effectLst/>
-              </a:rPr>
-              <a:t>Klümper</a:t>
-            </a:r>
-            <a:r>
-              <a:rPr lang="en-US" sz="1350" b="0" i="0" u="none" strike="noStrike" dirty="0">
-                <a:effectLst/>
-              </a:rPr>
-              <a:t> N, </a:t>
-            </a:r>
-            <a:r>
-              <a:rPr lang="en-US" sz="1350" b="0" i="0" u="none" strike="noStrike" dirty="0" err="1">
-                <a:effectLst/>
-              </a:rPr>
-              <a:t>Hölzel</a:t>
-            </a:r>
-            <a:r>
-              <a:rPr lang="en-US" sz="1350" b="0" i="0" u="none" strike="noStrike" dirty="0">
-                <a:effectLst/>
-              </a:rPr>
-              <a:t> M, Power L, </a:t>
-            </a:r>
-            <a:r>
-              <a:rPr lang="en-US" sz="1350" b="0" i="0" u="none" strike="noStrike" dirty="0" err="1">
-                <a:effectLst/>
-              </a:rPr>
-              <a:t>Kreutmair</a:t>
-            </a:r>
-            <a:r>
-              <a:rPr lang="en-US" sz="1350" b="0" i="0" u="none" strike="noStrike" dirty="0">
-                <a:effectLst/>
-              </a:rPr>
-              <a:t> S, Capone M, Madonna G, </a:t>
-            </a:r>
-            <a:r>
-              <a:rPr lang="en-US" sz="1350" b="0" i="0" u="none" strike="noStrike" dirty="0" err="1">
-                <a:effectLst/>
-              </a:rPr>
-              <a:t>Cevhertas</a:t>
-            </a:r>
-            <a:r>
-              <a:rPr lang="en-US" sz="1350" b="0" i="0" u="none" strike="noStrike" dirty="0">
-                <a:effectLst/>
-              </a:rPr>
-              <a:t> L, Heider A, Amaral T, Hasan Ali O, </a:t>
-            </a:r>
-            <a:r>
-              <a:rPr lang="en-US" sz="1350" b="0" i="0" u="none" strike="noStrike" dirty="0" err="1">
-                <a:effectLst/>
-              </a:rPr>
-              <a:t>Bomze</a:t>
-            </a:r>
-            <a:r>
-              <a:rPr lang="en-US" sz="1350" b="0" i="0" u="none" strike="noStrike" dirty="0">
-                <a:effectLst/>
-              </a:rPr>
-              <a:t> D, </a:t>
-            </a:r>
-            <a:r>
-              <a:rPr lang="en-US" sz="1350" b="0" i="0" u="none" strike="noStrike" dirty="0" err="1">
-                <a:effectLst/>
-              </a:rPr>
-              <a:t>Dimitriou</a:t>
-            </a:r>
-            <a:r>
-              <a:rPr lang="en-US" sz="1350" b="0" i="0" u="none" strike="noStrike" dirty="0">
-                <a:effectLst/>
-              </a:rPr>
-              <a:t> F, Diem S, </a:t>
-            </a:r>
-            <a:r>
-              <a:rPr lang="en-US" sz="1350" b="0" i="0" u="none" strike="noStrike" dirty="0" err="1">
-                <a:effectLst/>
-              </a:rPr>
-              <a:t>Ascierto</a:t>
-            </a:r>
-            <a:r>
-              <a:rPr lang="en-US" sz="1350" b="0" i="0" u="none" strike="noStrike" dirty="0">
-                <a:effectLst/>
-              </a:rPr>
-              <a:t> PA, </a:t>
-            </a:r>
-            <a:r>
-              <a:rPr lang="en-US" sz="1350" b="0" i="0" u="none" strike="noStrike" dirty="0" err="1">
-                <a:effectLst/>
-              </a:rPr>
-              <a:t>Dummer</a:t>
-            </a:r>
-            <a:r>
-              <a:rPr lang="en-US" sz="1350" b="0" i="0" u="none" strike="noStrike" dirty="0">
-                <a:effectLst/>
-              </a:rPr>
-              <a:t> R, </a:t>
-            </a:r>
-            <a:r>
-              <a:rPr lang="en-US" sz="1350" b="0" i="0" u="none" strike="noStrike" dirty="0" err="1">
-                <a:effectLst/>
-              </a:rPr>
-              <a:t>Jäger</a:t>
-            </a:r>
-            <a:r>
-              <a:rPr lang="en-US" sz="1350" b="0" i="0" u="none" strike="noStrike" dirty="0">
-                <a:effectLst/>
-              </a:rPr>
-              <a:t> E, Driessen C, Levesque MP, van de Veen W, </a:t>
-            </a:r>
-            <a:r>
-              <a:rPr lang="en-US" sz="1350" b="0" i="0" u="none" strike="noStrike" dirty="0" err="1">
-                <a:effectLst/>
-              </a:rPr>
-              <a:t>Joerger</a:t>
-            </a:r>
-            <a:r>
-              <a:rPr lang="en-US" sz="1350" b="0" i="0" u="none" strike="noStrike" dirty="0">
-                <a:effectLst/>
-              </a:rPr>
-              <a:t> M, </a:t>
-            </a:r>
-            <a:r>
-              <a:rPr lang="en-US" sz="1350" b="0" i="0" u="none" strike="noStrike" dirty="0" err="1">
-                <a:effectLst/>
-              </a:rPr>
-              <a:t>Früh</a:t>
-            </a:r>
-            <a:r>
-              <a:rPr lang="en-US" sz="1350" b="0" i="0" u="none" strike="noStrike" dirty="0">
-                <a:effectLst/>
-              </a:rPr>
-              <a:t> M, Becher B, </a:t>
-            </a:r>
-            <a:r>
-              <a:rPr lang="en-US" sz="1350" b="0" i="0" u="none" strike="noStrike" dirty="0" err="1">
-                <a:effectLst/>
-              </a:rPr>
-              <a:t>Flatz</a:t>
-            </a:r>
-            <a:r>
-              <a:rPr lang="en-US" sz="1350" b="0" i="0" u="none" strike="noStrike" dirty="0">
-                <a:effectLst/>
-              </a:rPr>
-              <a:t> L. Immune signatures predict development of autoimmune toxicity in patients with cancer treated with immune checkpoint inhibitors. Med. 2023 Feb 10;4(2):113-129.e7. </a:t>
-            </a:r>
-            <a:r>
-              <a:rPr lang="en-US" sz="1350" b="0" i="0" u="none" strike="noStrike" dirty="0" err="1">
-                <a:effectLst/>
-              </a:rPr>
-              <a:t>doi</a:t>
-            </a:r>
-            <a:r>
-              <a:rPr lang="en-US" sz="1350" b="0" i="0" u="none" strike="noStrike" dirty="0">
-                <a:effectLst/>
-              </a:rPr>
-              <a:t>: 10.1016/j.medj.2022.12.007. </a:t>
-            </a:r>
-            <a:r>
-              <a:rPr lang="en-US" sz="1350" b="0" i="0" u="none" strike="noStrike" dirty="0" err="1">
-                <a:effectLst/>
-              </a:rPr>
-              <a:t>Epub</a:t>
-            </a:r>
-            <a:r>
-              <a:rPr lang="en-US" sz="1350" b="0" i="0" u="none" strike="noStrike" dirty="0">
-                <a:effectLst/>
-              </a:rPr>
-              <a:t> 2023 Jan 23. PMID: 36693381.</a:t>
-            </a:r>
-          </a:p>
-          <a:p>
-            <a:pPr marL="514350" indent="-514350">
-              <a:buFont typeface="+mj-lt"/>
-              <a:buAutoNum type="arabicPeriod"/>
-            </a:pPr>
-            <a:r>
-              <a:rPr lang="en-US" sz="1350" b="0" i="0" u="none" strike="noStrike" dirty="0">
-                <a:effectLst/>
-              </a:rPr>
-              <a:t>Lozano AX, Chaudhuri AA, Nene A, </a:t>
-            </a:r>
-            <a:r>
-              <a:rPr lang="en-US" sz="1350" b="0" i="0" u="none" strike="noStrike" dirty="0" err="1">
-                <a:effectLst/>
-              </a:rPr>
-              <a:t>Bacchiocchi</a:t>
-            </a:r>
-            <a:r>
-              <a:rPr lang="en-US" sz="1350" b="0" i="0" u="none" strike="noStrike" dirty="0">
-                <a:effectLst/>
-              </a:rPr>
-              <a:t> A, </a:t>
-            </a:r>
-            <a:r>
-              <a:rPr lang="en-US" sz="1350" b="0" i="0" u="none" strike="noStrike" dirty="0" err="1">
-                <a:effectLst/>
-              </a:rPr>
-              <a:t>Earland</a:t>
-            </a:r>
-            <a:r>
-              <a:rPr lang="en-US" sz="1350" b="0" i="0" u="none" strike="noStrike" dirty="0">
-                <a:effectLst/>
-              </a:rPr>
-              <a:t> N, Vesely MD, Usmani A, Turner BE, Steen CB, Luca BA, Badri T, Gulati GS, Vahid MR, </a:t>
-            </a:r>
-            <a:r>
-              <a:rPr lang="en-US" sz="1350" b="0" i="0" u="none" strike="noStrike" dirty="0" err="1">
-                <a:effectLst/>
-              </a:rPr>
-              <a:t>Khameneh</a:t>
-            </a:r>
-            <a:r>
-              <a:rPr lang="en-US" sz="1350" b="0" i="0" u="none" strike="noStrike" dirty="0">
-                <a:effectLst/>
-              </a:rPr>
-              <a:t> F, Harris PK, Chen DY, </a:t>
-            </a:r>
-            <a:r>
-              <a:rPr lang="en-US" sz="1350" b="0" i="0" u="none" strike="noStrike" dirty="0" err="1">
-                <a:effectLst/>
-              </a:rPr>
-              <a:t>Dhodapkar</a:t>
-            </a:r>
-            <a:r>
-              <a:rPr lang="en-US" sz="1350" b="0" i="0" u="none" strike="noStrike" dirty="0">
-                <a:effectLst/>
-              </a:rPr>
-              <a:t> K, </a:t>
-            </a:r>
-            <a:r>
-              <a:rPr lang="en-US" sz="1350" b="0" i="0" u="none" strike="noStrike" dirty="0" err="1">
-                <a:effectLst/>
-              </a:rPr>
-              <a:t>Sznol</a:t>
-            </a:r>
-            <a:r>
-              <a:rPr lang="en-US" sz="1350" b="0" i="0" u="none" strike="noStrike" dirty="0">
-                <a:effectLst/>
-              </a:rPr>
-              <a:t> M, </a:t>
-            </a:r>
-            <a:r>
-              <a:rPr lang="en-US" sz="1350" b="0" i="0" u="none" strike="noStrike" dirty="0" err="1">
-                <a:effectLst/>
-              </a:rPr>
-              <a:t>Halaban</a:t>
-            </a:r>
-            <a:r>
-              <a:rPr lang="en-US" sz="1350" b="0" i="0" u="none" strike="noStrike" dirty="0">
-                <a:effectLst/>
-              </a:rPr>
-              <a:t> R, Newman AM. T cell characteristics associated with toxicity to immune checkpoint blockade in patients with melanoma. Nat Med. 2022 Feb;28(2):353-362. </a:t>
-            </a:r>
-            <a:r>
-              <a:rPr lang="en-US" sz="1350" b="0" i="0" u="none" strike="noStrike" dirty="0" err="1">
-                <a:effectLst/>
-              </a:rPr>
-              <a:t>doi</a:t>
-            </a:r>
-            <a:r>
-              <a:rPr lang="en-US" sz="1350" b="0" i="0" u="none" strike="noStrike" dirty="0">
-                <a:effectLst/>
-              </a:rPr>
-              <a:t>: 10.1038/s41591-021-01623-z. </a:t>
-            </a:r>
-            <a:r>
-              <a:rPr lang="en-US" sz="1350" b="0" i="0" u="none" strike="noStrike" dirty="0" err="1">
-                <a:effectLst/>
-              </a:rPr>
-              <a:t>Epub</a:t>
-            </a:r>
-            <a:r>
-              <a:rPr lang="en-US" sz="1350" b="0" i="0" u="none" strike="noStrike" dirty="0">
-                <a:effectLst/>
-              </a:rPr>
-              <a:t> 2022 Jan 13. PMID: 35027754; PMCID: PMC8866214.</a:t>
-            </a:r>
-          </a:p>
-          <a:p>
-            <a:pPr marL="514350" indent="-514350">
-              <a:buFont typeface="+mj-lt"/>
-              <a:buAutoNum type="arabicPeriod"/>
-            </a:pPr>
-            <a:r>
-              <a:rPr lang="en-US" sz="1350" b="0" i="0" u="none" strike="noStrike" dirty="0">
-                <a:effectLst/>
-              </a:rPr>
-              <a:t>Berner F, </a:t>
-            </a:r>
-            <a:r>
-              <a:rPr lang="en-US" sz="1350" b="0" i="0" u="none" strike="noStrike" dirty="0" err="1">
-                <a:effectLst/>
-              </a:rPr>
-              <a:t>Bomze</a:t>
-            </a:r>
-            <a:r>
-              <a:rPr lang="en-US" sz="1350" b="0" i="0" u="none" strike="noStrike" dirty="0">
-                <a:effectLst/>
-              </a:rPr>
-              <a:t> D, Diem S, Ali OH, </a:t>
-            </a:r>
-            <a:r>
-              <a:rPr lang="en-US" sz="1350" b="0" i="0" u="none" strike="noStrike" dirty="0" err="1">
-                <a:effectLst/>
-              </a:rPr>
-              <a:t>Fässler</a:t>
-            </a:r>
-            <a:r>
-              <a:rPr lang="en-US" sz="1350" b="0" i="0" u="none" strike="noStrike" dirty="0">
-                <a:effectLst/>
-              </a:rPr>
-              <a:t> M, Ring S, </a:t>
-            </a:r>
-            <a:r>
-              <a:rPr lang="en-US" sz="1350" b="0" i="0" u="none" strike="noStrike" dirty="0" err="1">
-                <a:effectLst/>
-              </a:rPr>
-              <a:t>Niederer</a:t>
-            </a:r>
-            <a:r>
-              <a:rPr lang="en-US" sz="1350" b="0" i="0" u="none" strike="noStrike" dirty="0">
-                <a:effectLst/>
-              </a:rPr>
-              <a:t> R, Ackermann CJ, </a:t>
-            </a:r>
-            <a:r>
-              <a:rPr lang="en-US" sz="1350" b="0" i="0" u="none" strike="noStrike" dirty="0" err="1">
-                <a:effectLst/>
-              </a:rPr>
-              <a:t>Baumgaertner</a:t>
-            </a:r>
-            <a:r>
-              <a:rPr lang="en-US" sz="1350" b="0" i="0" u="none" strike="noStrike" dirty="0">
-                <a:effectLst/>
-              </a:rPr>
-              <a:t> P, </a:t>
-            </a:r>
-            <a:r>
-              <a:rPr lang="en-US" sz="1350" b="0" i="0" u="none" strike="noStrike" dirty="0" err="1">
-                <a:effectLst/>
-              </a:rPr>
-              <a:t>Pikor</a:t>
-            </a:r>
-            <a:r>
-              <a:rPr lang="en-US" sz="1350" b="0" i="0" u="none" strike="noStrike" dirty="0">
-                <a:effectLst/>
-              </a:rPr>
-              <a:t> N, Cruz CG, van de Veen W, </a:t>
-            </a:r>
-            <a:r>
-              <a:rPr lang="en-US" sz="1350" b="0" i="0" u="none" strike="noStrike" dirty="0" err="1">
-                <a:effectLst/>
-              </a:rPr>
-              <a:t>Akdis</a:t>
-            </a:r>
-            <a:r>
-              <a:rPr lang="en-US" sz="1350" b="0" i="0" u="none" strike="noStrike" dirty="0">
-                <a:effectLst/>
-              </a:rPr>
-              <a:t> M, Nikolaev S, </a:t>
-            </a:r>
-            <a:r>
-              <a:rPr lang="en-US" sz="1350" b="0" i="0" u="none" strike="noStrike" dirty="0" err="1">
-                <a:effectLst/>
-              </a:rPr>
-              <a:t>Läubli</a:t>
-            </a:r>
-            <a:r>
-              <a:rPr lang="en-US" sz="1350" b="0" i="0" u="none" strike="noStrike" dirty="0">
-                <a:effectLst/>
-              </a:rPr>
-              <a:t> H, </a:t>
-            </a:r>
-            <a:r>
-              <a:rPr lang="en-US" sz="1350" b="0" i="0" u="none" strike="noStrike" dirty="0" err="1">
-                <a:effectLst/>
-              </a:rPr>
-              <a:t>Zippelius</a:t>
-            </a:r>
-            <a:r>
-              <a:rPr lang="en-US" sz="1350" b="0" i="0" u="none" strike="noStrike" dirty="0">
-                <a:effectLst/>
-              </a:rPr>
-              <a:t> A, Hartmann F, Cheng HW, </a:t>
-            </a:r>
-            <a:r>
-              <a:rPr lang="en-US" sz="1350" b="0" i="0" u="none" strike="noStrike" dirty="0" err="1">
-                <a:effectLst/>
-              </a:rPr>
-              <a:t>Hönger</a:t>
-            </a:r>
-            <a:r>
-              <a:rPr lang="en-US" sz="1350" b="0" i="0" u="none" strike="noStrike" dirty="0">
-                <a:effectLst/>
-              </a:rPr>
-              <a:t> G, </a:t>
-            </a:r>
-            <a:r>
-              <a:rPr lang="en-US" sz="1350" b="0" i="0" u="none" strike="noStrike" dirty="0" err="1">
-                <a:effectLst/>
-              </a:rPr>
-              <a:t>Recher</a:t>
-            </a:r>
-            <a:r>
-              <a:rPr lang="en-US" sz="1350" b="0" i="0" u="none" strike="noStrike" dirty="0">
-                <a:effectLst/>
-              </a:rPr>
-              <a:t> M, Goldman J, </a:t>
-            </a:r>
-            <a:r>
-              <a:rPr lang="en-US" sz="1350" b="0" i="0" u="none" strike="noStrike" dirty="0" err="1">
-                <a:effectLst/>
-              </a:rPr>
-              <a:t>Cozzio</a:t>
-            </a:r>
-            <a:r>
-              <a:rPr lang="en-US" sz="1350" b="0" i="0" u="none" strike="noStrike" dirty="0">
-                <a:effectLst/>
-              </a:rPr>
-              <a:t> A, </a:t>
-            </a:r>
-            <a:r>
-              <a:rPr lang="en-US" sz="1350" b="0" i="0" u="none" strike="noStrike" dirty="0" err="1">
-                <a:effectLst/>
-              </a:rPr>
-              <a:t>Früh</a:t>
-            </a:r>
-            <a:r>
-              <a:rPr lang="en-US" sz="1350" b="0" i="0" u="none" strike="noStrike" dirty="0">
-                <a:effectLst/>
-              </a:rPr>
-              <a:t> M, </a:t>
-            </a:r>
-            <a:r>
-              <a:rPr lang="en-US" sz="1350" b="0" i="0" u="none" strike="noStrike" dirty="0" err="1">
-                <a:effectLst/>
-              </a:rPr>
-              <a:t>Neefjes</a:t>
-            </a:r>
-            <a:r>
-              <a:rPr lang="en-US" sz="1350" b="0" i="0" u="none" strike="noStrike" dirty="0">
-                <a:effectLst/>
-              </a:rPr>
-              <a:t> J, Driessen C, </a:t>
-            </a:r>
-            <a:r>
-              <a:rPr lang="en-US" sz="1350" b="0" i="0" u="none" strike="noStrike" dirty="0" err="1">
-                <a:effectLst/>
-              </a:rPr>
-              <a:t>Ludewig</a:t>
-            </a:r>
-            <a:r>
-              <a:rPr lang="en-US" sz="1350" b="0" i="0" u="none" strike="noStrike" dirty="0">
-                <a:effectLst/>
-              </a:rPr>
-              <a:t> B, </a:t>
-            </a:r>
-            <a:r>
-              <a:rPr lang="en-US" sz="1350" b="0" i="0" u="none" strike="noStrike" dirty="0" err="1">
-                <a:effectLst/>
-              </a:rPr>
-              <a:t>Hegazy</a:t>
-            </a:r>
-            <a:r>
-              <a:rPr lang="en-US" sz="1350" b="0" i="0" u="none" strike="noStrike" dirty="0">
-                <a:effectLst/>
-              </a:rPr>
-              <a:t> AN, </a:t>
-            </a:r>
-            <a:r>
-              <a:rPr lang="en-US" sz="1350" b="0" i="0" u="none" strike="noStrike" dirty="0" err="1">
-                <a:effectLst/>
-              </a:rPr>
-              <a:t>Jochum</a:t>
-            </a:r>
-            <a:r>
-              <a:rPr lang="en-US" sz="1350" b="0" i="0" u="none" strike="noStrike" dirty="0">
-                <a:effectLst/>
-              </a:rPr>
-              <a:t> W, </a:t>
-            </a:r>
-            <a:r>
-              <a:rPr lang="en-US" sz="1350" b="0" i="0" u="none" strike="noStrike" dirty="0" err="1">
-                <a:effectLst/>
-              </a:rPr>
-              <a:t>Speiser</a:t>
-            </a:r>
-            <a:r>
-              <a:rPr lang="en-US" sz="1350" b="0" i="0" u="none" strike="noStrike" dirty="0">
-                <a:effectLst/>
-              </a:rPr>
-              <a:t> DE, </a:t>
-            </a:r>
-            <a:r>
-              <a:rPr lang="en-US" sz="1350" b="0" i="0" u="none" strike="noStrike" dirty="0" err="1">
-                <a:effectLst/>
-              </a:rPr>
-              <a:t>Flatz</a:t>
-            </a:r>
-            <a:r>
-              <a:rPr lang="en-US" sz="1350" b="0" i="0" u="none" strike="noStrike" dirty="0">
-                <a:effectLst/>
-              </a:rPr>
-              <a:t> L. Association of Checkpoint Inhibitor-Induced Toxic Effects With Shared Cancer and Tissue Antigens in Non-Small Cell Lung Cancer. JAMA Oncol. 2019 Jul 1;5(7):1043-1047. </a:t>
-            </a:r>
-            <a:r>
-              <a:rPr lang="en-US" sz="1350" b="0" i="0" u="none" strike="noStrike" dirty="0" err="1">
-                <a:effectLst/>
-              </a:rPr>
-              <a:t>doi</a:t>
-            </a:r>
-            <a:r>
-              <a:rPr lang="en-US" sz="1350" b="0" i="0" u="none" strike="noStrike" dirty="0">
-                <a:effectLst/>
-              </a:rPr>
-              <a:t>: 10.1001/jamaoncol.2019.0402. Erratum in: JAMA Oncol. 2019 Jul 1;5(7):1070. PMID: 31021392; PMCID: PMC6487908.</a:t>
-            </a:r>
-            <a:endParaRPr lang="en-US" sz="1350" i="0" strike="noStrike" dirty="0">
-              <a:effectLst/>
-            </a:endParaRPr>
-          </a:p>
-        </p:txBody>
-      </p:sp>
+      </p:pic>
     </p:spTree>
     <p:extLst>
       <p:ext uri="{BB962C8B-B14F-4D97-AF65-F5344CB8AC3E}">
-        <p14:creationId xmlns:p14="http://schemas.microsoft.com/office/powerpoint/2010/main" val="2573222570"/>
+        <p14:creationId xmlns:p14="http://schemas.microsoft.com/office/powerpoint/2010/main" val="2523032682"/>
+      </p:ext>
+    </p:extLst>
+  </p:cSld>
+  <p:clrMapOvr>
+    <a:masterClrMapping/>
+  </p:clrMapOvr>
+</p:sld>
+</file>
+
+<file path=ppt/slides/slide16.xml><?xml version="1.0" encoding="utf-8"?>
+<p:sld xmlns:a="http://schemas.openxmlformats.org/drawingml/2006/main" xmlns:r="http://schemas.openxmlformats.org/officeDocument/2006/relationships" xmlns:p="http://schemas.openxmlformats.org/presentationml/2006/main">
+  <p:cSld>
+    <p:spTree>
+      <p:nvGrpSpPr>
+        <p:cNvPr id="1" name=""/>
+        <p:cNvGrpSpPr/>
+        <p:nvPr/>
+      </p:nvGrpSpPr>
+      <p:grpSpPr>
+        <a:xfrm>
+          <a:off x="0" y="0"/>
+          <a:ext cx="0" cy="0"/>
+          <a:chOff x="0" y="0"/>
+          <a:chExt cx="0" cy="0"/>
+        </a:xfrm>
+      </p:grpSpPr>
+      <p:sp>
+        <p:nvSpPr>
+          <p:cNvPr id="2" name="Title 1">
+            <a:extLst>
+              <a:ext uri="{FF2B5EF4-FFF2-40B4-BE49-F238E27FC236}">
+                <a16:creationId xmlns:a16="http://schemas.microsoft.com/office/drawing/2014/main" id="{70A4C97D-8F21-3D3B-6A90-EA7145324964}"/>
+              </a:ext>
+            </a:extLst>
+          </p:cNvPr>
+          <p:cNvSpPr>
+            <a:spLocks noGrp="1"/>
+          </p:cNvSpPr>
+          <p:nvPr>
+            <p:ph type="title"/>
+          </p:nvPr>
+        </p:nvSpPr>
+        <p:spPr/>
+        <p:txBody>
+          <a:bodyPr/>
+          <a:lstStyle/>
+          <a:p>
+            <a:r>
+              <a:rPr lang="en-US" dirty="0"/>
+              <a:t>Bulk TCR</a:t>
+            </a:r>
+            <a:r>
+              <a:rPr lang="el-GR" i="0" u="none" strike="noStrike" dirty="0">
+                <a:effectLst/>
+              </a:rPr>
+              <a:t>β</a:t>
+            </a:r>
+            <a:r>
+              <a:rPr lang="en-US" i="0" u="none" strike="noStrike" dirty="0">
+                <a:effectLst/>
+              </a:rPr>
+              <a:t> chain</a:t>
+            </a:r>
+            <a:r>
+              <a:rPr lang="en-US" dirty="0"/>
+              <a:t> profiling of n1/2 shows no differences by severe </a:t>
+            </a:r>
+            <a:r>
+              <a:rPr lang="en-US" dirty="0" err="1"/>
+              <a:t>irAE</a:t>
+            </a:r>
+            <a:r>
+              <a:rPr lang="en-US" dirty="0"/>
+              <a:t> development</a:t>
+            </a:r>
+          </a:p>
+        </p:txBody>
+      </p:sp>
+      <p:sp>
+        <p:nvSpPr>
+          <p:cNvPr id="3" name="Content Placeholder 2">
+            <a:extLst>
+              <a:ext uri="{FF2B5EF4-FFF2-40B4-BE49-F238E27FC236}">
+                <a16:creationId xmlns:a16="http://schemas.microsoft.com/office/drawing/2014/main" id="{B9501834-7B32-1ACA-4358-B630FB8EEC36}"/>
+              </a:ext>
+            </a:extLst>
+          </p:cNvPr>
+          <p:cNvSpPr>
+            <a:spLocks noGrp="1"/>
+          </p:cNvSpPr>
+          <p:nvPr>
+            <p:ph idx="1"/>
+          </p:nvPr>
+        </p:nvSpPr>
+        <p:spPr/>
+        <p:txBody>
+          <a:bodyPr>
+            <a:normAutofit/>
+          </a:bodyPr>
+          <a:lstStyle/>
+          <a:p>
+            <a:endParaRPr lang="en-US" i="1" dirty="0">
+              <a:effectLst/>
+              <a:latin typeface="Calibri (Body)"/>
+            </a:endParaRPr>
+          </a:p>
+          <a:p>
+            <a:pPr lvl="2"/>
+            <a:endParaRPr lang="en-US" b="0" dirty="0">
+              <a:solidFill>
+                <a:srgbClr val="000000"/>
+              </a:solidFill>
+              <a:effectLst/>
+              <a:latin typeface="Calibri (Body)"/>
+            </a:endParaRPr>
+          </a:p>
+        </p:txBody>
+      </p:sp>
+      <p:pic>
+        <p:nvPicPr>
+          <p:cNvPr id="5" name="Picture 4">
+            <a:extLst>
+              <a:ext uri="{FF2B5EF4-FFF2-40B4-BE49-F238E27FC236}">
+                <a16:creationId xmlns:a16="http://schemas.microsoft.com/office/drawing/2014/main" id="{9DA74A20-61CC-2CAA-2C02-686BDC2DD7D5}"/>
+              </a:ext>
+            </a:extLst>
+          </p:cNvPr>
+          <p:cNvPicPr>
+            <a:picLocks noChangeAspect="1"/>
+          </p:cNvPicPr>
+          <p:nvPr/>
+        </p:nvPicPr>
+        <p:blipFill>
+          <a:blip r:embed="rId3"/>
+          <a:stretch>
+            <a:fillRect/>
+          </a:stretch>
+        </p:blipFill>
+        <p:spPr>
+          <a:xfrm>
+            <a:off x="2209800" y="1550796"/>
+            <a:ext cx="7772400" cy="4626167"/>
+          </a:xfrm>
+          <a:prstGeom prst="rect">
+            <a:avLst/>
+          </a:prstGeom>
+        </p:spPr>
+      </p:pic>
+    </p:spTree>
+    <p:extLst>
+      <p:ext uri="{BB962C8B-B14F-4D97-AF65-F5344CB8AC3E}">
+        <p14:creationId xmlns:p14="http://schemas.microsoft.com/office/powerpoint/2010/main" val="2662461531"/>
       </p:ext>
     </p:extLst>
   </p:cSld>
@@ -7643,7 +7909,7 @@
         </p:spPr>
         <p:txBody>
           <a:bodyPr>
-            <a:normAutofit fontScale="92500" lnSpcReduction="20000"/>
+            <a:normAutofit fontScale="85000" lnSpcReduction="10000"/>
           </a:bodyPr>
           <a:lstStyle/>
           <a:p>
@@ -7789,7 +8055,50 @@
               </a:rPr>
               <a:t>5</a:t>
             </a:r>
-            <a:endParaRPr lang="en-US" baseline="30000" dirty="0"/>
+          </a:p>
+          <a:p>
+            <a:pPr lvl="2"/>
+            <a:r>
+              <a:rPr lang="en-US" b="1" dirty="0"/>
+              <a:t>Correction from Peter: this isn’t as established as I make it sound here </a:t>
+            </a:r>
+            <a:r>
+              <a:rPr lang="en-US" b="1" dirty="0">
+                <a:sym typeface="Wingdings" pitchFamily="2" charset="2"/>
+              </a:rPr>
+              <a:t> 1</a:t>
+            </a:r>
+            <a:r>
+              <a:rPr lang="en-US" b="1" baseline="30000" dirty="0">
+                <a:sym typeface="Wingdings" pitchFamily="2" charset="2"/>
+              </a:rPr>
+              <a:t>st</a:t>
+            </a:r>
+            <a:r>
+              <a:rPr lang="en-US" b="1" dirty="0">
+                <a:sym typeface="Wingdings" pitchFamily="2" charset="2"/>
+              </a:rPr>
+              <a:t> half of goal is to test if TCR expansion is related to </a:t>
+            </a:r>
+            <a:r>
+              <a:rPr lang="en-US" b="1" dirty="0" err="1">
+                <a:sym typeface="Wingdings" pitchFamily="2" charset="2"/>
+              </a:rPr>
+              <a:t>irAE</a:t>
+            </a:r>
+            <a:r>
+              <a:rPr lang="en-US" b="1" dirty="0">
+                <a:sym typeface="Wingdings" pitchFamily="2" charset="2"/>
+              </a:rPr>
+              <a:t> development (and not just </a:t>
+            </a:r>
+            <a:r>
+              <a:rPr lang="en-US" b="1">
+                <a:sym typeface="Wingdings" pitchFamily="2" charset="2"/>
+              </a:rPr>
+              <a:t>co-occurring randomly)</a:t>
+            </a:r>
+            <a:endParaRPr lang="en-US" b="1" dirty="0"/>
           </a:p>
           <a:p>
             <a:r>
@@ -8402,7 +8711,15 @@
             </a:r>
             <a:r>
               <a:rPr lang="en-US" dirty="0"/>
-              <a:t> profiling of CDR3 shows no differences before and on ICI treatment</a:t>
+              <a:t> profiling shows no differences by severe </a:t>
+            </a:r>
+            <a:r>
+              <a:rPr lang="en-US" dirty="0" err="1"/>
+              <a:t>irAE</a:t>
+            </a:r>
+            <a:r>
+              <a:rPr lang="en-US" dirty="0"/>
+              <a:t> development</a:t>
             </a:r>
           </a:p>
         </p:txBody>
@@ -8449,10 +8766,10 @@
       </p:sp>
       <p:pic>
         <p:nvPicPr>
-          <p:cNvPr id="5" name="Picture 4">
-            <a:extLst>
-              <a:ext uri="{FF2B5EF4-FFF2-40B4-BE49-F238E27FC236}">
-                <a16:creationId xmlns:a16="http://schemas.microsoft.com/office/drawing/2014/main" id="{D1BB46FA-B74F-4EF4-E515-1F0F1A7581D5}"/>
+          <p:cNvPr id="4" name="Picture 3">
+            <a:extLst>
+              <a:ext uri="{FF2B5EF4-FFF2-40B4-BE49-F238E27FC236}">
+                <a16:creationId xmlns:a16="http://schemas.microsoft.com/office/drawing/2014/main" id="{FC7F8DDC-B164-A027-D948-F19CB409CDE9}"/>
               </a:ext>
             </a:extLst>
           </p:cNvPr>
@@ -8469,8 +8786,8 @@
         </p:blipFill>
         <p:spPr>
           <a:xfrm>
-            <a:off x="2209800" y="1587225"/>
-            <a:ext cx="7772400" cy="4828138"/>
+            <a:off x="2042532" y="1690688"/>
+            <a:ext cx="7772400" cy="4423144"/>
           </a:xfrm>
           <a:prstGeom prst="rect">
             <a:avLst/>
@@ -8480,7 +8797,7 @@
     </p:spTree>
     <p:extLst>
       <p:ext uri="{BB962C8B-B14F-4D97-AF65-F5344CB8AC3E}">
-        <p14:creationId xmlns:p14="http://schemas.microsoft.com/office/powerpoint/2010/main" val="2058420041"/>
+        <p14:creationId xmlns:p14="http://schemas.microsoft.com/office/powerpoint/2010/main" val="3258015988"/>
       </p:ext>
     </p:extLst>
   </p:cSld>
@@ -8525,7 +8842,9 @@
         </p:nvSpPr>
         <p:spPr/>
         <p:txBody>
-          <a:bodyPr/>
+          <a:bodyPr>
+            <a:normAutofit fontScale="90000"/>
+          </a:bodyPr>
           <a:lstStyle/>
           <a:p>
             <a:r>
@@ -8546,7 +8865,15 @@
             </a:r>
             <a:r>
               <a:rPr lang="en-US" dirty="0"/>
-              <a:t> profiling of n1/2 insertions shows no differences before and on ICI treatment</a:t>
+              <a:t> profiling of amino acid hydrophobicity shows no differences by ICI status or severe </a:t>
+            </a:r>
+            <a:r>
+              <a:rPr lang="en-US" dirty="0" err="1"/>
+              <a:t>irAE</a:t>
+            </a:r>
+            <a:r>
+              <a:rPr lang="en-US" dirty="0"/>
+              <a:t> development</a:t>
             </a:r>
           </a:p>
         </p:txBody>
@@ -8593,10 +8920,10 @@
       </p:sp>
       <p:pic>
         <p:nvPicPr>
-          <p:cNvPr id="6" name="Picture 5">
-            <a:extLst>
-              <a:ext uri="{FF2B5EF4-FFF2-40B4-BE49-F238E27FC236}">
-                <a16:creationId xmlns:a16="http://schemas.microsoft.com/office/drawing/2014/main" id="{C1005B3F-1553-FB71-4C54-858B62BA0E35}"/>
+          <p:cNvPr id="4" name="Picture 3">
+            <a:extLst>
+              <a:ext uri="{FF2B5EF4-FFF2-40B4-BE49-F238E27FC236}">
+                <a16:creationId xmlns:a16="http://schemas.microsoft.com/office/drawing/2014/main" id="{B7C2C24F-F283-F5CA-1DF6-46E24BCF9519}"/>
               </a:ext>
             </a:extLst>
           </p:cNvPr>
@@ -8613,8 +8940,38 @@
         </p:blipFill>
         <p:spPr>
           <a:xfrm>
-            <a:off x="2410522" y="1575986"/>
-            <a:ext cx="7772400" cy="4850616"/>
+            <a:off x="0" y="2226164"/>
+            <a:ext cx="6067108" cy="3550258"/>
+          </a:xfrm>
+          <a:prstGeom prst="rect">
+            <a:avLst/>
+          </a:prstGeom>
+        </p:spPr>
+      </p:pic>
+      <p:pic>
+        <p:nvPicPr>
+          <p:cNvPr id="6" name="Picture 5">
+            <a:extLst>
+              <a:ext uri="{FF2B5EF4-FFF2-40B4-BE49-F238E27FC236}">
+                <a16:creationId xmlns:a16="http://schemas.microsoft.com/office/drawing/2014/main" id="{AA359E29-0C1B-9962-3A9A-414953A743F9}"/>
+              </a:ext>
+            </a:extLst>
+          </p:cNvPr>
+          <p:cNvPicPr>
+            <a:picLocks noChangeAspect="1"/>
+          </p:cNvPicPr>
+          <p:nvPr/>
+        </p:nvPicPr>
+        <p:blipFill>
+          <a:blip r:embed="rId4"/>
+          <a:stretch>
+            <a:fillRect/>
+          </a:stretch>
+        </p:blipFill>
+        <p:spPr>
+          <a:xfrm>
+            <a:off x="6124894" y="2237988"/>
+            <a:ext cx="6067108" cy="3526611"/>
           </a:xfrm>
           <a:prstGeom prst="rect">
             <a:avLst/>
@@ -8624,7 +8981,7 @@
     </p:spTree>
     <p:extLst>
       <p:ext uri="{BB962C8B-B14F-4D97-AF65-F5344CB8AC3E}">
-        <p14:creationId xmlns:p14="http://schemas.microsoft.com/office/powerpoint/2010/main" val="3614858519"/>
+        <p14:creationId xmlns:p14="http://schemas.microsoft.com/office/powerpoint/2010/main" val="1288752440"/>
       </p:ext>
     </p:extLst>
   </p:cSld>
@@ -8674,31 +9031,7 @@
           <a:p>
             <a:r>
               <a:rPr lang="en-US" dirty="0"/>
-              <a:t>Bulk TCR</a:t>
-            </a:r>
-            <a:r>
-              <a:rPr lang="el-GR" i="0" u="none" strike="noStrike" dirty="0">
-                <a:effectLst/>
-              </a:rPr>
-              <a:t>β</a:t>
-            </a:r>
-            <a:r>
-              <a:rPr lang="en-US" i="0" u="none" strike="noStrike" dirty="0">
-                <a:effectLst/>
-              </a:rPr>
-              <a:t> chain</a:t>
-            </a:r>
-            <a:r>
-              <a:rPr lang="en-US" dirty="0"/>
-              <a:t> profiling shows no differences by severe </a:t>
-            </a:r>
-            <a:r>
-              <a:rPr lang="en-US" dirty="0" err="1"/>
-              <a:t>irAE</a:t>
-            </a:r>
-            <a:r>
-              <a:rPr lang="en-US" dirty="0"/>
-              <a:t> development</a:t>
+              <a:t>Next steps with this dataset before moving on to other datasets</a:t>
             </a:r>
           </a:p>
         </p:txBody>
@@ -8743,40 +9076,283 @@
           </a:p>
         </p:txBody>
       </p:sp>
-      <p:pic>
-        <p:nvPicPr>
-          <p:cNvPr id="4" name="Picture 3">
-            <a:extLst>
-              <a:ext uri="{FF2B5EF4-FFF2-40B4-BE49-F238E27FC236}">
-                <a16:creationId xmlns:a16="http://schemas.microsoft.com/office/drawing/2014/main" id="{FC7F8DDC-B164-A027-D948-F19CB409CDE9}"/>
-              </a:ext>
-            </a:extLst>
-          </p:cNvPr>
-          <p:cNvPicPr>
-            <a:picLocks noChangeAspect="1"/>
-          </p:cNvPicPr>
+      <p:sp>
+        <p:nvSpPr>
+          <p:cNvPr id="4" name="Content Placeholder 2">
+            <a:extLst>
+              <a:ext uri="{FF2B5EF4-FFF2-40B4-BE49-F238E27FC236}">
+                <a16:creationId xmlns:a16="http://schemas.microsoft.com/office/drawing/2014/main" id="{5767AE1C-C1CA-F933-F61A-C86D61421EA4}"/>
+              </a:ext>
+            </a:extLst>
+          </p:cNvPr>
+          <p:cNvSpPr txBox="1">
+            <a:spLocks/>
+          </p:cNvSpPr>
           <p:nvPr/>
-        </p:nvPicPr>
-        <p:blipFill>
-          <a:blip r:embed="rId3"/>
-          <a:stretch>
-            <a:fillRect/>
-          </a:stretch>
-        </p:blipFill>
+        </p:nvSpPr>
         <p:spPr>
           <a:xfrm>
-            <a:off x="2042532" y="1690688"/>
-            <a:ext cx="7772400" cy="4423144"/>
+            <a:off x="990600" y="1978025"/>
+            <a:ext cx="10515600" cy="4351338"/>
           </a:xfrm>
           <a:prstGeom prst="rect">
             <a:avLst/>
           </a:prstGeom>
         </p:spPr>
-      </p:pic>
+        <p:txBody>
+          <a:bodyPr vert="horz" lIns="91440" tIns="45720" rIns="91440" bIns="45720" rtlCol="0">
+            <a:normAutofit/>
+          </a:bodyPr>
+          <a:lstStyle>
+            <a:lvl1pPr marL="228600" indent="-228600" algn="l" defTabSz="914400" rtl="0" eaLnBrk="1" latinLnBrk="0" hangingPunct="1">
+              <a:lnSpc>
+                <a:spcPct val="90000"/>
+              </a:lnSpc>
+              <a:spcBef>
+                <a:spcPts val="1000"/>
+              </a:spcBef>
+              <a:buFont typeface="Arial" panose="020B0604020202020204" pitchFamily="34" charset="0"/>
+              <a:buChar char="•"/>
+              <a:defRPr sz="2800" kern="1200">
+                <a:solidFill>
+                  <a:schemeClr val="tx1"/>
+                </a:solidFill>
+                <a:latin typeface="+mn-lt"/>
+                <a:ea typeface="+mn-ea"/>
+                <a:cs typeface="+mn-cs"/>
+              </a:defRPr>
+            </a:lvl1pPr>
+            <a:lvl2pPr marL="685800" indent="-228600" algn="l" defTabSz="914400" rtl="0" eaLnBrk="1" latinLnBrk="0" hangingPunct="1">
+              <a:lnSpc>
+                <a:spcPct val="90000"/>
+              </a:lnSpc>
+              <a:spcBef>
+                <a:spcPts val="500"/>
+              </a:spcBef>
+              <a:buFont typeface="Arial" panose="020B0604020202020204" pitchFamily="34" charset="0"/>
+              <a:buChar char="•"/>
+              <a:defRPr sz="2400" kern="1200">
+                <a:solidFill>
+                  <a:schemeClr val="tx1"/>
+                </a:solidFill>
+                <a:latin typeface="+mn-lt"/>
+                <a:ea typeface="+mn-ea"/>
+                <a:cs typeface="+mn-cs"/>
+              </a:defRPr>
+            </a:lvl2pPr>
+            <a:lvl3pPr marL="1143000" indent="-228600" algn="l" defTabSz="914400" rtl="0" eaLnBrk="1" latinLnBrk="0" hangingPunct="1">
+              <a:lnSpc>
+                <a:spcPct val="90000"/>
+              </a:lnSpc>
+              <a:spcBef>
+                <a:spcPts val="500"/>
+              </a:spcBef>
+              <a:buFont typeface="Arial" panose="020B0604020202020204" pitchFamily="34" charset="0"/>
+              <a:buChar char="•"/>
+              <a:defRPr sz="2000" kern="1200">
+                <a:solidFill>
+                  <a:schemeClr val="tx1"/>
+                </a:solidFill>
+                <a:latin typeface="+mn-lt"/>
+                <a:ea typeface="+mn-ea"/>
+                <a:cs typeface="+mn-cs"/>
+              </a:defRPr>
+            </a:lvl3pPr>
+            <a:lvl4pPr marL="1600200" indent="-228600" algn="l" defTabSz="914400" rtl="0" eaLnBrk="1" latinLnBrk="0" hangingPunct="1">
+              <a:lnSpc>
+                <a:spcPct val="90000"/>
+              </a:lnSpc>
+              <a:spcBef>
+                <a:spcPts val="500"/>
+              </a:spcBef>
+              <a:buFont typeface="Arial" panose="020B0604020202020204" pitchFamily="34" charset="0"/>
+              <a:buChar char="•"/>
+              <a:defRPr sz="1800" kern="1200">
+                <a:solidFill>
+                  <a:schemeClr val="tx1"/>
+                </a:solidFill>
+                <a:latin typeface="+mn-lt"/>
+                <a:ea typeface="+mn-ea"/>
+                <a:cs typeface="+mn-cs"/>
+              </a:defRPr>
+            </a:lvl4pPr>
+            <a:lvl5pPr marL="2057400" indent="-228600" algn="l" defTabSz="914400" rtl="0" eaLnBrk="1" latinLnBrk="0" hangingPunct="1">
+              <a:lnSpc>
+                <a:spcPct val="90000"/>
+              </a:lnSpc>
+              <a:spcBef>
+                <a:spcPts val="500"/>
+              </a:spcBef>
+              <a:buFont typeface="Arial" panose="020B0604020202020204" pitchFamily="34" charset="0"/>
+              <a:buChar char="•"/>
+              <a:defRPr sz="1800" kern="1200">
+                <a:solidFill>
+                  <a:schemeClr val="tx1"/>
+                </a:solidFill>
+                <a:latin typeface="+mn-lt"/>
+                <a:ea typeface="+mn-ea"/>
+                <a:cs typeface="+mn-cs"/>
+              </a:defRPr>
+            </a:lvl5pPr>
+            <a:lvl6pPr marL="2514600" indent="-228600" algn="l" defTabSz="914400" rtl="0" eaLnBrk="1" latinLnBrk="0" hangingPunct="1">
+              <a:lnSpc>
+                <a:spcPct val="90000"/>
+              </a:lnSpc>
+              <a:spcBef>
+                <a:spcPts val="500"/>
+              </a:spcBef>
+              <a:buFont typeface="Arial" panose="020B0604020202020204" pitchFamily="34" charset="0"/>
+              <a:buChar char="•"/>
+              <a:defRPr sz="1800" kern="1200">
+                <a:solidFill>
+                  <a:schemeClr val="tx1"/>
+                </a:solidFill>
+                <a:latin typeface="+mn-lt"/>
+                <a:ea typeface="+mn-ea"/>
+                <a:cs typeface="+mn-cs"/>
+              </a:defRPr>
+            </a:lvl6pPr>
+            <a:lvl7pPr marL="2971800" indent="-228600" algn="l" defTabSz="914400" rtl="0" eaLnBrk="1" latinLnBrk="0" hangingPunct="1">
+              <a:lnSpc>
+                <a:spcPct val="90000"/>
+              </a:lnSpc>
+              <a:spcBef>
+                <a:spcPts val="500"/>
+              </a:spcBef>
+              <a:buFont typeface="Arial" panose="020B0604020202020204" pitchFamily="34" charset="0"/>
+              <a:buChar char="•"/>
+              <a:defRPr sz="1800" kern="1200">
+                <a:solidFill>
+                  <a:schemeClr val="tx1"/>
+                </a:solidFill>
+                <a:latin typeface="+mn-lt"/>
+                <a:ea typeface="+mn-ea"/>
+                <a:cs typeface="+mn-cs"/>
+              </a:defRPr>
+            </a:lvl7pPr>
+            <a:lvl8pPr marL="3429000" indent="-228600" algn="l" defTabSz="914400" rtl="0" eaLnBrk="1" latinLnBrk="0" hangingPunct="1">
+              <a:lnSpc>
+                <a:spcPct val="90000"/>
+              </a:lnSpc>
+              <a:spcBef>
+                <a:spcPts val="500"/>
+              </a:spcBef>
+              <a:buFont typeface="Arial" panose="020B0604020202020204" pitchFamily="34" charset="0"/>
+              <a:buChar char="•"/>
+              <a:defRPr sz="1800" kern="1200">
+                <a:solidFill>
+                  <a:schemeClr val="tx1"/>
+                </a:solidFill>
+                <a:latin typeface="+mn-lt"/>
+                <a:ea typeface="+mn-ea"/>
+                <a:cs typeface="+mn-cs"/>
+              </a:defRPr>
+            </a:lvl8pPr>
+            <a:lvl9pPr marL="3886200" indent="-228600" algn="l" defTabSz="914400" rtl="0" eaLnBrk="1" latinLnBrk="0" hangingPunct="1">
+              <a:lnSpc>
+                <a:spcPct val="90000"/>
+              </a:lnSpc>
+              <a:spcBef>
+                <a:spcPts val="500"/>
+              </a:spcBef>
+              <a:buFont typeface="Arial" panose="020B0604020202020204" pitchFamily="34" charset="0"/>
+              <a:buChar char="•"/>
+              <a:defRPr sz="1800" kern="1200">
+                <a:solidFill>
+                  <a:schemeClr val="tx1"/>
+                </a:solidFill>
+                <a:latin typeface="+mn-lt"/>
+                <a:ea typeface="+mn-ea"/>
+                <a:cs typeface="+mn-cs"/>
+              </a:defRPr>
+            </a:lvl9pPr>
+          </a:lstStyle>
+          <a:p>
+            <a:r>
+              <a:rPr lang="en-US" dirty="0">
+                <a:latin typeface="Calibri (Body)"/>
+              </a:rPr>
+              <a:t>Use</a:t>
+            </a:r>
+            <a:r>
+              <a:rPr lang="en-US" i="1" dirty="0">
+                <a:latin typeface="Calibri (Body)"/>
+              </a:rPr>
+              <a:t> </a:t>
+            </a:r>
+            <a:r>
+              <a:rPr lang="en-US" i="1" dirty="0" err="1">
+                <a:latin typeface="Calibri (Body)"/>
+              </a:rPr>
+              <a:t>Stitchr</a:t>
+            </a:r>
+            <a:r>
+              <a:rPr lang="en-US" i="1" dirty="0">
+                <a:latin typeface="Calibri (Body)"/>
+              </a:rPr>
+              <a:t> </a:t>
+            </a:r>
+            <a:r>
+              <a:rPr lang="en-US" dirty="0">
+                <a:latin typeface="Calibri (Body)"/>
+              </a:rPr>
+              <a:t>to produce complete TCR cDNAs from V/J/CDR3 AA sequences</a:t>
+            </a:r>
+          </a:p>
+          <a:p>
+            <a:pPr lvl="1"/>
+            <a:r>
+              <a:rPr lang="en-US" dirty="0">
+                <a:latin typeface="Calibri (Body)"/>
+              </a:rPr>
+              <a:t>Input into IMGT/</a:t>
+            </a:r>
+            <a:r>
+              <a:rPr lang="en-US" dirty="0" err="1">
+                <a:latin typeface="Calibri (Body)"/>
+              </a:rPr>
+              <a:t>HighV</a:t>
+            </a:r>
+            <a:r>
+              <a:rPr lang="en-US" dirty="0">
+                <a:latin typeface="Calibri (Body)"/>
+              </a:rPr>
+              <a:t>-QUEST</a:t>
+            </a:r>
+          </a:p>
+          <a:p>
+            <a:pPr lvl="1"/>
+            <a:r>
+              <a:rPr lang="en-US" dirty="0">
+                <a:latin typeface="Calibri (Body)"/>
+              </a:rPr>
+              <a:t>Input into </a:t>
+            </a:r>
+            <a:r>
+              <a:rPr lang="en-US" dirty="0" err="1">
+                <a:latin typeface="Calibri (Body)"/>
+              </a:rPr>
+              <a:t>IGoR</a:t>
+            </a:r>
+            <a:r>
+              <a:rPr lang="en-US" dirty="0">
+                <a:latin typeface="Calibri (Body)"/>
+              </a:rPr>
+              <a:t> for probability of generation score (higher meaning more germline-like)</a:t>
+            </a:r>
+            <a:endParaRPr lang="en-US" dirty="0">
+              <a:solidFill>
+                <a:srgbClr val="000000"/>
+              </a:solidFill>
+              <a:latin typeface="Calibri (Body)"/>
+            </a:endParaRPr>
+          </a:p>
+        </p:txBody>
+      </p:sp>
     </p:spTree>
     <p:extLst>
       <p:ext uri="{BB962C8B-B14F-4D97-AF65-F5344CB8AC3E}">
-        <p14:creationId xmlns:p14="http://schemas.microsoft.com/office/powerpoint/2010/main" val="3258015988"/>
+        <p14:creationId xmlns:p14="http://schemas.microsoft.com/office/powerpoint/2010/main" val="525378116"/>
       </p:ext>
     </p:extLst>
   </p:cSld>

--- a/linsley_postdoc/presentations/weekly_meetings/10_12_23.pptx
+++ b/linsley_postdoc/presentations/weekly_meetings/10_12_23.pptx
@@ -223,7 +223,7 @@
           <a:p>
             <a:fld id="{E933A773-0DCE-3544-BB67-D5FA58DF903C}" type="datetimeFigureOut">
               <a:rPr lang="en-US" smtClean="0"/>
-              <a:t>10/13/23</a:t>
+              <a:t>10/18/23</a:t>
             </a:fld>
             <a:endParaRPr lang="en-US"/>
           </a:p>
@@ -1906,7 +1906,7 @@
           <a:p>
             <a:fld id="{80FC6068-BAFB-FC44-B9D8-F4B3BB105DE6}" type="datetimeFigureOut">
               <a:rPr lang="en-US" smtClean="0"/>
-              <a:t>10/13/23</a:t>
+              <a:t>10/18/23</a:t>
             </a:fld>
             <a:endParaRPr lang="en-US"/>
           </a:p>
@@ -2104,7 +2104,7 @@
           <a:p>
             <a:fld id="{80FC6068-BAFB-FC44-B9D8-F4B3BB105DE6}" type="datetimeFigureOut">
               <a:rPr lang="en-US" smtClean="0"/>
-              <a:t>10/13/23</a:t>
+              <a:t>10/18/23</a:t>
             </a:fld>
             <a:endParaRPr lang="en-US"/>
           </a:p>
@@ -2312,7 +2312,7 @@
           <a:p>
             <a:fld id="{80FC6068-BAFB-FC44-B9D8-F4B3BB105DE6}" type="datetimeFigureOut">
               <a:rPr lang="en-US" smtClean="0"/>
-              <a:t>10/13/23</a:t>
+              <a:t>10/18/23</a:t>
             </a:fld>
             <a:endParaRPr lang="en-US"/>
           </a:p>
@@ -2516,7 +2516,7 @@
           <a:p>
             <a:fld id="{80FC6068-BAFB-FC44-B9D8-F4B3BB105DE6}" type="datetimeFigureOut">
               <a:rPr lang="en-US" smtClean="0"/>
-              <a:t>10/13/23</a:t>
+              <a:t>10/18/23</a:t>
             </a:fld>
             <a:endParaRPr lang="en-US"/>
           </a:p>
@@ -2807,7 +2807,7 @@
           <a:p>
             <a:fld id="{80FC6068-BAFB-FC44-B9D8-F4B3BB105DE6}" type="datetimeFigureOut">
               <a:rPr lang="en-US" smtClean="0"/>
-              <a:t>10/13/23</a:t>
+              <a:t>10/18/23</a:t>
             </a:fld>
             <a:endParaRPr lang="en-US"/>
           </a:p>
@@ -3072,7 +3072,7 @@
           <a:p>
             <a:fld id="{80FC6068-BAFB-FC44-B9D8-F4B3BB105DE6}" type="datetimeFigureOut">
               <a:rPr lang="en-US" smtClean="0"/>
-              <a:t>10/13/23</a:t>
+              <a:t>10/18/23</a:t>
             </a:fld>
             <a:endParaRPr lang="en-US"/>
           </a:p>
@@ -3484,7 +3484,7 @@
           <a:p>
             <a:fld id="{80FC6068-BAFB-FC44-B9D8-F4B3BB105DE6}" type="datetimeFigureOut">
               <a:rPr lang="en-US" smtClean="0"/>
-              <a:t>10/13/23</a:t>
+              <a:t>10/18/23</a:t>
             </a:fld>
             <a:endParaRPr lang="en-US"/>
           </a:p>
@@ -3625,7 +3625,7 @@
           <a:p>
             <a:fld id="{80FC6068-BAFB-FC44-B9D8-F4B3BB105DE6}" type="datetimeFigureOut">
               <a:rPr lang="en-US" smtClean="0"/>
-              <a:t>10/13/23</a:t>
+              <a:t>10/18/23</a:t>
             </a:fld>
             <a:endParaRPr lang="en-US"/>
           </a:p>
@@ -3738,7 +3738,7 @@
           <a:p>
             <a:fld id="{80FC6068-BAFB-FC44-B9D8-F4B3BB105DE6}" type="datetimeFigureOut">
               <a:rPr lang="en-US" smtClean="0"/>
-              <a:t>10/13/23</a:t>
+              <a:t>10/18/23</a:t>
             </a:fld>
             <a:endParaRPr lang="en-US"/>
           </a:p>
@@ -4049,7 +4049,7 @@
           <a:p>
             <a:fld id="{80FC6068-BAFB-FC44-B9D8-F4B3BB105DE6}" type="datetimeFigureOut">
               <a:rPr lang="en-US" smtClean="0"/>
-              <a:t>10/13/23</a:t>
+              <a:t>10/18/23</a:t>
             </a:fld>
             <a:endParaRPr lang="en-US"/>
           </a:p>
@@ -4337,7 +4337,7 @@
           <a:p>
             <a:fld id="{80FC6068-BAFB-FC44-B9D8-F4B3BB105DE6}" type="datetimeFigureOut">
               <a:rPr lang="en-US" smtClean="0"/>
-              <a:t>10/13/23</a:t>
+              <a:t>10/18/23</a:t>
             </a:fld>
             <a:endParaRPr lang="en-US"/>
           </a:p>
@@ -4578,7 +4578,7 @@
           <a:p>
             <a:fld id="{80FC6068-BAFB-FC44-B9D8-F4B3BB105DE6}" type="datetimeFigureOut">
               <a:rPr lang="en-US" smtClean="0"/>
-              <a:t>10/13/23</a:t>
+              <a:t>10/18/23</a:t>
             </a:fld>
             <a:endParaRPr lang="en-US"/>
           </a:p>
@@ -7909,7 +7909,7 @@
         </p:spPr>
         <p:txBody>
           <a:bodyPr>
-            <a:normAutofit fontScale="85000" lnSpcReduction="10000"/>
+            <a:normAutofit fontScale="85000" lnSpcReduction="20000"/>
           </a:bodyPr>
           <a:lstStyle/>
           <a:p>
@@ -8090,13 +8090,7 @@
               <a:rPr lang="en-US" b="1" dirty="0">
                 <a:sym typeface="Wingdings" pitchFamily="2" charset="2"/>
               </a:rPr>
-              <a:t> development (and not just </a:t>
-            </a:r>
-            <a:r>
-              <a:rPr lang="en-US" b="1">
-                <a:sym typeface="Wingdings" pitchFamily="2" charset="2"/>
-              </a:rPr>
-              <a:t>co-occurring randomly)</a:t>
+              <a:t> development (and not just co-occurring randomly)</a:t>
             </a:r>
             <a:endParaRPr lang="en-US" b="1" dirty="0"/>
           </a:p>
@@ -8120,6 +8114,22 @@
               <a:rPr lang="en-US" dirty="0"/>
               <a:t>How broad is this potential cross-reactivity? Relationship between TCR features and cross-reactivity?</a:t>
             </a:r>
+          </a:p>
+          <a:p>
+            <a:pPr lvl="1"/>
+            <a:r>
+              <a:rPr lang="en-US" dirty="0"/>
+              <a:t>Post-meeting idea from literature: </a:t>
+            </a:r>
+            <a:r>
+              <a:rPr lang="en-US" b="1" dirty="0"/>
+              <a:t>we expect more germline-like TCRs to be more cross-reactive as they have lower </a:t>
+            </a:r>
+            <a:r>
+              <a:rPr lang="en-US" b="1"/>
+              <a:t>sequence complexity?</a:t>
+            </a:r>
+            <a:endParaRPr lang="en-US" dirty="0"/>
           </a:p>
           <a:p>
             <a:pPr lvl="1"/>
